--- a/source/images/ans_diagrams.pptx
+++ b/source/images/ans_diagrams.pptx
@@ -6,6 +6,7 @@
   </p:sldMasterIdLst>
   <p:sldIdLst>
     <p:sldId id="256" r:id="rId2"/>
+    <p:sldId id="257" r:id="rId3"/>
   </p:sldIdLst>
   <p:sldSz cx="12192000" cy="6858000"/>
   <p:notesSz cx="6858000" cy="9144000"/>
@@ -3343,7 +3344,7 @@
               <p:nvPr>
                 <p:extLst>
                   <p:ext uri="{D42A27DB-BD31-4B8C-83A1-F6EECF244321}">
-                    <p14:modId xmlns:p14="http://schemas.microsoft.com/office/powerpoint/2010/main" val="2023367663"/>
+                    <p14:modId xmlns:p14="http://schemas.microsoft.com/office/powerpoint/2010/main" val="3197267109"/>
                   </p:ext>
                 </p:extLst>
               </p:nvPr>
@@ -3517,10 +3518,10 @@
                           <a14:m>
                             <m:oMath xmlns:m="http://schemas.openxmlformats.org/officeDocument/2006/math">
                               <m:r>
-                                <a:rPr lang="en-US" sz="1400" b="1" i="1" smtClean="0">
+                                <a:rPr lang="en-US" sz="1400" b="0" i="1" smtClean="0">
                                   <a:ln>
                                     <a:solidFill>
-                                      <a:schemeClr val="bg1"/>
+                                      <a:schemeClr val="tx1"/>
                                     </a:solidFill>
                                   </a:ln>
                                   <a:solidFill>
@@ -3528,13 +3529,13 @@
                                   </a:solidFill>
                                   <a:latin typeface="Cambria Math" panose="02040503050406030204" pitchFamily="18" charset="0"/>
                                 </a:rPr>
-                                <m:t>𝒑</m:t>
+                                <m:t>𝑝</m:t>
                               </m:r>
                               <m:r>
-                                <a:rPr lang="en-US" sz="1400" b="1" i="1" smtClean="0">
+                                <a:rPr lang="en-US" sz="1400" b="0" i="1" smtClean="0">
                                   <a:ln>
                                     <a:solidFill>
-                                      <a:schemeClr val="bg1"/>
+                                      <a:schemeClr val="tx1"/>
                                     </a:solidFill>
                                   </a:ln>
                                   <a:solidFill>
@@ -3547,17 +3548,17 @@
                             </m:oMath>
                           </a14:m>
                           <a:r>
-                            <a:rPr lang="en-US" sz="1400" b="1" dirty="0">
+                            <a:rPr lang="en-US" sz="1400" b="0" dirty="0">
                               <a:ln>
                                 <a:solidFill>
-                                  <a:schemeClr val="bg1"/>
+                                  <a:schemeClr val="tx1"/>
                                 </a:solidFill>
                               </a:ln>
                               <a:solidFill>
                                 <a:schemeClr val="tx1"/>
                               </a:solidFill>
                             </a:rPr>
-                            <a:t>1/2</a:t>
+                            <a:t> 1/2</a:t>
                           </a:r>
                         </a:p>
                       </a:txBody>
@@ -5079,10 +5080,10 @@
                               </m:oMathParaPr>
                               <m:oMath xmlns:m="http://schemas.openxmlformats.org/officeDocument/2006/math">
                                 <m:r>
-                                  <a:rPr lang="en-US" sz="1400" b="1" i="1" smtClean="0">
+                                  <a:rPr lang="en-US" sz="1400" b="0" i="1" smtClean="0">
                                     <a:ln>
                                       <a:solidFill>
-                                        <a:schemeClr val="bg1"/>
+                                        <a:schemeClr val="tx1"/>
                                       </a:solidFill>
                                     </a:ln>
                                     <a:solidFill>
@@ -5090,13 +5091,13 @@
                                     </a:solidFill>
                                     <a:latin typeface="Cambria Math" panose="02040503050406030204" pitchFamily="18" charset="0"/>
                                   </a:rPr>
-                                  <m:t>𝒑</m:t>
+                                  <m:t>𝑝</m:t>
                                 </m:r>
                                 <m:r>
-                                  <a:rPr lang="en-US" sz="1400" b="1" i="1" smtClean="0">
+                                  <a:rPr lang="en-US" sz="1400" b="0" i="1" smtClean="0">
                                     <a:ln>
                                       <a:solidFill>
-                                        <a:schemeClr val="bg1"/>
+                                        <a:schemeClr val="tx1"/>
                                       </a:solidFill>
                                     </a:ln>
                                     <a:solidFill>
@@ -5104,57 +5105,15 @@
                                     </a:solidFill>
                                     <a:latin typeface="Cambria Math" panose="02040503050406030204" pitchFamily="18" charset="0"/>
                                   </a:rPr>
-                                  <m:t>=</m:t>
-                                </m:r>
-                                <m:r>
-                                  <a:rPr lang="en-US" sz="1400" b="1" i="1" smtClean="0">
-                                    <a:ln>
-                                      <a:solidFill>
-                                        <a:schemeClr val="bg1"/>
-                                      </a:solidFill>
-                                    </a:ln>
-                                    <a:solidFill>
-                                      <a:schemeClr val="tx1"/>
-                                    </a:solidFill>
-                                    <a:latin typeface="Cambria Math" panose="02040503050406030204" pitchFamily="18" charset="0"/>
-                                  </a:rPr>
-                                  <m:t>𝟑</m:t>
-                                </m:r>
-                                <m:r>
-                                  <a:rPr lang="en-US" sz="1400" b="1" i="1" smtClean="0">
-                                    <a:ln>
-                                      <a:solidFill>
-                                        <a:schemeClr val="bg1"/>
-                                      </a:solidFill>
-                                    </a:ln>
-                                    <a:solidFill>
-                                      <a:schemeClr val="tx1"/>
-                                    </a:solidFill>
-                                    <a:latin typeface="Cambria Math" panose="02040503050406030204" pitchFamily="18" charset="0"/>
-                                  </a:rPr>
-                                  <m:t>/</m:t>
-                                </m:r>
-                                <m:r>
-                                  <a:rPr lang="en-US" sz="1400" b="1" i="1" smtClean="0">
-                                    <a:ln>
-                                      <a:solidFill>
-                                        <a:schemeClr val="bg1"/>
-                                      </a:solidFill>
-                                    </a:ln>
-                                    <a:solidFill>
-                                      <a:schemeClr val="tx1"/>
-                                    </a:solidFill>
-                                    <a:latin typeface="Cambria Math" panose="02040503050406030204" pitchFamily="18" charset="0"/>
-                                  </a:rPr>
-                                  <m:t>𝟕</m:t>
+                                  <m:t>=3/7</m:t>
                                 </m:r>
                               </m:oMath>
                             </m:oMathPara>
                           </a14:m>
-                          <a:endParaRPr lang="en-US" sz="1400" b="1" dirty="0">
+                          <a:endParaRPr lang="en-US" sz="1400" b="0" dirty="0">
                             <a:ln>
                               <a:solidFill>
-                                <a:schemeClr val="bg1"/>
+                                <a:schemeClr val="tx1"/>
                               </a:solidFill>
                             </a:ln>
                             <a:solidFill>
@@ -6519,10 +6478,10 @@
                               </m:oMathParaPr>
                               <m:oMath xmlns:m="http://schemas.openxmlformats.org/officeDocument/2006/math">
                                 <m:r>
-                                  <a:rPr lang="en-US" sz="1400" b="1" i="1" smtClean="0">
+                                  <a:rPr lang="en-US" sz="1400" b="0" i="1" smtClean="0">
                                     <a:ln>
                                       <a:solidFill>
-                                        <a:schemeClr val="bg1"/>
+                                        <a:schemeClr val="tx1"/>
                                       </a:solidFill>
                                     </a:ln>
                                     <a:solidFill>
@@ -6530,13 +6489,13 @@
                                     </a:solidFill>
                                     <a:latin typeface="Cambria Math" panose="02040503050406030204" pitchFamily="18" charset="0"/>
                                   </a:rPr>
-                                  <m:t>𝒑</m:t>
+                                  <m:t>𝑝</m:t>
                                 </m:r>
                                 <m:r>
-                                  <a:rPr lang="en-US" sz="1400" b="1" i="1" smtClean="0">
+                                  <a:rPr lang="en-US" sz="1400" b="0" i="1" smtClean="0">
                                     <a:ln>
                                       <a:solidFill>
-                                        <a:schemeClr val="bg1"/>
+                                        <a:schemeClr val="tx1"/>
                                       </a:solidFill>
                                     </a:ln>
                                     <a:solidFill>
@@ -6544,57 +6503,15 @@
                                     </a:solidFill>
                                     <a:latin typeface="Cambria Math" panose="02040503050406030204" pitchFamily="18" charset="0"/>
                                   </a:rPr>
-                                  <m:t>=</m:t>
-                                </m:r>
-                                <m:r>
-                                  <a:rPr lang="en-US" sz="1400" b="1" i="1" smtClean="0">
-                                    <a:ln>
-                                      <a:solidFill>
-                                        <a:schemeClr val="bg1"/>
-                                      </a:solidFill>
-                                    </a:ln>
-                                    <a:solidFill>
-                                      <a:schemeClr val="tx1"/>
-                                    </a:solidFill>
-                                    <a:latin typeface="Cambria Math" panose="02040503050406030204" pitchFamily="18" charset="0"/>
-                                  </a:rPr>
-                                  <m:t>𝟏</m:t>
-                                </m:r>
-                                <m:r>
-                                  <a:rPr lang="en-US" sz="1400" b="1" i="1" smtClean="0">
-                                    <a:ln>
-                                      <a:solidFill>
-                                        <a:schemeClr val="bg1"/>
-                                      </a:solidFill>
-                                    </a:ln>
-                                    <a:solidFill>
-                                      <a:schemeClr val="tx1"/>
-                                    </a:solidFill>
-                                    <a:latin typeface="Cambria Math" panose="02040503050406030204" pitchFamily="18" charset="0"/>
-                                  </a:rPr>
-                                  <m:t>/</m:t>
-                                </m:r>
-                                <m:r>
-                                  <a:rPr lang="en-US" sz="1400" b="1" i="1" smtClean="0">
-                                    <a:ln>
-                                      <a:solidFill>
-                                        <a:schemeClr val="bg1"/>
-                                      </a:solidFill>
-                                    </a:ln>
-                                    <a:solidFill>
-                                      <a:schemeClr val="tx1"/>
-                                    </a:solidFill>
-                                    <a:latin typeface="Cambria Math" panose="02040503050406030204" pitchFamily="18" charset="0"/>
-                                  </a:rPr>
-                                  <m:t>𝟑</m:t>
+                                  <m:t>=1/3</m:t>
                                 </m:r>
                               </m:oMath>
                             </m:oMathPara>
                           </a14:m>
-                          <a:endParaRPr lang="en-US" sz="1400" b="1" dirty="0">
+                          <a:endParaRPr lang="en-US" sz="1400" b="0" dirty="0">
                             <a:ln>
                               <a:solidFill>
-                                <a:schemeClr val="bg1"/>
+                                <a:schemeClr val="tx1"/>
                               </a:solidFill>
                             </a:ln>
                             <a:solidFill>
@@ -7965,10 +7882,10 @@
                               </m:oMathParaPr>
                               <m:oMath xmlns:m="http://schemas.openxmlformats.org/officeDocument/2006/math">
                                 <m:r>
-                                  <a:rPr lang="en-US" sz="1400" b="1" i="1" smtClean="0">
+                                  <a:rPr lang="en-US" sz="1400" b="0" i="1" smtClean="0">
                                     <a:ln>
                                       <a:solidFill>
-                                        <a:schemeClr val="bg1"/>
+                                        <a:schemeClr val="tx1"/>
                                       </a:solidFill>
                                     </a:ln>
                                     <a:solidFill>
@@ -7976,13 +7893,13 @@
                                     </a:solidFill>
                                     <a:latin typeface="Cambria Math" panose="02040503050406030204" pitchFamily="18" charset="0"/>
                                   </a:rPr>
-                                  <m:t>𝒑</m:t>
+                                  <m:t>𝑝</m:t>
                                 </m:r>
                                 <m:r>
-                                  <a:rPr lang="en-US" sz="1400" b="1" i="1" smtClean="0">
+                                  <a:rPr lang="en-US" sz="1400" b="0" i="1" smtClean="0">
                                     <a:ln>
                                       <a:solidFill>
-                                        <a:schemeClr val="bg1"/>
+                                        <a:schemeClr val="tx1"/>
                                       </a:solidFill>
                                     </a:ln>
                                     <a:solidFill>
@@ -7990,57 +7907,15 @@
                                     </a:solidFill>
                                     <a:latin typeface="Cambria Math" panose="02040503050406030204" pitchFamily="18" charset="0"/>
                                   </a:rPr>
-                                  <m:t>=</m:t>
-                                </m:r>
-                                <m:r>
-                                  <a:rPr lang="en-US" sz="1400" b="1" i="1" smtClean="0">
-                                    <a:ln>
-                                      <a:solidFill>
-                                        <a:schemeClr val="bg1"/>
-                                      </a:solidFill>
-                                    </a:ln>
-                                    <a:solidFill>
-                                      <a:schemeClr val="tx1"/>
-                                    </a:solidFill>
-                                    <a:latin typeface="Cambria Math" panose="02040503050406030204" pitchFamily="18" charset="0"/>
-                                  </a:rPr>
-                                  <m:t>𝟑</m:t>
-                                </m:r>
-                                <m:r>
-                                  <a:rPr lang="en-US" sz="1400" b="1" i="1" smtClean="0">
-                                    <a:ln>
-                                      <a:solidFill>
-                                        <a:schemeClr val="bg1"/>
-                                      </a:solidFill>
-                                    </a:ln>
-                                    <a:solidFill>
-                                      <a:schemeClr val="tx1"/>
-                                    </a:solidFill>
-                                    <a:latin typeface="Cambria Math" panose="02040503050406030204" pitchFamily="18" charset="0"/>
-                                  </a:rPr>
-                                  <m:t>/</m:t>
-                                </m:r>
-                                <m:r>
-                                  <a:rPr lang="en-US" sz="1400" b="1" i="1" smtClean="0">
-                                    <a:ln>
-                                      <a:solidFill>
-                                        <a:schemeClr val="bg1"/>
-                                      </a:solidFill>
-                                    </a:ln>
-                                    <a:solidFill>
-                                      <a:schemeClr val="tx1"/>
-                                    </a:solidFill>
-                                    <a:latin typeface="Cambria Math" panose="02040503050406030204" pitchFamily="18" charset="0"/>
-                                  </a:rPr>
-                                  <m:t>𝟏𝟎</m:t>
+                                  <m:t>=3/10</m:t>
                                 </m:r>
                               </m:oMath>
                             </m:oMathPara>
                           </a14:m>
-                          <a:endParaRPr lang="en-US" sz="1400" b="1" dirty="0">
+                          <a:endParaRPr lang="en-US" sz="1400" b="0" dirty="0">
                             <a:ln>
                               <a:solidFill>
-                                <a:schemeClr val="bg1"/>
+                                <a:schemeClr val="tx1"/>
                               </a:solidFill>
                             </a:ln>
                             <a:solidFill>
@@ -9418,7 +9293,7 @@
               <p:nvPr>
                 <p:extLst>
                   <p:ext uri="{D42A27DB-BD31-4B8C-83A1-F6EECF244321}">
-                    <p14:modId xmlns:p14="http://schemas.microsoft.com/office/powerpoint/2010/main" val="2023367663"/>
+                    <p14:modId xmlns:p14="http://schemas.microsoft.com/office/powerpoint/2010/main" val="3197267109"/>
                   </p:ext>
                 </p:extLst>
               </p:nvPr>
@@ -15371,7 +15246,7 @@
               <p:nvPr>
                 <p:extLst>
                   <p:ext uri="{D42A27DB-BD31-4B8C-83A1-F6EECF244321}">
-                    <p14:modId xmlns:p14="http://schemas.microsoft.com/office/powerpoint/2010/main" val="231985777"/>
+                    <p14:modId xmlns:p14="http://schemas.microsoft.com/office/powerpoint/2010/main" val="3839193765"/>
                   </p:ext>
                 </p:extLst>
               </p:nvPr>
@@ -15479,10 +15354,10 @@
                               </m:oMathParaPr>
                               <m:oMath xmlns:m="http://schemas.openxmlformats.org/officeDocument/2006/math">
                                 <m:r>
-                                  <a:rPr lang="en-US" sz="1400" b="1" i="1" smtClean="0">
+                                  <a:rPr lang="en-US" sz="1400" b="0" i="1" smtClean="0">
                                     <a:ln>
                                       <a:solidFill>
-                                        <a:schemeClr val="bg1"/>
+                                        <a:schemeClr val="tx1"/>
                                       </a:solidFill>
                                     </a:ln>
                                     <a:solidFill>
@@ -15490,13 +15365,13 @@
                                     </a:solidFill>
                                     <a:latin typeface="Cambria Math" panose="02040503050406030204" pitchFamily="18" charset="0"/>
                                   </a:rPr>
-                                  <m:t>𝑪</m:t>
+                                  <m:t>𝐶</m:t>
                                 </m:r>
                                 <m:r>
-                                  <a:rPr lang="en-US" sz="1400" b="1" i="1" smtClean="0">
+                                  <a:rPr lang="en-US" sz="1400" b="0" i="1" smtClean="0">
                                     <a:ln>
                                       <a:solidFill>
-                                        <a:schemeClr val="bg1"/>
+                                        <a:schemeClr val="tx1"/>
                                       </a:solidFill>
                                     </a:ln>
                                     <a:solidFill>
@@ -15509,10 +15384,10 @@
                                 <m:sSub>
                                   <m:sSubPr>
                                     <m:ctrlPr>
-                                      <a:rPr lang="en-US" sz="1400" b="1" i="1" smtClean="0">
+                                      <a:rPr lang="en-US" sz="1400" b="0" i="1" smtClean="0">
                                         <a:ln>
                                           <a:solidFill>
-                                            <a:schemeClr val="bg1"/>
+                                            <a:schemeClr val="tx1"/>
                                           </a:solidFill>
                                         </a:ln>
                                         <a:solidFill>
@@ -15524,10 +15399,10 @@
                                   </m:sSubPr>
                                   <m:e>
                                     <m:r>
-                                      <a:rPr lang="en-US" sz="1400" b="1" i="1" smtClean="0">
+                                      <a:rPr lang="en-US" sz="1400" b="0" i="1" smtClean="0">
                                         <a:ln>
                                           <a:solidFill>
-                                            <a:schemeClr val="bg1"/>
+                                            <a:schemeClr val="tx1"/>
                                           </a:solidFill>
                                         </a:ln>
                                         <a:solidFill>
@@ -15535,15 +15410,15 @@
                                         </a:solidFill>
                                         <a:latin typeface="Cambria Math" panose="02040503050406030204" pitchFamily="18" charset="0"/>
                                       </a:rPr>
-                                      <m:t>𝒙</m:t>
+                                      <m:t>𝑥</m:t>
                                     </m:r>
                                   </m:e>
                                   <m:sub>
                                     <m:r>
-                                      <a:rPr lang="en-US" sz="1400" b="1" i="1" smtClean="0">
+                                      <a:rPr lang="en-US" sz="1400" b="0" i="1" smtClean="0">
                                         <a:ln>
                                           <a:solidFill>
-                                            <a:schemeClr val="bg1"/>
+                                            <a:schemeClr val="tx1"/>
                                           </a:solidFill>
                                         </a:ln>
                                         <a:solidFill>
@@ -15551,15 +15426,15 @@
                                         </a:solidFill>
                                         <a:latin typeface="Cambria Math" panose="02040503050406030204" pitchFamily="18" charset="0"/>
                                       </a:rPr>
-                                      <m:t>𝒊</m:t>
+                                      <m:t>𝑖</m:t>
                                     </m:r>
                                   </m:sub>
                                 </m:sSub>
                                 <m:r>
-                                  <a:rPr lang="en-US" sz="1400" b="1" i="1" smtClean="0">
+                                  <a:rPr lang="en-US" sz="1400" b="0" i="1" smtClean="0">
                                     <a:ln>
                                       <a:solidFill>
-                                        <a:schemeClr val="bg1"/>
+                                        <a:schemeClr val="tx1"/>
                                       </a:solidFill>
                                     </a:ln>
                                     <a:solidFill>
@@ -15572,10 +15447,10 @@
                                 <m:sSub>
                                   <m:sSubPr>
                                     <m:ctrlPr>
-                                      <a:rPr lang="en-US" sz="1400" b="1" i="1" smtClean="0">
+                                      <a:rPr lang="en-US" sz="1400" b="0" i="1" smtClean="0">
                                         <a:ln>
                                           <a:solidFill>
-                                            <a:schemeClr val="bg1"/>
+                                            <a:schemeClr val="tx1"/>
                                           </a:solidFill>
                                         </a:ln>
                                         <a:solidFill>
@@ -15587,10 +15462,10 @@
                                   </m:sSubPr>
                                   <m:e>
                                     <m:r>
-                                      <a:rPr lang="en-US" sz="1400" b="1" i="1" smtClean="0">
+                                      <a:rPr lang="en-US" sz="1400" b="0" i="1" smtClean="0">
                                         <a:ln>
                                           <a:solidFill>
-                                            <a:schemeClr val="bg1"/>
+                                            <a:schemeClr val="tx1"/>
                                           </a:solidFill>
                                         </a:ln>
                                         <a:solidFill>
@@ -15598,15 +15473,15 @@
                                         </a:solidFill>
                                         <a:latin typeface="Cambria Math" panose="02040503050406030204" pitchFamily="18" charset="0"/>
                                       </a:rPr>
-                                      <m:t>𝒃</m:t>
+                                      <m:t>𝑏</m:t>
                                     </m:r>
                                   </m:e>
                                   <m:sub>
                                     <m:r>
-                                      <a:rPr lang="en-US" sz="1400" b="1" i="1" smtClean="0">
+                                      <a:rPr lang="en-US" sz="1400" b="0" i="1" smtClean="0">
                                         <a:ln>
                                           <a:solidFill>
-                                            <a:schemeClr val="bg1"/>
+                                            <a:schemeClr val="tx1"/>
                                           </a:solidFill>
                                         </a:ln>
                                         <a:solidFill>
@@ -15614,15 +15489,29 @@
                                         </a:solidFill>
                                         <a:latin typeface="Cambria Math" panose="02040503050406030204" pitchFamily="18" charset="0"/>
                                       </a:rPr>
-                                      <m:t>𝒊</m:t>
+                                      <m:t>𝑖</m:t>
+                                    </m:r>
+                                    <m:r>
+                                      <a:rPr lang="en-US" sz="1400" b="0" i="1" smtClean="0">
+                                        <a:ln>
+                                          <a:solidFill>
+                                            <a:schemeClr val="tx1"/>
+                                          </a:solidFill>
+                                        </a:ln>
+                                        <a:solidFill>
+                                          <a:schemeClr val="tx1"/>
+                                        </a:solidFill>
+                                        <a:latin typeface="Cambria Math" panose="02040503050406030204" pitchFamily="18" charset="0"/>
+                                      </a:rPr>
+                                      <m:t>+1</m:t>
                                     </m:r>
                                   </m:sub>
                                 </m:sSub>
                                 <m:r>
-                                  <a:rPr lang="en-US" sz="1400" b="1" i="1" smtClean="0">
+                                  <a:rPr lang="en-US" sz="1400" b="0" i="1" smtClean="0">
                                     <a:ln>
                                       <a:solidFill>
-                                        <a:schemeClr val="bg1"/>
+                                        <a:schemeClr val="tx1"/>
                                       </a:solidFill>
                                     </a:ln>
                                     <a:solidFill>
@@ -15635,10 +15524,10 @@
                               </m:oMath>
                             </m:oMathPara>
                           </a14:m>
-                          <a:endParaRPr lang="en-US" sz="1400" b="1" dirty="0">
+                          <a:endParaRPr lang="en-US" sz="1400" b="0" dirty="0">
                             <a:ln>
                               <a:solidFill>
-                                <a:schemeClr val="bg1"/>
+                                <a:schemeClr val="tx1"/>
                               </a:solidFill>
                             </a:ln>
                             <a:solidFill>
@@ -16360,10 +16249,10 @@
                                 <m:sSub>
                                   <m:sSubPr>
                                     <m:ctrlPr>
-                                      <a:rPr lang="en-US" sz="1400" b="1" i="1" smtClean="0">
+                                      <a:rPr lang="en-US" sz="1400" b="0" i="1" smtClean="0">
                                         <a:ln>
                                           <a:solidFill>
-                                            <a:schemeClr val="bg1"/>
+                                            <a:schemeClr val="tx1"/>
                                           </a:solidFill>
                                         </a:ln>
                                         <a:solidFill>
@@ -16375,10 +16264,10 @@
                                   </m:sSubPr>
                                   <m:e>
                                     <m:r>
-                                      <a:rPr lang="en-US" sz="1400" b="1" i="1" smtClean="0">
+                                      <a:rPr lang="en-US" sz="1400" b="0" i="1" smtClean="0">
                                         <a:ln>
                                           <a:solidFill>
-                                            <a:schemeClr val="bg1"/>
+                                            <a:schemeClr val="tx1"/>
                                           </a:solidFill>
                                         </a:ln>
                                         <a:solidFill>
@@ -16386,15 +16275,15 @@
                                         </a:solidFill>
                                         <a:latin typeface="Cambria Math" panose="02040503050406030204" pitchFamily="18" charset="0"/>
                                       </a:rPr>
-                                      <m:t>𝒃</m:t>
+                                      <m:t>𝑏</m:t>
                                     </m:r>
                                   </m:e>
                                   <m:sub>
                                     <m:r>
-                                      <a:rPr lang="en-US" sz="1400" b="1" i="1" smtClean="0">
+                                      <a:rPr lang="en-US" sz="1400" b="0" i="1" smtClean="0">
                                         <a:ln>
                                           <a:solidFill>
-                                            <a:schemeClr val="bg1"/>
+                                            <a:schemeClr val="tx1"/>
                                           </a:solidFill>
                                         </a:ln>
                                         <a:solidFill>
@@ -16402,15 +16291,15 @@
                                         </a:solidFill>
                                         <a:latin typeface="Cambria Math" panose="02040503050406030204" pitchFamily="18" charset="0"/>
                                       </a:rPr>
-                                      <m:t>𝒊</m:t>
+                                      <m:t>𝑖</m:t>
                                     </m:r>
                                   </m:sub>
                                 </m:sSub>
                                 <m:r>
-                                  <a:rPr lang="en-US" sz="1400" b="1" i="1" smtClean="0">
+                                  <a:rPr lang="en-US" sz="1400" b="0" i="1" smtClean="0">
                                     <a:ln>
                                       <a:solidFill>
-                                        <a:schemeClr val="bg1"/>
+                                        <a:schemeClr val="tx1"/>
                                       </a:solidFill>
                                     </a:ln>
                                     <a:solidFill>
@@ -16418,29 +16307,15 @@
                                     </a:solidFill>
                                     <a:latin typeface="Cambria Math" panose="02040503050406030204" pitchFamily="18" charset="0"/>
                                   </a:rPr>
-                                  <m:t>=</m:t>
-                                </m:r>
-                                <m:r>
-                                  <a:rPr lang="en-US" sz="1400" b="1" i="1" smtClean="0">
-                                    <a:ln>
-                                      <a:solidFill>
-                                        <a:schemeClr val="bg1"/>
-                                      </a:solidFill>
-                                    </a:ln>
-                                    <a:solidFill>
-                                      <a:schemeClr val="tx1"/>
-                                    </a:solidFill>
-                                    <a:latin typeface="Cambria Math" panose="02040503050406030204" pitchFamily="18" charset="0"/>
-                                  </a:rPr>
-                                  <m:t>𝟎</m:t>
+                                  <m:t>=0</m:t>
                                 </m:r>
                               </m:oMath>
                             </m:oMathPara>
                           </a14:m>
-                          <a:endParaRPr lang="en-US" sz="1400" b="1" dirty="0">
+                          <a:endParaRPr lang="en-US" sz="1400" b="0" dirty="0">
                             <a:ln>
                               <a:solidFill>
-                                <a:schemeClr val="bg1"/>
+                                <a:schemeClr val="tx1"/>
                               </a:solidFill>
                             </a:ln>
                             <a:solidFill>
@@ -17150,10 +17025,10 @@
                                 <m:sSub>
                                   <m:sSubPr>
                                     <m:ctrlPr>
-                                      <a:rPr lang="en-US" sz="1400" b="1" i="1" smtClean="0">
+                                      <a:rPr lang="en-US" sz="1400" b="0" i="1" smtClean="0">
                                         <a:ln>
                                           <a:solidFill>
-                                            <a:schemeClr val="bg1"/>
+                                            <a:schemeClr val="tx1"/>
                                           </a:solidFill>
                                         </a:ln>
                                         <a:solidFill>
@@ -17165,10 +17040,10 @@
                                   </m:sSubPr>
                                   <m:e>
                                     <m:r>
-                                      <a:rPr lang="en-US" sz="1400" b="1" i="1" smtClean="0">
+                                      <a:rPr lang="en-US" sz="1400" b="0" i="1" smtClean="0">
                                         <a:ln>
                                           <a:solidFill>
-                                            <a:schemeClr val="bg1"/>
+                                            <a:schemeClr val="tx1"/>
                                           </a:solidFill>
                                         </a:ln>
                                         <a:solidFill>
@@ -17176,15 +17051,15 @@
                                         </a:solidFill>
                                         <a:latin typeface="Cambria Math" panose="02040503050406030204" pitchFamily="18" charset="0"/>
                                       </a:rPr>
-                                      <m:t>𝒃</m:t>
+                                      <m:t>𝑏</m:t>
                                     </m:r>
                                   </m:e>
                                   <m:sub>
                                     <m:r>
-                                      <a:rPr lang="en-US" sz="1400" b="1" i="1" smtClean="0">
+                                      <a:rPr lang="en-US" sz="1400" b="0" i="1" smtClean="0">
                                         <a:ln>
                                           <a:solidFill>
-                                            <a:schemeClr val="bg1"/>
+                                            <a:schemeClr val="tx1"/>
                                           </a:solidFill>
                                         </a:ln>
                                         <a:solidFill>
@@ -17192,15 +17067,15 @@
                                         </a:solidFill>
                                         <a:latin typeface="Cambria Math" panose="02040503050406030204" pitchFamily="18" charset="0"/>
                                       </a:rPr>
-                                      <m:t>𝒊</m:t>
+                                      <m:t>𝑖</m:t>
                                     </m:r>
                                   </m:sub>
                                 </m:sSub>
                                 <m:r>
-                                  <a:rPr lang="en-US" sz="1400" b="1" i="1" smtClean="0">
+                                  <a:rPr lang="en-US" sz="1400" b="0" i="1" smtClean="0">
                                     <a:ln>
                                       <a:solidFill>
-                                        <a:schemeClr val="bg1"/>
+                                        <a:schemeClr val="tx1"/>
                                       </a:solidFill>
                                     </a:ln>
                                     <a:solidFill>
@@ -17208,29 +17083,15 @@
                                     </a:solidFill>
                                     <a:latin typeface="Cambria Math" panose="02040503050406030204" pitchFamily="18" charset="0"/>
                                   </a:rPr>
-                                  <m:t>=</m:t>
-                                </m:r>
-                                <m:r>
-                                  <a:rPr lang="en-US" sz="1400" b="1" i="1" smtClean="0">
-                                    <a:ln>
-                                      <a:solidFill>
-                                        <a:schemeClr val="bg1"/>
-                                      </a:solidFill>
-                                    </a:ln>
-                                    <a:solidFill>
-                                      <a:schemeClr val="tx1"/>
-                                    </a:solidFill>
-                                    <a:latin typeface="Cambria Math" panose="02040503050406030204" pitchFamily="18" charset="0"/>
-                                  </a:rPr>
-                                  <m:t>𝟏</m:t>
+                                  <m:t>=1</m:t>
                                 </m:r>
                               </m:oMath>
                             </m:oMathPara>
                           </a14:m>
-                          <a:endParaRPr lang="en-US" sz="1400" b="1" dirty="0">
+                          <a:endParaRPr lang="en-US" sz="1400" b="0" dirty="0">
                             <a:ln>
                               <a:solidFill>
-                                <a:schemeClr val="bg1"/>
+                                <a:schemeClr val="tx1"/>
                               </a:solidFill>
                             </a:ln>
                             <a:solidFill>
@@ -17936,7 +17797,7 @@
               <p:nvPr>
                 <p:extLst>
                   <p:ext uri="{D42A27DB-BD31-4B8C-83A1-F6EECF244321}">
-                    <p14:modId xmlns:p14="http://schemas.microsoft.com/office/powerpoint/2010/main" val="231985777"/>
+                    <p14:modId xmlns:p14="http://schemas.microsoft.com/office/powerpoint/2010/main" val="3839193765"/>
                   </p:ext>
                 </p:extLst>
               </p:nvPr>
@@ -22108,6 +21969,4834 @@
 </p:sld>
 </file>
 
+<file path=ppt/slides/slide2.xml><?xml version="1.0" encoding="utf-8"?>
+<p:sld xmlns:a="http://schemas.openxmlformats.org/drawingml/2006/main" xmlns:r="http://schemas.openxmlformats.org/officeDocument/2006/relationships" xmlns:p="http://schemas.openxmlformats.org/presentationml/2006/main">
+  <p:cSld>
+    <p:spTree>
+      <p:nvGrpSpPr>
+        <p:cNvPr id="1" name=""/>
+        <p:cNvGrpSpPr/>
+        <p:nvPr/>
+      </p:nvGrpSpPr>
+      <p:grpSpPr>
+        <a:xfrm>
+          <a:off x="0" y="0"/>
+          <a:ext cx="0" cy="0"/>
+          <a:chOff x="0" y="0"/>
+          <a:chExt cx="0" cy="0"/>
+        </a:xfrm>
+      </p:grpSpPr>
+      <p:graphicFrame>
+        <p:nvGraphicFramePr>
+          <p:cNvPr id="4" name="Table 6">
+            <a:extLst>
+              <a:ext uri="{FF2B5EF4-FFF2-40B4-BE49-F238E27FC236}">
+                <a16:creationId xmlns:a16="http://schemas.microsoft.com/office/drawing/2014/main" id="{33FEE4B3-F829-6445-8BC8-04F9D65C46BD}"/>
+              </a:ext>
+            </a:extLst>
+          </p:cNvPr>
+          <p:cNvGraphicFramePr>
+            <a:graphicFrameLocks noGrp="1"/>
+          </p:cNvGraphicFramePr>
+          <p:nvPr>
+            <p:extLst>
+              <p:ext uri="{D42A27DB-BD31-4B8C-83A1-F6EECF244321}">
+                <p14:modId xmlns:p14="http://schemas.microsoft.com/office/powerpoint/2010/main" val="499547295"/>
+              </p:ext>
+            </p:extLst>
+          </p:nvPr>
+        </p:nvGraphicFramePr>
+        <p:xfrm>
+          <a:off x="289112" y="1076417"/>
+          <a:ext cx="9500347" cy="1107442"/>
+        </p:xfrm>
+        <a:graphic>
+          <a:graphicData uri="http://schemas.openxmlformats.org/drawingml/2006/table">
+            <a:tbl>
+              <a:tblPr firstRow="1" bandRow="1">
+                <a:tableStyleId>{5C22544A-7EE6-4342-B048-85BDC9FD1C3A}</a:tableStyleId>
+              </a:tblPr>
+              <a:tblGrid>
+                <a:gridCol w="1156447">
+                  <a:extLst>
+                    <a:ext uri="{9D8B030D-6E8A-4147-A177-3AD203B41FA5}">
+                      <a16:colId xmlns:a16="http://schemas.microsoft.com/office/drawing/2014/main" val="529537243"/>
+                    </a:ext>
+                  </a:extLst>
+                </a:gridCol>
+                <a:gridCol w="417195">
+                  <a:extLst>
+                    <a:ext uri="{9D8B030D-6E8A-4147-A177-3AD203B41FA5}">
+                      <a16:colId xmlns:a16="http://schemas.microsoft.com/office/drawing/2014/main" val="139215068"/>
+                    </a:ext>
+                  </a:extLst>
+                </a:gridCol>
+                <a:gridCol w="417195">
+                  <a:extLst>
+                    <a:ext uri="{9D8B030D-6E8A-4147-A177-3AD203B41FA5}">
+                      <a16:colId xmlns:a16="http://schemas.microsoft.com/office/drawing/2014/main" val="2295049612"/>
+                    </a:ext>
+                  </a:extLst>
+                </a:gridCol>
+                <a:gridCol w="417195">
+                  <a:extLst>
+                    <a:ext uri="{9D8B030D-6E8A-4147-A177-3AD203B41FA5}">
+                      <a16:colId xmlns:a16="http://schemas.microsoft.com/office/drawing/2014/main" val="143267106"/>
+                    </a:ext>
+                  </a:extLst>
+                </a:gridCol>
+                <a:gridCol w="417195">
+                  <a:extLst>
+                    <a:ext uri="{9D8B030D-6E8A-4147-A177-3AD203B41FA5}">
+                      <a16:colId xmlns:a16="http://schemas.microsoft.com/office/drawing/2014/main" val="3842818092"/>
+                    </a:ext>
+                  </a:extLst>
+                </a:gridCol>
+                <a:gridCol w="417195">
+                  <a:extLst>
+                    <a:ext uri="{9D8B030D-6E8A-4147-A177-3AD203B41FA5}">
+                      <a16:colId xmlns:a16="http://schemas.microsoft.com/office/drawing/2014/main" val="1398935933"/>
+                    </a:ext>
+                  </a:extLst>
+                </a:gridCol>
+                <a:gridCol w="417195">
+                  <a:extLst>
+                    <a:ext uri="{9D8B030D-6E8A-4147-A177-3AD203B41FA5}">
+                      <a16:colId xmlns:a16="http://schemas.microsoft.com/office/drawing/2014/main" val="786118248"/>
+                    </a:ext>
+                  </a:extLst>
+                </a:gridCol>
+                <a:gridCol w="417195">
+                  <a:extLst>
+                    <a:ext uri="{9D8B030D-6E8A-4147-A177-3AD203B41FA5}">
+                      <a16:colId xmlns:a16="http://schemas.microsoft.com/office/drawing/2014/main" val="152875702"/>
+                    </a:ext>
+                  </a:extLst>
+                </a:gridCol>
+                <a:gridCol w="417195">
+                  <a:extLst>
+                    <a:ext uri="{9D8B030D-6E8A-4147-A177-3AD203B41FA5}">
+                      <a16:colId xmlns:a16="http://schemas.microsoft.com/office/drawing/2014/main" val="1701159419"/>
+                    </a:ext>
+                  </a:extLst>
+                </a:gridCol>
+                <a:gridCol w="417195">
+                  <a:extLst>
+                    <a:ext uri="{9D8B030D-6E8A-4147-A177-3AD203B41FA5}">
+                      <a16:colId xmlns:a16="http://schemas.microsoft.com/office/drawing/2014/main" val="3392118841"/>
+                    </a:ext>
+                  </a:extLst>
+                </a:gridCol>
+                <a:gridCol w="417195">
+                  <a:extLst>
+                    <a:ext uri="{9D8B030D-6E8A-4147-A177-3AD203B41FA5}">
+                      <a16:colId xmlns:a16="http://schemas.microsoft.com/office/drawing/2014/main" val="1490424827"/>
+                    </a:ext>
+                  </a:extLst>
+                </a:gridCol>
+                <a:gridCol w="417195">
+                  <a:extLst>
+                    <a:ext uri="{9D8B030D-6E8A-4147-A177-3AD203B41FA5}">
+                      <a16:colId xmlns:a16="http://schemas.microsoft.com/office/drawing/2014/main" val="2808182213"/>
+                    </a:ext>
+                  </a:extLst>
+                </a:gridCol>
+                <a:gridCol w="417195">
+                  <a:extLst>
+                    <a:ext uri="{9D8B030D-6E8A-4147-A177-3AD203B41FA5}">
+                      <a16:colId xmlns:a16="http://schemas.microsoft.com/office/drawing/2014/main" val="295206963"/>
+                    </a:ext>
+                  </a:extLst>
+                </a:gridCol>
+                <a:gridCol w="417195">
+                  <a:extLst>
+                    <a:ext uri="{9D8B030D-6E8A-4147-A177-3AD203B41FA5}">
+                      <a16:colId xmlns:a16="http://schemas.microsoft.com/office/drawing/2014/main" val="3770183982"/>
+                    </a:ext>
+                  </a:extLst>
+                </a:gridCol>
+                <a:gridCol w="417195">
+                  <a:extLst>
+                    <a:ext uri="{9D8B030D-6E8A-4147-A177-3AD203B41FA5}">
+                      <a16:colId xmlns:a16="http://schemas.microsoft.com/office/drawing/2014/main" val="3854053587"/>
+                    </a:ext>
+                  </a:extLst>
+                </a:gridCol>
+                <a:gridCol w="417195">
+                  <a:extLst>
+                    <a:ext uri="{9D8B030D-6E8A-4147-A177-3AD203B41FA5}">
+                      <a16:colId xmlns:a16="http://schemas.microsoft.com/office/drawing/2014/main" val="3308923103"/>
+                    </a:ext>
+                  </a:extLst>
+                </a:gridCol>
+                <a:gridCol w="417195">
+                  <a:extLst>
+                    <a:ext uri="{9D8B030D-6E8A-4147-A177-3AD203B41FA5}">
+                      <a16:colId xmlns:a16="http://schemas.microsoft.com/office/drawing/2014/main" val="3400110311"/>
+                    </a:ext>
+                  </a:extLst>
+                </a:gridCol>
+                <a:gridCol w="417195">
+                  <a:extLst>
+                    <a:ext uri="{9D8B030D-6E8A-4147-A177-3AD203B41FA5}">
+                      <a16:colId xmlns:a16="http://schemas.microsoft.com/office/drawing/2014/main" val="1338375999"/>
+                    </a:ext>
+                  </a:extLst>
+                </a:gridCol>
+                <a:gridCol w="417195">
+                  <a:extLst>
+                    <a:ext uri="{9D8B030D-6E8A-4147-A177-3AD203B41FA5}">
+                      <a16:colId xmlns:a16="http://schemas.microsoft.com/office/drawing/2014/main" val="3526847690"/>
+                    </a:ext>
+                  </a:extLst>
+                </a:gridCol>
+                <a:gridCol w="417195">
+                  <a:extLst>
+                    <a:ext uri="{9D8B030D-6E8A-4147-A177-3AD203B41FA5}">
+                      <a16:colId xmlns:a16="http://schemas.microsoft.com/office/drawing/2014/main" val="1726096229"/>
+                    </a:ext>
+                  </a:extLst>
+                </a:gridCol>
+                <a:gridCol w="417195">
+                  <a:extLst>
+                    <a:ext uri="{9D8B030D-6E8A-4147-A177-3AD203B41FA5}">
+                      <a16:colId xmlns:a16="http://schemas.microsoft.com/office/drawing/2014/main" val="2506989927"/>
+                    </a:ext>
+                  </a:extLst>
+                </a:gridCol>
+              </a:tblGrid>
+              <a:tr h="238853">
+                <a:tc>
+                  <a:txBody>
+                    <a:bodyPr/>
+                    <a:lstStyle/>
+                    <a:p>
+                      <a:pPr algn="ctr"/>
+                      <a:r>
+                        <a:rPr lang="en-US" sz="1200" b="0" dirty="0">
+                          <a:ln>
+                            <a:solidFill>
+                              <a:schemeClr val="tx1"/>
+                            </a:solidFill>
+                          </a:ln>
+                          <a:solidFill>
+                            <a:schemeClr val="tx1"/>
+                          </a:solidFill>
+                        </a:rPr>
+                        <a:t>[3/8, 3/8, 2/8]</a:t>
+                      </a:r>
+                    </a:p>
+                  </a:txBody>
+                  <a:tcPr anchor="ctr">
+                    <a:lnL w="12700" cap="flat" cmpd="sng" algn="ctr">
+                      <a:solidFill>
+                        <a:schemeClr val="tx1"/>
+                      </a:solidFill>
+                      <a:prstDash val="solid"/>
+                      <a:round/>
+                      <a:headEnd type="none" w="med" len="med"/>
+                      <a:tailEnd type="none" w="med" len="med"/>
+                    </a:lnL>
+                    <a:lnR w="12700" cap="flat" cmpd="sng" algn="ctr">
+                      <a:solidFill>
+                        <a:schemeClr val="tx1"/>
+                      </a:solidFill>
+                      <a:prstDash val="solid"/>
+                      <a:round/>
+                      <a:headEnd type="none" w="med" len="med"/>
+                      <a:tailEnd type="none" w="med" len="med"/>
+                    </a:lnR>
+                    <a:lnT w="12700" cap="flat" cmpd="sng" algn="ctr">
+                      <a:solidFill>
+                        <a:schemeClr val="tx1"/>
+                      </a:solidFill>
+                      <a:prstDash val="solid"/>
+                      <a:round/>
+                      <a:headEnd type="none" w="med" len="med"/>
+                      <a:tailEnd type="none" w="med" len="med"/>
+                    </a:lnT>
+                    <a:lnB w="12700" cap="flat" cmpd="sng" algn="ctr">
+                      <a:solidFill>
+                        <a:schemeClr val="tx1"/>
+                      </a:solidFill>
+                      <a:prstDash val="solid"/>
+                      <a:round/>
+                      <a:headEnd type="none" w="med" len="med"/>
+                      <a:tailEnd type="none" w="med" len="med"/>
+                    </a:lnB>
+                    <a:lnTlToBr w="12700" cmpd="sng">
+                      <a:noFill/>
+                      <a:prstDash val="solid"/>
+                    </a:lnTlToBr>
+                    <a:lnBlToTr w="12700" cmpd="sng">
+                      <a:noFill/>
+                      <a:prstDash val="solid"/>
+                    </a:lnBlToTr>
+                    <a:noFill/>
+                  </a:tcPr>
+                </a:tc>
+                <a:tc>
+                  <a:txBody>
+                    <a:bodyPr/>
+                    <a:lstStyle/>
+                    <a:p>
+                      <a:pPr algn="ctr"/>
+                      <a:r>
+                        <a:rPr lang="en-US" b="0" dirty="0">
+                          <a:ln>
+                            <a:solidFill>
+                              <a:schemeClr val="bg1"/>
+                            </a:solidFill>
+                          </a:ln>
+                          <a:solidFill>
+                            <a:schemeClr val="bg1"/>
+                          </a:solidFill>
+                        </a:rPr>
+                        <a:t>1</a:t>
+                      </a:r>
+                    </a:p>
+                  </a:txBody>
+                  <a:tcPr anchor="ctr">
+                    <a:lnL w="12700" cap="flat" cmpd="sng" algn="ctr">
+                      <a:solidFill>
+                        <a:schemeClr val="tx1"/>
+                      </a:solidFill>
+                      <a:prstDash val="solid"/>
+                      <a:round/>
+                      <a:headEnd type="none" w="med" len="med"/>
+                      <a:tailEnd type="none" w="med" len="med"/>
+                    </a:lnL>
+                    <a:lnR w="12700" cap="flat" cmpd="sng" algn="ctr">
+                      <a:solidFill>
+                        <a:schemeClr val="tx1"/>
+                      </a:solidFill>
+                      <a:prstDash val="solid"/>
+                      <a:round/>
+                      <a:headEnd type="none" w="med" len="med"/>
+                      <a:tailEnd type="none" w="med" len="med"/>
+                    </a:lnR>
+                    <a:lnT w="12700" cap="flat" cmpd="sng" algn="ctr">
+                      <a:solidFill>
+                        <a:schemeClr val="tx1"/>
+                      </a:solidFill>
+                      <a:prstDash val="solid"/>
+                      <a:round/>
+                      <a:headEnd type="none" w="med" len="med"/>
+                      <a:tailEnd type="none" w="med" len="med"/>
+                    </a:lnT>
+                    <a:lnB w="12700" cap="flat" cmpd="sng" algn="ctr">
+                      <a:solidFill>
+                        <a:schemeClr val="tx1"/>
+                      </a:solidFill>
+                      <a:prstDash val="solid"/>
+                      <a:round/>
+                      <a:headEnd type="none" w="med" len="med"/>
+                      <a:tailEnd type="none" w="med" len="med"/>
+                    </a:lnB>
+                    <a:lnTlToBr w="12700" cmpd="sng">
+                      <a:noFill/>
+                      <a:prstDash val="solid"/>
+                    </a:lnTlToBr>
+                    <a:lnBlToTr w="12700" cmpd="sng">
+                      <a:noFill/>
+                      <a:prstDash val="solid"/>
+                    </a:lnBlToTr>
+                    <a:solidFill>
+                      <a:schemeClr val="accent1"/>
+                    </a:solidFill>
+                  </a:tcPr>
+                </a:tc>
+                <a:tc>
+                  <a:txBody>
+                    <a:bodyPr/>
+                    <a:lstStyle/>
+                    <a:p>
+                      <a:pPr algn="ctr"/>
+                      <a:r>
+                        <a:rPr lang="en-US" b="0" dirty="0">
+                          <a:ln>
+                            <a:solidFill>
+                              <a:schemeClr val="bg1"/>
+                            </a:solidFill>
+                          </a:ln>
+                          <a:solidFill>
+                            <a:schemeClr val="bg1"/>
+                          </a:solidFill>
+                        </a:rPr>
+                        <a:t>2</a:t>
+                      </a:r>
+                    </a:p>
+                  </a:txBody>
+                  <a:tcPr anchor="ctr">
+                    <a:lnL w="12700" cap="flat" cmpd="sng" algn="ctr">
+                      <a:solidFill>
+                        <a:schemeClr val="tx1"/>
+                      </a:solidFill>
+                      <a:prstDash val="solid"/>
+                      <a:round/>
+                      <a:headEnd type="none" w="med" len="med"/>
+                      <a:tailEnd type="none" w="med" len="med"/>
+                    </a:lnL>
+                    <a:lnR w="12700" cap="flat" cmpd="sng" algn="ctr">
+                      <a:solidFill>
+                        <a:schemeClr val="tx1"/>
+                      </a:solidFill>
+                      <a:prstDash val="solid"/>
+                      <a:round/>
+                      <a:headEnd type="none" w="med" len="med"/>
+                      <a:tailEnd type="none" w="med" len="med"/>
+                    </a:lnR>
+                    <a:lnT w="12700" cap="flat" cmpd="sng" algn="ctr">
+                      <a:solidFill>
+                        <a:schemeClr val="tx1"/>
+                      </a:solidFill>
+                      <a:prstDash val="solid"/>
+                      <a:round/>
+                      <a:headEnd type="none" w="med" len="med"/>
+                      <a:tailEnd type="none" w="med" len="med"/>
+                    </a:lnT>
+                    <a:lnB w="12700" cap="flat" cmpd="sng" algn="ctr">
+                      <a:solidFill>
+                        <a:schemeClr val="tx1"/>
+                      </a:solidFill>
+                      <a:prstDash val="solid"/>
+                      <a:round/>
+                      <a:headEnd type="none" w="med" len="med"/>
+                      <a:tailEnd type="none" w="med" len="med"/>
+                    </a:lnB>
+                    <a:lnTlToBr w="12700" cmpd="sng">
+                      <a:noFill/>
+                      <a:prstDash val="solid"/>
+                    </a:lnTlToBr>
+                    <a:lnBlToTr w="12700" cmpd="sng">
+                      <a:noFill/>
+                      <a:prstDash val="solid"/>
+                    </a:lnBlToTr>
+                    <a:solidFill>
+                      <a:schemeClr val="accent1"/>
+                    </a:solidFill>
+                  </a:tcPr>
+                </a:tc>
+                <a:tc>
+                  <a:txBody>
+                    <a:bodyPr/>
+                    <a:lstStyle/>
+                    <a:p>
+                      <a:pPr algn="ctr"/>
+                      <a:r>
+                        <a:rPr lang="en-US" b="0" dirty="0">
+                          <a:ln>
+                            <a:solidFill>
+                              <a:schemeClr val="bg1"/>
+                            </a:solidFill>
+                          </a:ln>
+                          <a:solidFill>
+                            <a:schemeClr val="bg1"/>
+                          </a:solidFill>
+                        </a:rPr>
+                        <a:t>3</a:t>
+                      </a:r>
+                    </a:p>
+                  </a:txBody>
+                  <a:tcPr anchor="ctr">
+                    <a:lnL w="12700" cap="flat" cmpd="sng" algn="ctr">
+                      <a:solidFill>
+                        <a:schemeClr val="tx1"/>
+                      </a:solidFill>
+                      <a:prstDash val="solid"/>
+                      <a:round/>
+                      <a:headEnd type="none" w="med" len="med"/>
+                      <a:tailEnd type="none" w="med" len="med"/>
+                    </a:lnL>
+                    <a:lnR w="12700" cap="flat" cmpd="sng" algn="ctr">
+                      <a:solidFill>
+                        <a:schemeClr val="tx1"/>
+                      </a:solidFill>
+                      <a:prstDash val="solid"/>
+                      <a:round/>
+                      <a:headEnd type="none" w="med" len="med"/>
+                      <a:tailEnd type="none" w="med" len="med"/>
+                    </a:lnR>
+                    <a:lnT w="12700" cap="flat" cmpd="sng" algn="ctr">
+                      <a:solidFill>
+                        <a:schemeClr val="tx1"/>
+                      </a:solidFill>
+                      <a:prstDash val="solid"/>
+                      <a:round/>
+                      <a:headEnd type="none" w="med" len="med"/>
+                      <a:tailEnd type="none" w="med" len="med"/>
+                    </a:lnT>
+                    <a:lnB w="12700" cap="flat" cmpd="sng" algn="ctr">
+                      <a:solidFill>
+                        <a:schemeClr val="tx1"/>
+                      </a:solidFill>
+                      <a:prstDash val="solid"/>
+                      <a:round/>
+                      <a:headEnd type="none" w="med" len="med"/>
+                      <a:tailEnd type="none" w="med" len="med"/>
+                    </a:lnB>
+                    <a:lnTlToBr w="12700" cmpd="sng">
+                      <a:noFill/>
+                      <a:prstDash val="solid"/>
+                    </a:lnTlToBr>
+                    <a:lnBlToTr w="12700" cmpd="sng">
+                      <a:noFill/>
+                      <a:prstDash val="solid"/>
+                    </a:lnBlToTr>
+                    <a:solidFill>
+                      <a:schemeClr val="accent6"/>
+                    </a:solidFill>
+                  </a:tcPr>
+                </a:tc>
+                <a:tc>
+                  <a:txBody>
+                    <a:bodyPr/>
+                    <a:lstStyle/>
+                    <a:p>
+                      <a:pPr algn="ctr"/>
+                      <a:r>
+                        <a:rPr lang="en-US" b="0" dirty="0">
+                          <a:ln>
+                            <a:solidFill>
+                              <a:schemeClr val="bg1"/>
+                            </a:solidFill>
+                          </a:ln>
+                          <a:solidFill>
+                            <a:schemeClr val="bg1"/>
+                          </a:solidFill>
+                        </a:rPr>
+                        <a:t>4</a:t>
+                      </a:r>
+                    </a:p>
+                  </a:txBody>
+                  <a:tcPr anchor="ctr">
+                    <a:lnL w="12700" cap="flat" cmpd="sng" algn="ctr">
+                      <a:solidFill>
+                        <a:schemeClr val="tx1"/>
+                      </a:solidFill>
+                      <a:prstDash val="solid"/>
+                      <a:round/>
+                      <a:headEnd type="none" w="med" len="med"/>
+                      <a:tailEnd type="none" w="med" len="med"/>
+                    </a:lnL>
+                    <a:lnR w="12700" cap="flat" cmpd="sng" algn="ctr">
+                      <a:solidFill>
+                        <a:schemeClr val="tx1"/>
+                      </a:solidFill>
+                      <a:prstDash val="solid"/>
+                      <a:round/>
+                      <a:headEnd type="none" w="med" len="med"/>
+                      <a:tailEnd type="none" w="med" len="med"/>
+                    </a:lnR>
+                    <a:lnT w="12700" cap="flat" cmpd="sng" algn="ctr">
+                      <a:solidFill>
+                        <a:schemeClr val="tx1"/>
+                      </a:solidFill>
+                      <a:prstDash val="solid"/>
+                      <a:round/>
+                      <a:headEnd type="none" w="med" len="med"/>
+                      <a:tailEnd type="none" w="med" len="med"/>
+                    </a:lnT>
+                    <a:lnB w="12700" cap="flat" cmpd="sng" algn="ctr">
+                      <a:solidFill>
+                        <a:schemeClr val="tx1"/>
+                      </a:solidFill>
+                      <a:prstDash val="solid"/>
+                      <a:round/>
+                      <a:headEnd type="none" w="med" len="med"/>
+                      <a:tailEnd type="none" w="med" len="med"/>
+                    </a:lnB>
+                    <a:lnTlToBr w="12700" cmpd="sng">
+                      <a:noFill/>
+                      <a:prstDash val="solid"/>
+                    </a:lnTlToBr>
+                    <a:lnBlToTr w="12700" cmpd="sng">
+                      <a:noFill/>
+                      <a:prstDash val="solid"/>
+                    </a:lnBlToTr>
+                    <a:solidFill>
+                      <a:schemeClr val="accent6"/>
+                    </a:solidFill>
+                  </a:tcPr>
+                </a:tc>
+                <a:tc>
+                  <a:txBody>
+                    <a:bodyPr/>
+                    <a:lstStyle/>
+                    <a:p>
+                      <a:pPr algn="ctr"/>
+                      <a:r>
+                        <a:rPr lang="en-US" b="0" dirty="0">
+                          <a:ln>
+                            <a:solidFill>
+                              <a:schemeClr val="bg1"/>
+                            </a:solidFill>
+                          </a:ln>
+                          <a:solidFill>
+                            <a:schemeClr val="bg1"/>
+                          </a:solidFill>
+                        </a:rPr>
+                        <a:t>5</a:t>
+                      </a:r>
+                    </a:p>
+                  </a:txBody>
+                  <a:tcPr anchor="ctr">
+                    <a:lnL w="12700" cap="flat" cmpd="sng" algn="ctr">
+                      <a:solidFill>
+                        <a:schemeClr val="tx1"/>
+                      </a:solidFill>
+                      <a:prstDash val="solid"/>
+                      <a:round/>
+                      <a:headEnd type="none" w="med" len="med"/>
+                      <a:tailEnd type="none" w="med" len="med"/>
+                    </a:lnL>
+                    <a:lnR w="12700" cap="flat" cmpd="sng" algn="ctr">
+                      <a:solidFill>
+                        <a:schemeClr val="tx1"/>
+                      </a:solidFill>
+                      <a:prstDash val="solid"/>
+                      <a:round/>
+                      <a:headEnd type="none" w="med" len="med"/>
+                      <a:tailEnd type="none" w="med" len="med"/>
+                    </a:lnR>
+                    <a:lnT w="12700" cap="flat" cmpd="sng" algn="ctr">
+                      <a:solidFill>
+                        <a:schemeClr val="tx1"/>
+                      </a:solidFill>
+                      <a:prstDash val="solid"/>
+                      <a:round/>
+                      <a:headEnd type="none" w="med" len="med"/>
+                      <a:tailEnd type="none" w="med" len="med"/>
+                    </a:lnT>
+                    <a:lnB w="12700" cap="flat" cmpd="sng" algn="ctr">
+                      <a:solidFill>
+                        <a:schemeClr val="tx1"/>
+                      </a:solidFill>
+                      <a:prstDash val="solid"/>
+                      <a:round/>
+                      <a:headEnd type="none" w="med" len="med"/>
+                      <a:tailEnd type="none" w="med" len="med"/>
+                    </a:lnB>
+                    <a:lnTlToBr w="12700" cmpd="sng">
+                      <a:noFill/>
+                      <a:prstDash val="solid"/>
+                    </a:lnTlToBr>
+                    <a:lnBlToTr w="12700" cmpd="sng">
+                      <a:noFill/>
+                      <a:prstDash val="solid"/>
+                    </a:lnBlToTr>
+                    <a:solidFill>
+                      <a:schemeClr val="accent6"/>
+                    </a:solidFill>
+                  </a:tcPr>
+                </a:tc>
+                <a:tc>
+                  <a:txBody>
+                    <a:bodyPr/>
+                    <a:lstStyle/>
+                    <a:p>
+                      <a:pPr algn="ctr"/>
+                      <a:r>
+                        <a:rPr lang="en-US" b="0" dirty="0">
+                          <a:ln>
+                            <a:solidFill>
+                              <a:schemeClr val="bg1"/>
+                            </a:solidFill>
+                          </a:ln>
+                          <a:solidFill>
+                            <a:schemeClr val="bg1"/>
+                          </a:solidFill>
+                        </a:rPr>
+                        <a:t>6</a:t>
+                      </a:r>
+                    </a:p>
+                  </a:txBody>
+                  <a:tcPr anchor="ctr">
+                    <a:lnL w="12700" cap="flat" cmpd="sng" algn="ctr">
+                      <a:solidFill>
+                        <a:schemeClr val="tx1"/>
+                      </a:solidFill>
+                      <a:prstDash val="solid"/>
+                      <a:round/>
+                      <a:headEnd type="none" w="med" len="med"/>
+                      <a:tailEnd type="none" w="med" len="med"/>
+                    </a:lnL>
+                    <a:lnR w="12700" cap="flat" cmpd="sng" algn="ctr">
+                      <a:solidFill>
+                        <a:schemeClr val="tx1"/>
+                      </a:solidFill>
+                      <a:prstDash val="solid"/>
+                      <a:round/>
+                      <a:headEnd type="none" w="med" len="med"/>
+                      <a:tailEnd type="none" w="med" len="med"/>
+                    </a:lnR>
+                    <a:lnT w="12700" cap="flat" cmpd="sng" algn="ctr">
+                      <a:solidFill>
+                        <a:schemeClr val="tx1"/>
+                      </a:solidFill>
+                      <a:prstDash val="solid"/>
+                      <a:round/>
+                      <a:headEnd type="none" w="med" len="med"/>
+                      <a:tailEnd type="none" w="med" len="med"/>
+                    </a:lnT>
+                    <a:lnB w="12700" cap="flat" cmpd="sng" algn="ctr">
+                      <a:solidFill>
+                        <a:schemeClr val="tx1"/>
+                      </a:solidFill>
+                      <a:prstDash val="solid"/>
+                      <a:round/>
+                      <a:headEnd type="none" w="med" len="med"/>
+                      <a:tailEnd type="none" w="med" len="med"/>
+                    </a:lnB>
+                    <a:lnTlToBr w="12700" cmpd="sng">
+                      <a:noFill/>
+                      <a:prstDash val="solid"/>
+                    </a:lnTlToBr>
+                    <a:lnBlToTr w="12700" cmpd="sng">
+                      <a:noFill/>
+                      <a:prstDash val="solid"/>
+                    </a:lnBlToTr>
+                    <a:solidFill>
+                      <a:srgbClr val="C00000"/>
+                    </a:solidFill>
+                  </a:tcPr>
+                </a:tc>
+                <a:tc>
+                  <a:txBody>
+                    <a:bodyPr/>
+                    <a:lstStyle/>
+                    <a:p>
+                      <a:pPr algn="ctr"/>
+                      <a:r>
+                        <a:rPr lang="en-US" b="0" dirty="0">
+                          <a:ln>
+                            <a:solidFill>
+                              <a:schemeClr val="bg1"/>
+                            </a:solidFill>
+                          </a:ln>
+                          <a:solidFill>
+                            <a:schemeClr val="bg1"/>
+                          </a:solidFill>
+                        </a:rPr>
+                        <a:t>7</a:t>
+                      </a:r>
+                    </a:p>
+                  </a:txBody>
+                  <a:tcPr anchor="ctr">
+                    <a:lnL w="12700" cap="flat" cmpd="sng" algn="ctr">
+                      <a:solidFill>
+                        <a:schemeClr val="tx1"/>
+                      </a:solidFill>
+                      <a:prstDash val="solid"/>
+                      <a:round/>
+                      <a:headEnd type="none" w="med" len="med"/>
+                      <a:tailEnd type="none" w="med" len="med"/>
+                    </a:lnL>
+                    <a:lnR w="12700" cap="flat" cmpd="sng" algn="ctr">
+                      <a:solidFill>
+                        <a:schemeClr val="tx1"/>
+                      </a:solidFill>
+                      <a:prstDash val="solid"/>
+                      <a:round/>
+                      <a:headEnd type="none" w="med" len="med"/>
+                      <a:tailEnd type="none" w="med" len="med"/>
+                    </a:lnR>
+                    <a:lnT w="12700" cap="flat" cmpd="sng" algn="ctr">
+                      <a:solidFill>
+                        <a:schemeClr val="tx1"/>
+                      </a:solidFill>
+                      <a:prstDash val="solid"/>
+                      <a:round/>
+                      <a:headEnd type="none" w="med" len="med"/>
+                      <a:tailEnd type="none" w="med" len="med"/>
+                    </a:lnT>
+                    <a:lnB w="12700" cap="flat" cmpd="sng" algn="ctr">
+                      <a:solidFill>
+                        <a:schemeClr val="tx1"/>
+                      </a:solidFill>
+                      <a:prstDash val="solid"/>
+                      <a:round/>
+                      <a:headEnd type="none" w="med" len="med"/>
+                      <a:tailEnd type="none" w="med" len="med"/>
+                    </a:lnB>
+                    <a:lnTlToBr w="12700" cmpd="sng">
+                      <a:noFill/>
+                      <a:prstDash val="solid"/>
+                    </a:lnTlToBr>
+                    <a:lnBlToTr w="12700" cmpd="sng">
+                      <a:noFill/>
+                      <a:prstDash val="solid"/>
+                    </a:lnBlToTr>
+                    <a:solidFill>
+                      <a:srgbClr val="C00000"/>
+                    </a:solidFill>
+                  </a:tcPr>
+                </a:tc>
+                <a:tc>
+                  <a:txBody>
+                    <a:bodyPr/>
+                    <a:lstStyle/>
+                    <a:p>
+                      <a:pPr algn="ctr"/>
+                      <a:r>
+                        <a:rPr lang="en-US" b="0" dirty="0">
+                          <a:ln>
+                            <a:solidFill>
+                              <a:schemeClr val="bg1"/>
+                            </a:solidFill>
+                          </a:ln>
+                          <a:solidFill>
+                            <a:schemeClr val="bg1"/>
+                          </a:solidFill>
+                        </a:rPr>
+                        <a:t>8</a:t>
+                      </a:r>
+                    </a:p>
+                  </a:txBody>
+                  <a:tcPr anchor="ctr">
+                    <a:lnL w="12700" cap="flat" cmpd="sng" algn="ctr">
+                      <a:solidFill>
+                        <a:schemeClr val="tx1"/>
+                      </a:solidFill>
+                      <a:prstDash val="solid"/>
+                      <a:round/>
+                      <a:headEnd type="none" w="med" len="med"/>
+                      <a:tailEnd type="none" w="med" len="med"/>
+                    </a:lnL>
+                    <a:lnR w="12700" cap="flat" cmpd="sng" algn="ctr">
+                      <a:solidFill>
+                        <a:schemeClr val="tx1"/>
+                      </a:solidFill>
+                      <a:prstDash val="solid"/>
+                      <a:round/>
+                      <a:headEnd type="none" w="med" len="med"/>
+                      <a:tailEnd type="none" w="med" len="med"/>
+                    </a:lnR>
+                    <a:lnT w="12700" cap="flat" cmpd="sng" algn="ctr">
+                      <a:solidFill>
+                        <a:schemeClr val="tx1"/>
+                      </a:solidFill>
+                      <a:prstDash val="solid"/>
+                      <a:round/>
+                      <a:headEnd type="none" w="med" len="med"/>
+                      <a:tailEnd type="none" w="med" len="med"/>
+                    </a:lnT>
+                    <a:lnB w="12700" cap="flat" cmpd="sng" algn="ctr">
+                      <a:solidFill>
+                        <a:schemeClr val="tx1"/>
+                      </a:solidFill>
+                      <a:prstDash val="solid"/>
+                      <a:round/>
+                      <a:headEnd type="none" w="med" len="med"/>
+                      <a:tailEnd type="none" w="med" len="med"/>
+                    </a:lnB>
+                    <a:lnTlToBr w="12700" cmpd="sng">
+                      <a:noFill/>
+                      <a:prstDash val="solid"/>
+                    </a:lnTlToBr>
+                    <a:lnBlToTr w="12700" cmpd="sng">
+                      <a:noFill/>
+                      <a:prstDash val="solid"/>
+                    </a:lnBlToTr>
+                    <a:solidFill>
+                      <a:schemeClr val="accent1"/>
+                    </a:solidFill>
+                  </a:tcPr>
+                </a:tc>
+                <a:tc>
+                  <a:txBody>
+                    <a:bodyPr/>
+                    <a:lstStyle/>
+                    <a:p>
+                      <a:pPr algn="ctr"/>
+                      <a:r>
+                        <a:rPr lang="en-US" b="0" dirty="0">
+                          <a:ln>
+                            <a:solidFill>
+                              <a:schemeClr val="bg1"/>
+                            </a:solidFill>
+                          </a:ln>
+                          <a:solidFill>
+                            <a:schemeClr val="bg1"/>
+                          </a:solidFill>
+                        </a:rPr>
+                        <a:t>9</a:t>
+                      </a:r>
+                    </a:p>
+                  </a:txBody>
+                  <a:tcPr anchor="ctr">
+                    <a:lnL w="12700" cap="flat" cmpd="sng" algn="ctr">
+                      <a:solidFill>
+                        <a:schemeClr val="tx1"/>
+                      </a:solidFill>
+                      <a:prstDash val="solid"/>
+                      <a:round/>
+                      <a:headEnd type="none" w="med" len="med"/>
+                      <a:tailEnd type="none" w="med" len="med"/>
+                    </a:lnL>
+                    <a:lnR w="12700" cap="flat" cmpd="sng" algn="ctr">
+                      <a:solidFill>
+                        <a:schemeClr val="tx1"/>
+                      </a:solidFill>
+                      <a:prstDash val="solid"/>
+                      <a:round/>
+                      <a:headEnd type="none" w="med" len="med"/>
+                      <a:tailEnd type="none" w="med" len="med"/>
+                    </a:lnR>
+                    <a:lnT w="12700" cap="flat" cmpd="sng" algn="ctr">
+                      <a:solidFill>
+                        <a:schemeClr val="tx1"/>
+                      </a:solidFill>
+                      <a:prstDash val="solid"/>
+                      <a:round/>
+                      <a:headEnd type="none" w="med" len="med"/>
+                      <a:tailEnd type="none" w="med" len="med"/>
+                    </a:lnT>
+                    <a:lnB w="12700" cap="flat" cmpd="sng" algn="ctr">
+                      <a:solidFill>
+                        <a:schemeClr val="tx1"/>
+                      </a:solidFill>
+                      <a:prstDash val="solid"/>
+                      <a:round/>
+                      <a:headEnd type="none" w="med" len="med"/>
+                      <a:tailEnd type="none" w="med" len="med"/>
+                    </a:lnB>
+                    <a:lnTlToBr w="12700" cmpd="sng">
+                      <a:noFill/>
+                      <a:prstDash val="solid"/>
+                    </a:lnTlToBr>
+                    <a:lnBlToTr w="12700" cmpd="sng">
+                      <a:noFill/>
+                      <a:prstDash val="solid"/>
+                    </a:lnBlToTr>
+                    <a:solidFill>
+                      <a:schemeClr val="accent1"/>
+                    </a:solidFill>
+                  </a:tcPr>
+                </a:tc>
+                <a:tc>
+                  <a:txBody>
+                    <a:bodyPr/>
+                    <a:lstStyle/>
+                    <a:p>
+                      <a:pPr algn="ctr"/>
+                      <a:r>
+                        <a:rPr lang="en-US" b="0" dirty="0">
+                          <a:ln>
+                            <a:solidFill>
+                              <a:schemeClr val="bg1"/>
+                            </a:solidFill>
+                          </a:ln>
+                          <a:solidFill>
+                            <a:schemeClr val="bg1"/>
+                          </a:solidFill>
+                        </a:rPr>
+                        <a:t>10</a:t>
+                      </a:r>
+                    </a:p>
+                  </a:txBody>
+                  <a:tcPr anchor="ctr">
+                    <a:lnL w="12700" cap="flat" cmpd="sng" algn="ctr">
+                      <a:solidFill>
+                        <a:schemeClr val="tx1"/>
+                      </a:solidFill>
+                      <a:prstDash val="solid"/>
+                      <a:round/>
+                      <a:headEnd type="none" w="med" len="med"/>
+                      <a:tailEnd type="none" w="med" len="med"/>
+                    </a:lnL>
+                    <a:lnR w="12700" cap="flat" cmpd="sng" algn="ctr">
+                      <a:solidFill>
+                        <a:schemeClr val="tx1"/>
+                      </a:solidFill>
+                      <a:prstDash val="solid"/>
+                      <a:round/>
+                      <a:headEnd type="none" w="med" len="med"/>
+                      <a:tailEnd type="none" w="med" len="med"/>
+                    </a:lnR>
+                    <a:lnT w="12700" cap="flat" cmpd="sng" algn="ctr">
+                      <a:solidFill>
+                        <a:schemeClr val="tx1"/>
+                      </a:solidFill>
+                      <a:prstDash val="solid"/>
+                      <a:round/>
+                      <a:headEnd type="none" w="med" len="med"/>
+                      <a:tailEnd type="none" w="med" len="med"/>
+                    </a:lnT>
+                    <a:lnB w="12700" cap="flat" cmpd="sng" algn="ctr">
+                      <a:solidFill>
+                        <a:schemeClr val="tx1"/>
+                      </a:solidFill>
+                      <a:prstDash val="solid"/>
+                      <a:round/>
+                      <a:headEnd type="none" w="med" len="med"/>
+                      <a:tailEnd type="none" w="med" len="med"/>
+                    </a:lnB>
+                    <a:lnTlToBr w="12700" cmpd="sng">
+                      <a:noFill/>
+                      <a:prstDash val="solid"/>
+                    </a:lnTlToBr>
+                    <a:lnBlToTr w="12700" cmpd="sng">
+                      <a:noFill/>
+                      <a:prstDash val="solid"/>
+                    </a:lnBlToTr>
+                    <a:solidFill>
+                      <a:schemeClr val="accent1"/>
+                    </a:solidFill>
+                  </a:tcPr>
+                </a:tc>
+                <a:tc>
+                  <a:txBody>
+                    <a:bodyPr/>
+                    <a:lstStyle/>
+                    <a:p>
+                      <a:pPr algn="ctr"/>
+                      <a:r>
+                        <a:rPr lang="en-US" b="0" dirty="0">
+                          <a:ln>
+                            <a:solidFill>
+                              <a:schemeClr val="bg1"/>
+                            </a:solidFill>
+                          </a:ln>
+                          <a:solidFill>
+                            <a:schemeClr val="bg1"/>
+                          </a:solidFill>
+                        </a:rPr>
+                        <a:t>11</a:t>
+                      </a:r>
+                    </a:p>
+                  </a:txBody>
+                  <a:tcPr anchor="ctr">
+                    <a:lnL w="12700" cap="flat" cmpd="sng" algn="ctr">
+                      <a:solidFill>
+                        <a:schemeClr val="tx1"/>
+                      </a:solidFill>
+                      <a:prstDash val="solid"/>
+                      <a:round/>
+                      <a:headEnd type="none" w="med" len="med"/>
+                      <a:tailEnd type="none" w="med" len="med"/>
+                    </a:lnL>
+                    <a:lnR w="12700" cap="flat" cmpd="sng" algn="ctr">
+                      <a:solidFill>
+                        <a:schemeClr val="tx1"/>
+                      </a:solidFill>
+                      <a:prstDash val="solid"/>
+                      <a:round/>
+                      <a:headEnd type="none" w="med" len="med"/>
+                      <a:tailEnd type="none" w="med" len="med"/>
+                    </a:lnR>
+                    <a:lnT w="12700" cap="flat" cmpd="sng" algn="ctr">
+                      <a:solidFill>
+                        <a:schemeClr val="tx1"/>
+                      </a:solidFill>
+                      <a:prstDash val="solid"/>
+                      <a:round/>
+                      <a:headEnd type="none" w="med" len="med"/>
+                      <a:tailEnd type="none" w="med" len="med"/>
+                    </a:lnT>
+                    <a:lnB w="12700" cap="flat" cmpd="sng" algn="ctr">
+                      <a:solidFill>
+                        <a:schemeClr val="tx1"/>
+                      </a:solidFill>
+                      <a:prstDash val="solid"/>
+                      <a:round/>
+                      <a:headEnd type="none" w="med" len="med"/>
+                      <a:tailEnd type="none" w="med" len="med"/>
+                    </a:lnB>
+                    <a:lnTlToBr w="12700" cmpd="sng">
+                      <a:noFill/>
+                      <a:prstDash val="solid"/>
+                    </a:lnTlToBr>
+                    <a:lnBlToTr w="12700" cmpd="sng">
+                      <a:noFill/>
+                      <a:prstDash val="solid"/>
+                    </a:lnBlToTr>
+                    <a:solidFill>
+                      <a:schemeClr val="accent6"/>
+                    </a:solidFill>
+                  </a:tcPr>
+                </a:tc>
+                <a:tc>
+                  <a:txBody>
+                    <a:bodyPr/>
+                    <a:lstStyle/>
+                    <a:p>
+                      <a:pPr algn="ctr"/>
+                      <a:r>
+                        <a:rPr lang="en-US" b="0" dirty="0">
+                          <a:ln>
+                            <a:solidFill>
+                              <a:schemeClr val="bg1"/>
+                            </a:solidFill>
+                          </a:ln>
+                          <a:solidFill>
+                            <a:schemeClr val="bg1"/>
+                          </a:solidFill>
+                        </a:rPr>
+                        <a:t>12</a:t>
+                      </a:r>
+                    </a:p>
+                  </a:txBody>
+                  <a:tcPr anchor="ctr">
+                    <a:lnL w="12700" cap="flat" cmpd="sng" algn="ctr">
+                      <a:solidFill>
+                        <a:schemeClr val="tx1"/>
+                      </a:solidFill>
+                      <a:prstDash val="solid"/>
+                      <a:round/>
+                      <a:headEnd type="none" w="med" len="med"/>
+                      <a:tailEnd type="none" w="med" len="med"/>
+                    </a:lnL>
+                    <a:lnR w="12700" cap="flat" cmpd="sng" algn="ctr">
+                      <a:solidFill>
+                        <a:schemeClr val="tx1"/>
+                      </a:solidFill>
+                      <a:prstDash val="solid"/>
+                      <a:round/>
+                      <a:headEnd type="none" w="med" len="med"/>
+                      <a:tailEnd type="none" w="med" len="med"/>
+                    </a:lnR>
+                    <a:lnT w="12700" cap="flat" cmpd="sng" algn="ctr">
+                      <a:solidFill>
+                        <a:schemeClr val="tx1"/>
+                      </a:solidFill>
+                      <a:prstDash val="solid"/>
+                      <a:round/>
+                      <a:headEnd type="none" w="med" len="med"/>
+                      <a:tailEnd type="none" w="med" len="med"/>
+                    </a:lnT>
+                    <a:lnB w="12700" cap="flat" cmpd="sng" algn="ctr">
+                      <a:solidFill>
+                        <a:schemeClr val="tx1"/>
+                      </a:solidFill>
+                      <a:prstDash val="solid"/>
+                      <a:round/>
+                      <a:headEnd type="none" w="med" len="med"/>
+                      <a:tailEnd type="none" w="med" len="med"/>
+                    </a:lnB>
+                    <a:lnTlToBr w="12700" cmpd="sng">
+                      <a:noFill/>
+                      <a:prstDash val="solid"/>
+                    </a:lnTlToBr>
+                    <a:lnBlToTr w="12700" cmpd="sng">
+                      <a:noFill/>
+                      <a:prstDash val="solid"/>
+                    </a:lnBlToTr>
+                    <a:solidFill>
+                      <a:schemeClr val="accent6"/>
+                    </a:solidFill>
+                  </a:tcPr>
+                </a:tc>
+                <a:tc>
+                  <a:txBody>
+                    <a:bodyPr/>
+                    <a:lstStyle/>
+                    <a:p>
+                      <a:pPr algn="ctr"/>
+                      <a:r>
+                        <a:rPr lang="en-US" b="0" dirty="0">
+                          <a:ln>
+                            <a:solidFill>
+                              <a:schemeClr val="bg1"/>
+                            </a:solidFill>
+                          </a:ln>
+                          <a:solidFill>
+                            <a:schemeClr val="bg1"/>
+                          </a:solidFill>
+                        </a:rPr>
+                        <a:t>13</a:t>
+                      </a:r>
+                    </a:p>
+                  </a:txBody>
+                  <a:tcPr anchor="ctr">
+                    <a:lnL w="12700" cap="flat" cmpd="sng" algn="ctr">
+                      <a:solidFill>
+                        <a:schemeClr val="tx1"/>
+                      </a:solidFill>
+                      <a:prstDash val="solid"/>
+                      <a:round/>
+                      <a:headEnd type="none" w="med" len="med"/>
+                      <a:tailEnd type="none" w="med" len="med"/>
+                    </a:lnL>
+                    <a:lnR w="12700" cap="flat" cmpd="sng" algn="ctr">
+                      <a:solidFill>
+                        <a:schemeClr val="tx1"/>
+                      </a:solidFill>
+                      <a:prstDash val="solid"/>
+                      <a:round/>
+                      <a:headEnd type="none" w="med" len="med"/>
+                      <a:tailEnd type="none" w="med" len="med"/>
+                    </a:lnR>
+                    <a:lnT w="12700" cap="flat" cmpd="sng" algn="ctr">
+                      <a:solidFill>
+                        <a:schemeClr val="tx1"/>
+                      </a:solidFill>
+                      <a:prstDash val="solid"/>
+                      <a:round/>
+                      <a:headEnd type="none" w="med" len="med"/>
+                      <a:tailEnd type="none" w="med" len="med"/>
+                    </a:lnT>
+                    <a:lnB w="12700" cap="flat" cmpd="sng" algn="ctr">
+                      <a:solidFill>
+                        <a:schemeClr val="tx1"/>
+                      </a:solidFill>
+                      <a:prstDash val="solid"/>
+                      <a:round/>
+                      <a:headEnd type="none" w="med" len="med"/>
+                      <a:tailEnd type="none" w="med" len="med"/>
+                    </a:lnB>
+                    <a:lnTlToBr w="12700" cmpd="sng">
+                      <a:noFill/>
+                      <a:prstDash val="solid"/>
+                    </a:lnTlToBr>
+                    <a:lnBlToTr w="12700" cmpd="sng">
+                      <a:noFill/>
+                      <a:prstDash val="solid"/>
+                    </a:lnBlToTr>
+                    <a:solidFill>
+                      <a:schemeClr val="accent6"/>
+                    </a:solidFill>
+                  </a:tcPr>
+                </a:tc>
+                <a:tc>
+                  <a:txBody>
+                    <a:bodyPr/>
+                    <a:lstStyle/>
+                    <a:p>
+                      <a:pPr algn="ctr"/>
+                      <a:r>
+                        <a:rPr lang="en-US" b="0" dirty="0">
+                          <a:ln>
+                            <a:solidFill>
+                              <a:schemeClr val="bg1"/>
+                            </a:solidFill>
+                          </a:ln>
+                          <a:solidFill>
+                            <a:schemeClr val="bg1"/>
+                          </a:solidFill>
+                        </a:rPr>
+                        <a:t>14</a:t>
+                      </a:r>
+                    </a:p>
+                  </a:txBody>
+                  <a:tcPr anchor="ctr">
+                    <a:lnL w="12700" cap="flat" cmpd="sng" algn="ctr">
+                      <a:solidFill>
+                        <a:schemeClr val="tx1"/>
+                      </a:solidFill>
+                      <a:prstDash val="solid"/>
+                      <a:round/>
+                      <a:headEnd type="none" w="med" len="med"/>
+                      <a:tailEnd type="none" w="med" len="med"/>
+                    </a:lnL>
+                    <a:lnR w="12700" cap="flat" cmpd="sng" algn="ctr">
+                      <a:solidFill>
+                        <a:schemeClr val="tx1"/>
+                      </a:solidFill>
+                      <a:prstDash val="solid"/>
+                      <a:round/>
+                      <a:headEnd type="none" w="med" len="med"/>
+                      <a:tailEnd type="none" w="med" len="med"/>
+                    </a:lnR>
+                    <a:lnT w="12700" cap="flat" cmpd="sng" algn="ctr">
+                      <a:solidFill>
+                        <a:schemeClr val="tx1"/>
+                      </a:solidFill>
+                      <a:prstDash val="solid"/>
+                      <a:round/>
+                      <a:headEnd type="none" w="med" len="med"/>
+                      <a:tailEnd type="none" w="med" len="med"/>
+                    </a:lnT>
+                    <a:lnB w="12700" cap="flat" cmpd="sng" algn="ctr">
+                      <a:solidFill>
+                        <a:schemeClr val="tx1"/>
+                      </a:solidFill>
+                      <a:prstDash val="solid"/>
+                      <a:round/>
+                      <a:headEnd type="none" w="med" len="med"/>
+                      <a:tailEnd type="none" w="med" len="med"/>
+                    </a:lnB>
+                    <a:lnTlToBr w="12700" cmpd="sng">
+                      <a:noFill/>
+                      <a:prstDash val="solid"/>
+                    </a:lnTlToBr>
+                    <a:lnBlToTr w="12700" cmpd="sng">
+                      <a:noFill/>
+                      <a:prstDash val="solid"/>
+                    </a:lnBlToTr>
+                    <a:solidFill>
+                      <a:srgbClr val="C00000"/>
+                    </a:solidFill>
+                  </a:tcPr>
+                </a:tc>
+                <a:tc>
+                  <a:txBody>
+                    <a:bodyPr/>
+                    <a:lstStyle/>
+                    <a:p>
+                      <a:pPr algn="ctr"/>
+                      <a:r>
+                        <a:rPr lang="en-US" b="0" dirty="0">
+                          <a:ln>
+                            <a:solidFill>
+                              <a:schemeClr val="bg1"/>
+                            </a:solidFill>
+                          </a:ln>
+                          <a:solidFill>
+                            <a:schemeClr val="bg1"/>
+                          </a:solidFill>
+                        </a:rPr>
+                        <a:t>15</a:t>
+                      </a:r>
+                    </a:p>
+                  </a:txBody>
+                  <a:tcPr anchor="ctr">
+                    <a:lnL w="12700" cap="flat" cmpd="sng" algn="ctr">
+                      <a:solidFill>
+                        <a:schemeClr val="tx1"/>
+                      </a:solidFill>
+                      <a:prstDash val="solid"/>
+                      <a:round/>
+                      <a:headEnd type="none" w="med" len="med"/>
+                      <a:tailEnd type="none" w="med" len="med"/>
+                    </a:lnL>
+                    <a:lnR w="12700" cap="flat" cmpd="sng" algn="ctr">
+                      <a:solidFill>
+                        <a:schemeClr val="tx1"/>
+                      </a:solidFill>
+                      <a:prstDash val="solid"/>
+                      <a:round/>
+                      <a:headEnd type="none" w="med" len="med"/>
+                      <a:tailEnd type="none" w="med" len="med"/>
+                    </a:lnR>
+                    <a:lnT w="12700" cap="flat" cmpd="sng" algn="ctr">
+                      <a:solidFill>
+                        <a:schemeClr val="tx1"/>
+                      </a:solidFill>
+                      <a:prstDash val="solid"/>
+                      <a:round/>
+                      <a:headEnd type="none" w="med" len="med"/>
+                      <a:tailEnd type="none" w="med" len="med"/>
+                    </a:lnT>
+                    <a:lnB w="12700" cap="flat" cmpd="sng" algn="ctr">
+                      <a:solidFill>
+                        <a:schemeClr val="tx1"/>
+                      </a:solidFill>
+                      <a:prstDash val="solid"/>
+                      <a:round/>
+                      <a:headEnd type="none" w="med" len="med"/>
+                      <a:tailEnd type="none" w="med" len="med"/>
+                    </a:lnB>
+                    <a:lnTlToBr w="12700" cmpd="sng">
+                      <a:noFill/>
+                      <a:prstDash val="solid"/>
+                    </a:lnTlToBr>
+                    <a:lnBlToTr w="12700" cmpd="sng">
+                      <a:noFill/>
+                      <a:prstDash val="solid"/>
+                    </a:lnBlToTr>
+                    <a:solidFill>
+                      <a:srgbClr val="C00000"/>
+                    </a:solidFill>
+                  </a:tcPr>
+                </a:tc>
+                <a:tc>
+                  <a:txBody>
+                    <a:bodyPr/>
+                    <a:lstStyle/>
+                    <a:p>
+                      <a:pPr algn="ctr"/>
+                      <a:r>
+                        <a:rPr lang="en-US" b="0" dirty="0">
+                          <a:ln>
+                            <a:solidFill>
+                              <a:schemeClr val="bg1"/>
+                            </a:solidFill>
+                          </a:ln>
+                          <a:solidFill>
+                            <a:schemeClr val="bg1"/>
+                          </a:solidFill>
+                        </a:rPr>
+                        <a:t>16</a:t>
+                      </a:r>
+                    </a:p>
+                  </a:txBody>
+                  <a:tcPr anchor="ctr">
+                    <a:lnL w="12700" cap="flat" cmpd="sng" algn="ctr">
+                      <a:solidFill>
+                        <a:schemeClr val="tx1"/>
+                      </a:solidFill>
+                      <a:prstDash val="solid"/>
+                      <a:round/>
+                      <a:headEnd type="none" w="med" len="med"/>
+                      <a:tailEnd type="none" w="med" len="med"/>
+                    </a:lnL>
+                    <a:lnR w="12700" cap="flat" cmpd="sng" algn="ctr">
+                      <a:solidFill>
+                        <a:schemeClr val="tx1"/>
+                      </a:solidFill>
+                      <a:prstDash val="solid"/>
+                      <a:round/>
+                      <a:headEnd type="none" w="med" len="med"/>
+                      <a:tailEnd type="none" w="med" len="med"/>
+                    </a:lnR>
+                    <a:lnT w="12700" cap="flat" cmpd="sng" algn="ctr">
+                      <a:solidFill>
+                        <a:schemeClr val="tx1"/>
+                      </a:solidFill>
+                      <a:prstDash val="solid"/>
+                      <a:round/>
+                      <a:headEnd type="none" w="med" len="med"/>
+                      <a:tailEnd type="none" w="med" len="med"/>
+                    </a:lnT>
+                    <a:lnB w="12700" cap="flat" cmpd="sng" algn="ctr">
+                      <a:solidFill>
+                        <a:schemeClr val="tx1"/>
+                      </a:solidFill>
+                      <a:prstDash val="solid"/>
+                      <a:round/>
+                      <a:headEnd type="none" w="med" len="med"/>
+                      <a:tailEnd type="none" w="med" len="med"/>
+                    </a:lnB>
+                    <a:lnTlToBr w="12700" cmpd="sng">
+                      <a:noFill/>
+                      <a:prstDash val="solid"/>
+                    </a:lnTlToBr>
+                    <a:lnBlToTr w="12700" cmpd="sng">
+                      <a:noFill/>
+                      <a:prstDash val="solid"/>
+                    </a:lnBlToTr>
+                    <a:solidFill>
+                      <a:schemeClr val="accent1"/>
+                    </a:solidFill>
+                  </a:tcPr>
+                </a:tc>
+                <a:tc>
+                  <a:txBody>
+                    <a:bodyPr/>
+                    <a:lstStyle/>
+                    <a:p>
+                      <a:pPr algn="ctr"/>
+                      <a:r>
+                        <a:rPr lang="en-US" b="0" dirty="0">
+                          <a:ln>
+                            <a:solidFill>
+                              <a:schemeClr val="bg1"/>
+                            </a:solidFill>
+                          </a:ln>
+                          <a:solidFill>
+                            <a:schemeClr val="bg1"/>
+                          </a:solidFill>
+                        </a:rPr>
+                        <a:t>17</a:t>
+                      </a:r>
+                    </a:p>
+                  </a:txBody>
+                  <a:tcPr anchor="ctr">
+                    <a:lnL w="12700" cap="flat" cmpd="sng" algn="ctr">
+                      <a:solidFill>
+                        <a:schemeClr val="tx1"/>
+                      </a:solidFill>
+                      <a:prstDash val="solid"/>
+                      <a:round/>
+                      <a:headEnd type="none" w="med" len="med"/>
+                      <a:tailEnd type="none" w="med" len="med"/>
+                    </a:lnL>
+                    <a:lnR w="12700" cap="flat" cmpd="sng" algn="ctr">
+                      <a:solidFill>
+                        <a:schemeClr val="tx1"/>
+                      </a:solidFill>
+                      <a:prstDash val="solid"/>
+                      <a:round/>
+                      <a:headEnd type="none" w="med" len="med"/>
+                      <a:tailEnd type="none" w="med" len="med"/>
+                    </a:lnR>
+                    <a:lnT w="12700" cap="flat" cmpd="sng" algn="ctr">
+                      <a:solidFill>
+                        <a:schemeClr val="tx1"/>
+                      </a:solidFill>
+                      <a:prstDash val="solid"/>
+                      <a:round/>
+                      <a:headEnd type="none" w="med" len="med"/>
+                      <a:tailEnd type="none" w="med" len="med"/>
+                    </a:lnT>
+                    <a:lnB w="12700" cap="flat" cmpd="sng" algn="ctr">
+                      <a:solidFill>
+                        <a:schemeClr val="tx1"/>
+                      </a:solidFill>
+                      <a:prstDash val="solid"/>
+                      <a:round/>
+                      <a:headEnd type="none" w="med" len="med"/>
+                      <a:tailEnd type="none" w="med" len="med"/>
+                    </a:lnB>
+                    <a:lnTlToBr w="12700" cmpd="sng">
+                      <a:noFill/>
+                      <a:prstDash val="solid"/>
+                    </a:lnTlToBr>
+                    <a:lnBlToTr w="12700" cmpd="sng">
+                      <a:noFill/>
+                      <a:prstDash val="solid"/>
+                    </a:lnBlToTr>
+                    <a:solidFill>
+                      <a:schemeClr val="accent1"/>
+                    </a:solidFill>
+                  </a:tcPr>
+                </a:tc>
+                <a:tc>
+                  <a:txBody>
+                    <a:bodyPr/>
+                    <a:lstStyle/>
+                    <a:p>
+                      <a:pPr algn="ctr"/>
+                      <a:r>
+                        <a:rPr lang="en-US" b="0" dirty="0">
+                          <a:ln>
+                            <a:solidFill>
+                              <a:schemeClr val="bg1"/>
+                            </a:solidFill>
+                          </a:ln>
+                          <a:solidFill>
+                            <a:schemeClr val="bg1"/>
+                          </a:solidFill>
+                        </a:rPr>
+                        <a:t>18</a:t>
+                      </a:r>
+                    </a:p>
+                  </a:txBody>
+                  <a:tcPr anchor="ctr">
+                    <a:lnL w="12700" cap="flat" cmpd="sng" algn="ctr">
+                      <a:solidFill>
+                        <a:schemeClr val="tx1"/>
+                      </a:solidFill>
+                      <a:prstDash val="solid"/>
+                      <a:round/>
+                      <a:headEnd type="none" w="med" len="med"/>
+                      <a:tailEnd type="none" w="med" len="med"/>
+                    </a:lnL>
+                    <a:lnR w="12700" cap="flat" cmpd="sng" algn="ctr">
+                      <a:solidFill>
+                        <a:schemeClr val="tx1"/>
+                      </a:solidFill>
+                      <a:prstDash val="solid"/>
+                      <a:round/>
+                      <a:headEnd type="none" w="med" len="med"/>
+                      <a:tailEnd type="none" w="med" len="med"/>
+                    </a:lnR>
+                    <a:lnT w="12700" cap="flat" cmpd="sng" algn="ctr">
+                      <a:solidFill>
+                        <a:schemeClr val="tx1"/>
+                      </a:solidFill>
+                      <a:prstDash val="solid"/>
+                      <a:round/>
+                      <a:headEnd type="none" w="med" len="med"/>
+                      <a:tailEnd type="none" w="med" len="med"/>
+                    </a:lnT>
+                    <a:lnB w="12700" cap="flat" cmpd="sng" algn="ctr">
+                      <a:solidFill>
+                        <a:schemeClr val="tx1"/>
+                      </a:solidFill>
+                      <a:prstDash val="solid"/>
+                      <a:round/>
+                      <a:headEnd type="none" w="med" len="med"/>
+                      <a:tailEnd type="none" w="med" len="med"/>
+                    </a:lnB>
+                    <a:lnTlToBr w="12700" cmpd="sng">
+                      <a:noFill/>
+                      <a:prstDash val="solid"/>
+                    </a:lnTlToBr>
+                    <a:lnBlToTr w="12700" cmpd="sng">
+                      <a:noFill/>
+                      <a:prstDash val="solid"/>
+                    </a:lnBlToTr>
+                    <a:solidFill>
+                      <a:schemeClr val="accent1"/>
+                    </a:solidFill>
+                  </a:tcPr>
+                </a:tc>
+                <a:tc>
+                  <a:txBody>
+                    <a:bodyPr/>
+                    <a:lstStyle/>
+                    <a:p>
+                      <a:pPr algn="ctr"/>
+                      <a:r>
+                        <a:rPr lang="en-US" b="0" dirty="0">
+                          <a:ln>
+                            <a:solidFill>
+                              <a:schemeClr val="bg1"/>
+                            </a:solidFill>
+                          </a:ln>
+                          <a:solidFill>
+                            <a:schemeClr val="bg1"/>
+                          </a:solidFill>
+                        </a:rPr>
+                        <a:t>19</a:t>
+                      </a:r>
+                    </a:p>
+                  </a:txBody>
+                  <a:tcPr anchor="ctr">
+                    <a:lnL w="12700" cap="flat" cmpd="sng" algn="ctr">
+                      <a:solidFill>
+                        <a:schemeClr val="tx1"/>
+                      </a:solidFill>
+                      <a:prstDash val="solid"/>
+                      <a:round/>
+                      <a:headEnd type="none" w="med" len="med"/>
+                      <a:tailEnd type="none" w="med" len="med"/>
+                    </a:lnL>
+                    <a:lnR w="12700" cap="flat" cmpd="sng" algn="ctr">
+                      <a:solidFill>
+                        <a:schemeClr val="tx1"/>
+                      </a:solidFill>
+                      <a:prstDash val="solid"/>
+                      <a:round/>
+                      <a:headEnd type="none" w="med" len="med"/>
+                      <a:tailEnd type="none" w="med" len="med"/>
+                    </a:lnR>
+                    <a:lnT w="12700" cap="flat" cmpd="sng" algn="ctr">
+                      <a:solidFill>
+                        <a:schemeClr val="tx1"/>
+                      </a:solidFill>
+                      <a:prstDash val="solid"/>
+                      <a:round/>
+                      <a:headEnd type="none" w="med" len="med"/>
+                      <a:tailEnd type="none" w="med" len="med"/>
+                    </a:lnT>
+                    <a:lnB w="12700" cap="flat" cmpd="sng" algn="ctr">
+                      <a:solidFill>
+                        <a:schemeClr val="tx1"/>
+                      </a:solidFill>
+                      <a:prstDash val="solid"/>
+                      <a:round/>
+                      <a:headEnd type="none" w="med" len="med"/>
+                      <a:tailEnd type="none" w="med" len="med"/>
+                    </a:lnB>
+                    <a:lnTlToBr w="12700" cmpd="sng">
+                      <a:noFill/>
+                      <a:prstDash val="solid"/>
+                    </a:lnTlToBr>
+                    <a:lnBlToTr w="12700" cmpd="sng">
+                      <a:noFill/>
+                      <a:prstDash val="solid"/>
+                    </a:lnBlToTr>
+                    <a:solidFill>
+                      <a:schemeClr val="accent6"/>
+                    </a:solidFill>
+                  </a:tcPr>
+                </a:tc>
+                <a:tc>
+                  <a:txBody>
+                    <a:bodyPr/>
+                    <a:lstStyle/>
+                    <a:p>
+                      <a:pPr algn="ctr"/>
+                      <a:r>
+                        <a:rPr lang="en-US" b="0" dirty="0">
+                          <a:ln>
+                            <a:solidFill>
+                              <a:schemeClr val="bg1"/>
+                            </a:solidFill>
+                          </a:ln>
+                          <a:solidFill>
+                            <a:schemeClr val="bg1"/>
+                          </a:solidFill>
+                        </a:rPr>
+                        <a:t>20</a:t>
+                      </a:r>
+                    </a:p>
+                  </a:txBody>
+                  <a:tcPr anchor="ctr">
+                    <a:lnL w="12700" cap="flat" cmpd="sng" algn="ctr">
+                      <a:solidFill>
+                        <a:schemeClr val="tx1"/>
+                      </a:solidFill>
+                      <a:prstDash val="solid"/>
+                      <a:round/>
+                      <a:headEnd type="none" w="med" len="med"/>
+                      <a:tailEnd type="none" w="med" len="med"/>
+                    </a:lnL>
+                    <a:lnR w="12700" cap="flat" cmpd="sng" algn="ctr">
+                      <a:solidFill>
+                        <a:schemeClr val="tx1"/>
+                      </a:solidFill>
+                      <a:prstDash val="solid"/>
+                      <a:round/>
+                      <a:headEnd type="none" w="med" len="med"/>
+                      <a:tailEnd type="none" w="med" len="med"/>
+                    </a:lnR>
+                    <a:lnT w="12700" cap="flat" cmpd="sng" algn="ctr">
+                      <a:solidFill>
+                        <a:schemeClr val="tx1"/>
+                      </a:solidFill>
+                      <a:prstDash val="solid"/>
+                      <a:round/>
+                      <a:headEnd type="none" w="med" len="med"/>
+                      <a:tailEnd type="none" w="med" len="med"/>
+                    </a:lnT>
+                    <a:lnB w="12700" cap="flat" cmpd="sng" algn="ctr">
+                      <a:solidFill>
+                        <a:schemeClr val="tx1"/>
+                      </a:solidFill>
+                      <a:prstDash val="solid"/>
+                      <a:round/>
+                      <a:headEnd type="none" w="med" len="med"/>
+                      <a:tailEnd type="none" w="med" len="med"/>
+                    </a:lnB>
+                    <a:lnTlToBr w="12700" cmpd="sng">
+                      <a:noFill/>
+                      <a:prstDash val="solid"/>
+                    </a:lnTlToBr>
+                    <a:lnBlToTr w="12700" cmpd="sng">
+                      <a:noFill/>
+                      <a:prstDash val="solid"/>
+                    </a:lnBlToTr>
+                    <a:solidFill>
+                      <a:schemeClr val="accent6"/>
+                    </a:solidFill>
+                  </a:tcPr>
+                </a:tc>
+                <a:extLst>
+                  <a:ext uri="{0D108BD9-81ED-4DB2-BD59-A6C34878D82A}">
+                    <a16:rowId xmlns:a16="http://schemas.microsoft.com/office/drawing/2014/main" val="2576272571"/>
+                  </a:ext>
+                </a:extLst>
+              </a:tr>
+              <a:tr h="370841">
+                <a:tc>
+                  <a:txBody>
+                    <a:bodyPr/>
+                    <a:lstStyle/>
+                    <a:p>
+                      <a:pPr marL="0" marR="0" lvl="0" indent="0" algn="ctr" defTabSz="914400" rtl="0" eaLnBrk="1" fontAlgn="auto" latinLnBrk="0" hangingPunct="1">
+                        <a:lnSpc>
+                          <a:spcPct val="100000"/>
+                        </a:lnSpc>
+                        <a:spcBef>
+                          <a:spcPts val="0"/>
+                        </a:spcBef>
+                        <a:spcAft>
+                          <a:spcPts val="0"/>
+                        </a:spcAft>
+                        <a:buClrTx/>
+                        <a:buSzTx/>
+                        <a:buFontTx/>
+                        <a:buNone/>
+                        <a:tabLst/>
+                        <a:defRPr/>
+                      </a:pPr>
+                      <a:r>
+                        <a:rPr lang="en-US" sz="1200" b="0" dirty="0">
+                          <a:ln>
+                            <a:solidFill>
+                              <a:schemeClr val="tx1"/>
+                            </a:solidFill>
+                          </a:ln>
+                          <a:solidFill>
+                            <a:schemeClr val="tx1"/>
+                          </a:solidFill>
+                        </a:rPr>
+                        <a:t>[4/8, 3/8, 1/8]</a:t>
+                      </a:r>
+                    </a:p>
+                  </a:txBody>
+                  <a:tcPr anchor="ctr">
+                    <a:lnL w="12700" cap="flat" cmpd="sng" algn="ctr">
+                      <a:solidFill>
+                        <a:schemeClr val="tx1"/>
+                      </a:solidFill>
+                      <a:prstDash val="solid"/>
+                      <a:round/>
+                      <a:headEnd type="none" w="med" len="med"/>
+                      <a:tailEnd type="none" w="med" len="med"/>
+                    </a:lnL>
+                    <a:lnR w="12700" cap="flat" cmpd="sng" algn="ctr">
+                      <a:solidFill>
+                        <a:schemeClr val="tx1"/>
+                      </a:solidFill>
+                      <a:prstDash val="solid"/>
+                      <a:round/>
+                      <a:headEnd type="none" w="med" len="med"/>
+                      <a:tailEnd type="none" w="med" len="med"/>
+                    </a:lnR>
+                    <a:lnT w="12700" cap="flat" cmpd="sng" algn="ctr">
+                      <a:solidFill>
+                        <a:schemeClr val="tx1"/>
+                      </a:solidFill>
+                      <a:prstDash val="solid"/>
+                      <a:round/>
+                      <a:headEnd type="none" w="med" len="med"/>
+                      <a:tailEnd type="none" w="med" len="med"/>
+                    </a:lnT>
+                    <a:lnB w="12700" cap="flat" cmpd="sng" algn="ctr">
+                      <a:solidFill>
+                        <a:schemeClr val="tx1"/>
+                      </a:solidFill>
+                      <a:prstDash val="solid"/>
+                      <a:round/>
+                      <a:headEnd type="none" w="med" len="med"/>
+                      <a:tailEnd type="none" w="med" len="med"/>
+                    </a:lnB>
+                    <a:noFill/>
+                  </a:tcPr>
+                </a:tc>
+                <a:tc>
+                  <a:txBody>
+                    <a:bodyPr/>
+                    <a:lstStyle/>
+                    <a:p>
+                      <a:pPr algn="ctr"/>
+                      <a:r>
+                        <a:rPr lang="en-US" b="0" dirty="0">
+                          <a:ln>
+                            <a:solidFill>
+                              <a:schemeClr val="bg1"/>
+                            </a:solidFill>
+                          </a:ln>
+                          <a:solidFill>
+                            <a:schemeClr val="bg1"/>
+                          </a:solidFill>
+                        </a:rPr>
+                        <a:t>1</a:t>
+                      </a:r>
+                    </a:p>
+                  </a:txBody>
+                  <a:tcPr anchor="ctr">
+                    <a:lnL w="12700" cap="flat" cmpd="sng" algn="ctr">
+                      <a:solidFill>
+                        <a:schemeClr val="tx1"/>
+                      </a:solidFill>
+                      <a:prstDash val="solid"/>
+                      <a:round/>
+                      <a:headEnd type="none" w="med" len="med"/>
+                      <a:tailEnd type="none" w="med" len="med"/>
+                    </a:lnL>
+                    <a:lnR w="12700" cap="flat" cmpd="sng" algn="ctr">
+                      <a:solidFill>
+                        <a:schemeClr val="tx1"/>
+                      </a:solidFill>
+                      <a:prstDash val="solid"/>
+                      <a:round/>
+                      <a:headEnd type="none" w="med" len="med"/>
+                      <a:tailEnd type="none" w="med" len="med"/>
+                    </a:lnR>
+                    <a:lnT w="12700" cap="flat" cmpd="sng" algn="ctr">
+                      <a:solidFill>
+                        <a:schemeClr val="tx1"/>
+                      </a:solidFill>
+                      <a:prstDash val="solid"/>
+                      <a:round/>
+                      <a:headEnd type="none" w="med" len="med"/>
+                      <a:tailEnd type="none" w="med" len="med"/>
+                    </a:lnT>
+                    <a:lnB w="12700" cap="flat" cmpd="sng" algn="ctr">
+                      <a:solidFill>
+                        <a:schemeClr val="tx1"/>
+                      </a:solidFill>
+                      <a:prstDash val="solid"/>
+                      <a:round/>
+                      <a:headEnd type="none" w="med" len="med"/>
+                      <a:tailEnd type="none" w="med" len="med"/>
+                    </a:lnB>
+                    <a:solidFill>
+                      <a:schemeClr val="accent1"/>
+                    </a:solidFill>
+                  </a:tcPr>
+                </a:tc>
+                <a:tc>
+                  <a:txBody>
+                    <a:bodyPr/>
+                    <a:lstStyle/>
+                    <a:p>
+                      <a:pPr algn="ctr"/>
+                      <a:r>
+                        <a:rPr lang="en-US" b="0" dirty="0">
+                          <a:ln>
+                            <a:solidFill>
+                              <a:schemeClr val="bg1"/>
+                            </a:solidFill>
+                          </a:ln>
+                          <a:solidFill>
+                            <a:schemeClr val="bg1"/>
+                          </a:solidFill>
+                        </a:rPr>
+                        <a:t>2</a:t>
+                      </a:r>
+                    </a:p>
+                  </a:txBody>
+                  <a:tcPr anchor="ctr">
+                    <a:lnL w="12700" cap="flat" cmpd="sng" algn="ctr">
+                      <a:solidFill>
+                        <a:schemeClr val="tx1"/>
+                      </a:solidFill>
+                      <a:prstDash val="solid"/>
+                      <a:round/>
+                      <a:headEnd type="none" w="med" len="med"/>
+                      <a:tailEnd type="none" w="med" len="med"/>
+                    </a:lnL>
+                    <a:lnR w="12700" cap="flat" cmpd="sng" algn="ctr">
+                      <a:solidFill>
+                        <a:schemeClr val="tx1"/>
+                      </a:solidFill>
+                      <a:prstDash val="solid"/>
+                      <a:round/>
+                      <a:headEnd type="none" w="med" len="med"/>
+                      <a:tailEnd type="none" w="med" len="med"/>
+                    </a:lnR>
+                    <a:lnT w="12700" cap="flat" cmpd="sng" algn="ctr">
+                      <a:solidFill>
+                        <a:schemeClr val="tx1"/>
+                      </a:solidFill>
+                      <a:prstDash val="solid"/>
+                      <a:round/>
+                      <a:headEnd type="none" w="med" len="med"/>
+                      <a:tailEnd type="none" w="med" len="med"/>
+                    </a:lnT>
+                    <a:lnB w="12700" cap="flat" cmpd="sng" algn="ctr">
+                      <a:solidFill>
+                        <a:schemeClr val="tx1"/>
+                      </a:solidFill>
+                      <a:prstDash val="solid"/>
+                      <a:round/>
+                      <a:headEnd type="none" w="med" len="med"/>
+                      <a:tailEnd type="none" w="med" len="med"/>
+                    </a:lnB>
+                    <a:solidFill>
+                      <a:schemeClr val="accent1"/>
+                    </a:solidFill>
+                  </a:tcPr>
+                </a:tc>
+                <a:tc>
+                  <a:txBody>
+                    <a:bodyPr/>
+                    <a:lstStyle/>
+                    <a:p>
+                      <a:pPr algn="ctr"/>
+                      <a:r>
+                        <a:rPr lang="en-US" b="0" dirty="0">
+                          <a:ln>
+                            <a:solidFill>
+                              <a:schemeClr val="bg1"/>
+                            </a:solidFill>
+                          </a:ln>
+                          <a:solidFill>
+                            <a:schemeClr val="bg1"/>
+                          </a:solidFill>
+                        </a:rPr>
+                        <a:t>3</a:t>
+                      </a:r>
+                    </a:p>
+                  </a:txBody>
+                  <a:tcPr anchor="ctr">
+                    <a:lnL w="12700" cap="flat" cmpd="sng" algn="ctr">
+                      <a:solidFill>
+                        <a:schemeClr val="tx1"/>
+                      </a:solidFill>
+                      <a:prstDash val="solid"/>
+                      <a:round/>
+                      <a:headEnd type="none" w="med" len="med"/>
+                      <a:tailEnd type="none" w="med" len="med"/>
+                    </a:lnL>
+                    <a:lnR w="12700" cap="flat" cmpd="sng" algn="ctr">
+                      <a:solidFill>
+                        <a:schemeClr val="tx1"/>
+                      </a:solidFill>
+                      <a:prstDash val="solid"/>
+                      <a:round/>
+                      <a:headEnd type="none" w="med" len="med"/>
+                      <a:tailEnd type="none" w="med" len="med"/>
+                    </a:lnR>
+                    <a:lnT w="12700" cap="flat" cmpd="sng" algn="ctr">
+                      <a:solidFill>
+                        <a:schemeClr val="tx1"/>
+                      </a:solidFill>
+                      <a:prstDash val="solid"/>
+                      <a:round/>
+                      <a:headEnd type="none" w="med" len="med"/>
+                      <a:tailEnd type="none" w="med" len="med"/>
+                    </a:lnT>
+                    <a:lnB w="12700" cap="flat" cmpd="sng" algn="ctr">
+                      <a:solidFill>
+                        <a:schemeClr val="tx1"/>
+                      </a:solidFill>
+                      <a:prstDash val="solid"/>
+                      <a:round/>
+                      <a:headEnd type="none" w="med" len="med"/>
+                      <a:tailEnd type="none" w="med" len="med"/>
+                    </a:lnB>
+                    <a:solidFill>
+                      <a:schemeClr val="accent1"/>
+                    </a:solidFill>
+                  </a:tcPr>
+                </a:tc>
+                <a:tc>
+                  <a:txBody>
+                    <a:bodyPr/>
+                    <a:lstStyle/>
+                    <a:p>
+                      <a:pPr algn="ctr"/>
+                      <a:r>
+                        <a:rPr lang="en-US" b="0" dirty="0">
+                          <a:ln>
+                            <a:solidFill>
+                              <a:schemeClr val="bg1"/>
+                            </a:solidFill>
+                          </a:ln>
+                          <a:solidFill>
+                            <a:schemeClr val="bg1"/>
+                          </a:solidFill>
+                        </a:rPr>
+                        <a:t>4</a:t>
+                      </a:r>
+                    </a:p>
+                  </a:txBody>
+                  <a:tcPr anchor="ctr">
+                    <a:lnL w="12700" cap="flat" cmpd="sng" algn="ctr">
+                      <a:solidFill>
+                        <a:schemeClr val="tx1"/>
+                      </a:solidFill>
+                      <a:prstDash val="solid"/>
+                      <a:round/>
+                      <a:headEnd type="none" w="med" len="med"/>
+                      <a:tailEnd type="none" w="med" len="med"/>
+                    </a:lnL>
+                    <a:lnR w="12700" cap="flat" cmpd="sng" algn="ctr">
+                      <a:solidFill>
+                        <a:schemeClr val="tx1"/>
+                      </a:solidFill>
+                      <a:prstDash val="solid"/>
+                      <a:round/>
+                      <a:headEnd type="none" w="med" len="med"/>
+                      <a:tailEnd type="none" w="med" len="med"/>
+                    </a:lnR>
+                    <a:lnT w="12700" cap="flat" cmpd="sng" algn="ctr">
+                      <a:solidFill>
+                        <a:schemeClr val="tx1"/>
+                      </a:solidFill>
+                      <a:prstDash val="solid"/>
+                      <a:round/>
+                      <a:headEnd type="none" w="med" len="med"/>
+                      <a:tailEnd type="none" w="med" len="med"/>
+                    </a:lnT>
+                    <a:lnB w="12700" cap="flat" cmpd="sng" algn="ctr">
+                      <a:solidFill>
+                        <a:schemeClr val="tx1"/>
+                      </a:solidFill>
+                      <a:prstDash val="solid"/>
+                      <a:round/>
+                      <a:headEnd type="none" w="med" len="med"/>
+                      <a:tailEnd type="none" w="med" len="med"/>
+                    </a:lnB>
+                    <a:solidFill>
+                      <a:schemeClr val="accent6"/>
+                    </a:solidFill>
+                  </a:tcPr>
+                </a:tc>
+                <a:tc>
+                  <a:txBody>
+                    <a:bodyPr/>
+                    <a:lstStyle/>
+                    <a:p>
+                      <a:pPr algn="ctr"/>
+                      <a:r>
+                        <a:rPr lang="en-US" b="0" dirty="0">
+                          <a:ln>
+                            <a:solidFill>
+                              <a:schemeClr val="bg1"/>
+                            </a:solidFill>
+                          </a:ln>
+                          <a:solidFill>
+                            <a:schemeClr val="bg1"/>
+                          </a:solidFill>
+                        </a:rPr>
+                        <a:t>5</a:t>
+                      </a:r>
+                    </a:p>
+                  </a:txBody>
+                  <a:tcPr anchor="ctr">
+                    <a:lnL w="12700" cap="flat" cmpd="sng" algn="ctr">
+                      <a:solidFill>
+                        <a:schemeClr val="tx1"/>
+                      </a:solidFill>
+                      <a:prstDash val="solid"/>
+                      <a:round/>
+                      <a:headEnd type="none" w="med" len="med"/>
+                      <a:tailEnd type="none" w="med" len="med"/>
+                    </a:lnL>
+                    <a:lnR w="12700" cap="flat" cmpd="sng" algn="ctr">
+                      <a:solidFill>
+                        <a:schemeClr val="tx1"/>
+                      </a:solidFill>
+                      <a:prstDash val="solid"/>
+                      <a:round/>
+                      <a:headEnd type="none" w="med" len="med"/>
+                      <a:tailEnd type="none" w="med" len="med"/>
+                    </a:lnR>
+                    <a:lnT w="12700" cap="flat" cmpd="sng" algn="ctr">
+                      <a:solidFill>
+                        <a:schemeClr val="tx1"/>
+                      </a:solidFill>
+                      <a:prstDash val="solid"/>
+                      <a:round/>
+                      <a:headEnd type="none" w="med" len="med"/>
+                      <a:tailEnd type="none" w="med" len="med"/>
+                    </a:lnT>
+                    <a:lnB w="12700" cap="flat" cmpd="sng" algn="ctr">
+                      <a:solidFill>
+                        <a:schemeClr val="tx1"/>
+                      </a:solidFill>
+                      <a:prstDash val="solid"/>
+                      <a:round/>
+                      <a:headEnd type="none" w="med" len="med"/>
+                      <a:tailEnd type="none" w="med" len="med"/>
+                    </a:lnB>
+                    <a:solidFill>
+                      <a:schemeClr val="accent6"/>
+                    </a:solidFill>
+                  </a:tcPr>
+                </a:tc>
+                <a:tc>
+                  <a:txBody>
+                    <a:bodyPr/>
+                    <a:lstStyle/>
+                    <a:p>
+                      <a:pPr algn="ctr"/>
+                      <a:r>
+                        <a:rPr lang="en-US" b="0" dirty="0">
+                          <a:ln>
+                            <a:solidFill>
+                              <a:schemeClr val="bg1"/>
+                            </a:solidFill>
+                          </a:ln>
+                          <a:solidFill>
+                            <a:schemeClr val="bg1"/>
+                          </a:solidFill>
+                        </a:rPr>
+                        <a:t>6</a:t>
+                      </a:r>
+                    </a:p>
+                  </a:txBody>
+                  <a:tcPr anchor="ctr">
+                    <a:lnL w="12700" cap="flat" cmpd="sng" algn="ctr">
+                      <a:solidFill>
+                        <a:schemeClr val="tx1"/>
+                      </a:solidFill>
+                      <a:prstDash val="solid"/>
+                      <a:round/>
+                      <a:headEnd type="none" w="med" len="med"/>
+                      <a:tailEnd type="none" w="med" len="med"/>
+                    </a:lnL>
+                    <a:lnR w="12700" cap="flat" cmpd="sng" algn="ctr">
+                      <a:solidFill>
+                        <a:schemeClr val="tx1"/>
+                      </a:solidFill>
+                      <a:prstDash val="solid"/>
+                      <a:round/>
+                      <a:headEnd type="none" w="med" len="med"/>
+                      <a:tailEnd type="none" w="med" len="med"/>
+                    </a:lnR>
+                    <a:lnT w="12700" cap="flat" cmpd="sng" algn="ctr">
+                      <a:solidFill>
+                        <a:schemeClr val="tx1"/>
+                      </a:solidFill>
+                      <a:prstDash val="solid"/>
+                      <a:round/>
+                      <a:headEnd type="none" w="med" len="med"/>
+                      <a:tailEnd type="none" w="med" len="med"/>
+                    </a:lnT>
+                    <a:lnB w="12700" cap="flat" cmpd="sng" algn="ctr">
+                      <a:solidFill>
+                        <a:schemeClr val="tx1"/>
+                      </a:solidFill>
+                      <a:prstDash val="solid"/>
+                      <a:round/>
+                      <a:headEnd type="none" w="med" len="med"/>
+                      <a:tailEnd type="none" w="med" len="med"/>
+                    </a:lnB>
+                    <a:solidFill>
+                      <a:schemeClr val="accent6"/>
+                    </a:solidFill>
+                  </a:tcPr>
+                </a:tc>
+                <a:tc>
+                  <a:txBody>
+                    <a:bodyPr/>
+                    <a:lstStyle/>
+                    <a:p>
+                      <a:pPr algn="ctr"/>
+                      <a:r>
+                        <a:rPr lang="en-US" b="0" dirty="0">
+                          <a:ln>
+                            <a:solidFill>
+                              <a:schemeClr val="bg1"/>
+                            </a:solidFill>
+                          </a:ln>
+                          <a:solidFill>
+                            <a:schemeClr val="bg1"/>
+                          </a:solidFill>
+                        </a:rPr>
+                        <a:t>7</a:t>
+                      </a:r>
+                    </a:p>
+                  </a:txBody>
+                  <a:tcPr anchor="ctr">
+                    <a:lnL w="12700" cap="flat" cmpd="sng" algn="ctr">
+                      <a:solidFill>
+                        <a:schemeClr val="tx1"/>
+                      </a:solidFill>
+                      <a:prstDash val="solid"/>
+                      <a:round/>
+                      <a:headEnd type="none" w="med" len="med"/>
+                      <a:tailEnd type="none" w="med" len="med"/>
+                    </a:lnL>
+                    <a:lnR w="12700" cap="flat" cmpd="sng" algn="ctr">
+                      <a:solidFill>
+                        <a:schemeClr val="tx1"/>
+                      </a:solidFill>
+                      <a:prstDash val="solid"/>
+                      <a:round/>
+                      <a:headEnd type="none" w="med" len="med"/>
+                      <a:tailEnd type="none" w="med" len="med"/>
+                    </a:lnR>
+                    <a:lnT w="12700" cap="flat" cmpd="sng" algn="ctr">
+                      <a:solidFill>
+                        <a:schemeClr val="tx1"/>
+                      </a:solidFill>
+                      <a:prstDash val="solid"/>
+                      <a:round/>
+                      <a:headEnd type="none" w="med" len="med"/>
+                      <a:tailEnd type="none" w="med" len="med"/>
+                    </a:lnT>
+                    <a:lnB w="12700" cap="flat" cmpd="sng" algn="ctr">
+                      <a:solidFill>
+                        <a:schemeClr val="tx1"/>
+                      </a:solidFill>
+                      <a:prstDash val="solid"/>
+                      <a:round/>
+                      <a:headEnd type="none" w="med" len="med"/>
+                      <a:tailEnd type="none" w="med" len="med"/>
+                    </a:lnB>
+                    <a:solidFill>
+                      <a:srgbClr val="C00000"/>
+                    </a:solidFill>
+                  </a:tcPr>
+                </a:tc>
+                <a:tc>
+                  <a:txBody>
+                    <a:bodyPr/>
+                    <a:lstStyle/>
+                    <a:p>
+                      <a:pPr algn="ctr"/>
+                      <a:r>
+                        <a:rPr lang="en-US" b="0" dirty="0">
+                          <a:ln>
+                            <a:solidFill>
+                              <a:schemeClr val="bg1"/>
+                            </a:solidFill>
+                          </a:ln>
+                          <a:solidFill>
+                            <a:schemeClr val="bg1"/>
+                          </a:solidFill>
+                        </a:rPr>
+                        <a:t>8</a:t>
+                      </a:r>
+                    </a:p>
+                  </a:txBody>
+                  <a:tcPr anchor="ctr">
+                    <a:lnL w="12700" cap="flat" cmpd="sng" algn="ctr">
+                      <a:solidFill>
+                        <a:schemeClr val="tx1"/>
+                      </a:solidFill>
+                      <a:prstDash val="solid"/>
+                      <a:round/>
+                      <a:headEnd type="none" w="med" len="med"/>
+                      <a:tailEnd type="none" w="med" len="med"/>
+                    </a:lnL>
+                    <a:lnR w="12700" cap="flat" cmpd="sng" algn="ctr">
+                      <a:solidFill>
+                        <a:schemeClr val="tx1"/>
+                      </a:solidFill>
+                      <a:prstDash val="solid"/>
+                      <a:round/>
+                      <a:headEnd type="none" w="med" len="med"/>
+                      <a:tailEnd type="none" w="med" len="med"/>
+                    </a:lnR>
+                    <a:lnT w="12700" cap="flat" cmpd="sng" algn="ctr">
+                      <a:solidFill>
+                        <a:schemeClr val="tx1"/>
+                      </a:solidFill>
+                      <a:prstDash val="solid"/>
+                      <a:round/>
+                      <a:headEnd type="none" w="med" len="med"/>
+                      <a:tailEnd type="none" w="med" len="med"/>
+                    </a:lnT>
+                    <a:lnB w="12700" cap="flat" cmpd="sng" algn="ctr">
+                      <a:solidFill>
+                        <a:schemeClr val="tx1"/>
+                      </a:solidFill>
+                      <a:prstDash val="solid"/>
+                      <a:round/>
+                      <a:headEnd type="none" w="med" len="med"/>
+                      <a:tailEnd type="none" w="med" len="med"/>
+                    </a:lnB>
+                    <a:solidFill>
+                      <a:schemeClr val="accent1"/>
+                    </a:solidFill>
+                  </a:tcPr>
+                </a:tc>
+                <a:tc>
+                  <a:txBody>
+                    <a:bodyPr/>
+                    <a:lstStyle/>
+                    <a:p>
+                      <a:pPr algn="ctr"/>
+                      <a:r>
+                        <a:rPr lang="en-US" b="0" dirty="0">
+                          <a:ln>
+                            <a:solidFill>
+                              <a:schemeClr val="bg1"/>
+                            </a:solidFill>
+                          </a:ln>
+                          <a:solidFill>
+                            <a:schemeClr val="bg1"/>
+                          </a:solidFill>
+                        </a:rPr>
+                        <a:t>9</a:t>
+                      </a:r>
+                    </a:p>
+                  </a:txBody>
+                  <a:tcPr anchor="ctr">
+                    <a:lnL w="12700" cap="flat" cmpd="sng" algn="ctr">
+                      <a:solidFill>
+                        <a:schemeClr val="tx1"/>
+                      </a:solidFill>
+                      <a:prstDash val="solid"/>
+                      <a:round/>
+                      <a:headEnd type="none" w="med" len="med"/>
+                      <a:tailEnd type="none" w="med" len="med"/>
+                    </a:lnL>
+                    <a:lnR w="12700" cap="flat" cmpd="sng" algn="ctr">
+                      <a:solidFill>
+                        <a:schemeClr val="tx1"/>
+                      </a:solidFill>
+                      <a:prstDash val="solid"/>
+                      <a:round/>
+                      <a:headEnd type="none" w="med" len="med"/>
+                      <a:tailEnd type="none" w="med" len="med"/>
+                    </a:lnR>
+                    <a:lnT w="12700" cap="flat" cmpd="sng" algn="ctr">
+                      <a:solidFill>
+                        <a:schemeClr val="tx1"/>
+                      </a:solidFill>
+                      <a:prstDash val="solid"/>
+                      <a:round/>
+                      <a:headEnd type="none" w="med" len="med"/>
+                      <a:tailEnd type="none" w="med" len="med"/>
+                    </a:lnT>
+                    <a:lnB w="12700" cap="flat" cmpd="sng" algn="ctr">
+                      <a:solidFill>
+                        <a:schemeClr val="tx1"/>
+                      </a:solidFill>
+                      <a:prstDash val="solid"/>
+                      <a:round/>
+                      <a:headEnd type="none" w="med" len="med"/>
+                      <a:tailEnd type="none" w="med" len="med"/>
+                    </a:lnB>
+                    <a:solidFill>
+                      <a:schemeClr val="accent1"/>
+                    </a:solidFill>
+                  </a:tcPr>
+                </a:tc>
+                <a:tc>
+                  <a:txBody>
+                    <a:bodyPr/>
+                    <a:lstStyle/>
+                    <a:p>
+                      <a:pPr algn="ctr"/>
+                      <a:r>
+                        <a:rPr lang="en-US" b="0" dirty="0">
+                          <a:ln>
+                            <a:solidFill>
+                              <a:schemeClr val="bg1"/>
+                            </a:solidFill>
+                          </a:ln>
+                          <a:solidFill>
+                            <a:schemeClr val="bg1"/>
+                          </a:solidFill>
+                        </a:rPr>
+                        <a:t>10</a:t>
+                      </a:r>
+                    </a:p>
+                  </a:txBody>
+                  <a:tcPr anchor="ctr">
+                    <a:lnL w="12700" cap="flat" cmpd="sng" algn="ctr">
+                      <a:solidFill>
+                        <a:schemeClr val="tx1"/>
+                      </a:solidFill>
+                      <a:prstDash val="solid"/>
+                      <a:round/>
+                      <a:headEnd type="none" w="med" len="med"/>
+                      <a:tailEnd type="none" w="med" len="med"/>
+                    </a:lnL>
+                    <a:lnR w="12700" cap="flat" cmpd="sng" algn="ctr">
+                      <a:solidFill>
+                        <a:schemeClr val="tx1"/>
+                      </a:solidFill>
+                      <a:prstDash val="solid"/>
+                      <a:round/>
+                      <a:headEnd type="none" w="med" len="med"/>
+                      <a:tailEnd type="none" w="med" len="med"/>
+                    </a:lnR>
+                    <a:lnT w="12700" cap="flat" cmpd="sng" algn="ctr">
+                      <a:solidFill>
+                        <a:schemeClr val="tx1"/>
+                      </a:solidFill>
+                      <a:prstDash val="solid"/>
+                      <a:round/>
+                      <a:headEnd type="none" w="med" len="med"/>
+                      <a:tailEnd type="none" w="med" len="med"/>
+                    </a:lnT>
+                    <a:lnB w="12700" cap="flat" cmpd="sng" algn="ctr">
+                      <a:solidFill>
+                        <a:schemeClr val="tx1"/>
+                      </a:solidFill>
+                      <a:prstDash val="solid"/>
+                      <a:round/>
+                      <a:headEnd type="none" w="med" len="med"/>
+                      <a:tailEnd type="none" w="med" len="med"/>
+                    </a:lnB>
+                    <a:solidFill>
+                      <a:schemeClr val="accent1"/>
+                    </a:solidFill>
+                  </a:tcPr>
+                </a:tc>
+                <a:tc>
+                  <a:txBody>
+                    <a:bodyPr/>
+                    <a:lstStyle/>
+                    <a:p>
+                      <a:pPr algn="ctr"/>
+                      <a:r>
+                        <a:rPr lang="en-US" b="0" dirty="0">
+                          <a:ln>
+                            <a:solidFill>
+                              <a:schemeClr val="bg1"/>
+                            </a:solidFill>
+                          </a:ln>
+                          <a:solidFill>
+                            <a:schemeClr val="bg1"/>
+                          </a:solidFill>
+                        </a:rPr>
+                        <a:t>11</a:t>
+                      </a:r>
+                    </a:p>
+                  </a:txBody>
+                  <a:tcPr anchor="ctr">
+                    <a:lnL w="12700" cap="flat" cmpd="sng" algn="ctr">
+                      <a:solidFill>
+                        <a:schemeClr val="tx1"/>
+                      </a:solidFill>
+                      <a:prstDash val="solid"/>
+                      <a:round/>
+                      <a:headEnd type="none" w="med" len="med"/>
+                      <a:tailEnd type="none" w="med" len="med"/>
+                    </a:lnL>
+                    <a:lnR w="12700" cap="flat" cmpd="sng" algn="ctr">
+                      <a:solidFill>
+                        <a:schemeClr val="tx1"/>
+                      </a:solidFill>
+                      <a:prstDash val="solid"/>
+                      <a:round/>
+                      <a:headEnd type="none" w="med" len="med"/>
+                      <a:tailEnd type="none" w="med" len="med"/>
+                    </a:lnR>
+                    <a:lnT w="12700" cap="flat" cmpd="sng" algn="ctr">
+                      <a:solidFill>
+                        <a:schemeClr val="tx1"/>
+                      </a:solidFill>
+                      <a:prstDash val="solid"/>
+                      <a:round/>
+                      <a:headEnd type="none" w="med" len="med"/>
+                      <a:tailEnd type="none" w="med" len="med"/>
+                    </a:lnT>
+                    <a:lnB w="12700" cap="flat" cmpd="sng" algn="ctr">
+                      <a:solidFill>
+                        <a:schemeClr val="tx1"/>
+                      </a:solidFill>
+                      <a:prstDash val="solid"/>
+                      <a:round/>
+                      <a:headEnd type="none" w="med" len="med"/>
+                      <a:tailEnd type="none" w="med" len="med"/>
+                    </a:lnB>
+                    <a:solidFill>
+                      <a:schemeClr val="accent1"/>
+                    </a:solidFill>
+                  </a:tcPr>
+                </a:tc>
+                <a:tc>
+                  <a:txBody>
+                    <a:bodyPr/>
+                    <a:lstStyle/>
+                    <a:p>
+                      <a:pPr algn="ctr"/>
+                      <a:r>
+                        <a:rPr lang="en-US" b="0" dirty="0">
+                          <a:ln>
+                            <a:solidFill>
+                              <a:schemeClr val="bg1"/>
+                            </a:solidFill>
+                          </a:ln>
+                          <a:solidFill>
+                            <a:schemeClr val="bg1"/>
+                          </a:solidFill>
+                        </a:rPr>
+                        <a:t>12</a:t>
+                      </a:r>
+                    </a:p>
+                  </a:txBody>
+                  <a:tcPr anchor="ctr">
+                    <a:lnL w="12700" cap="flat" cmpd="sng" algn="ctr">
+                      <a:solidFill>
+                        <a:schemeClr val="tx1"/>
+                      </a:solidFill>
+                      <a:prstDash val="solid"/>
+                      <a:round/>
+                      <a:headEnd type="none" w="med" len="med"/>
+                      <a:tailEnd type="none" w="med" len="med"/>
+                    </a:lnL>
+                    <a:lnR w="12700" cap="flat" cmpd="sng" algn="ctr">
+                      <a:solidFill>
+                        <a:schemeClr val="tx1"/>
+                      </a:solidFill>
+                      <a:prstDash val="solid"/>
+                      <a:round/>
+                      <a:headEnd type="none" w="med" len="med"/>
+                      <a:tailEnd type="none" w="med" len="med"/>
+                    </a:lnR>
+                    <a:lnT w="12700" cap="flat" cmpd="sng" algn="ctr">
+                      <a:solidFill>
+                        <a:schemeClr val="tx1"/>
+                      </a:solidFill>
+                      <a:prstDash val="solid"/>
+                      <a:round/>
+                      <a:headEnd type="none" w="med" len="med"/>
+                      <a:tailEnd type="none" w="med" len="med"/>
+                    </a:lnT>
+                    <a:lnB w="12700" cap="flat" cmpd="sng" algn="ctr">
+                      <a:solidFill>
+                        <a:schemeClr val="tx1"/>
+                      </a:solidFill>
+                      <a:prstDash val="solid"/>
+                      <a:round/>
+                      <a:headEnd type="none" w="med" len="med"/>
+                      <a:tailEnd type="none" w="med" len="med"/>
+                    </a:lnB>
+                    <a:solidFill>
+                      <a:schemeClr val="accent6"/>
+                    </a:solidFill>
+                  </a:tcPr>
+                </a:tc>
+                <a:tc>
+                  <a:txBody>
+                    <a:bodyPr/>
+                    <a:lstStyle/>
+                    <a:p>
+                      <a:pPr algn="ctr"/>
+                      <a:r>
+                        <a:rPr lang="en-US" b="0" dirty="0">
+                          <a:ln>
+                            <a:solidFill>
+                              <a:schemeClr val="bg1"/>
+                            </a:solidFill>
+                          </a:ln>
+                          <a:solidFill>
+                            <a:schemeClr val="bg1"/>
+                          </a:solidFill>
+                        </a:rPr>
+                        <a:t>13</a:t>
+                      </a:r>
+                    </a:p>
+                  </a:txBody>
+                  <a:tcPr anchor="ctr">
+                    <a:lnL w="12700" cap="flat" cmpd="sng" algn="ctr">
+                      <a:solidFill>
+                        <a:schemeClr val="tx1"/>
+                      </a:solidFill>
+                      <a:prstDash val="solid"/>
+                      <a:round/>
+                      <a:headEnd type="none" w="med" len="med"/>
+                      <a:tailEnd type="none" w="med" len="med"/>
+                    </a:lnL>
+                    <a:lnR w="12700" cap="flat" cmpd="sng" algn="ctr">
+                      <a:solidFill>
+                        <a:schemeClr val="tx1"/>
+                      </a:solidFill>
+                      <a:prstDash val="solid"/>
+                      <a:round/>
+                      <a:headEnd type="none" w="med" len="med"/>
+                      <a:tailEnd type="none" w="med" len="med"/>
+                    </a:lnR>
+                    <a:lnT w="12700" cap="flat" cmpd="sng" algn="ctr">
+                      <a:solidFill>
+                        <a:schemeClr val="tx1"/>
+                      </a:solidFill>
+                      <a:prstDash val="solid"/>
+                      <a:round/>
+                      <a:headEnd type="none" w="med" len="med"/>
+                      <a:tailEnd type="none" w="med" len="med"/>
+                    </a:lnT>
+                    <a:lnB w="12700" cap="flat" cmpd="sng" algn="ctr">
+                      <a:solidFill>
+                        <a:schemeClr val="tx1"/>
+                      </a:solidFill>
+                      <a:prstDash val="solid"/>
+                      <a:round/>
+                      <a:headEnd type="none" w="med" len="med"/>
+                      <a:tailEnd type="none" w="med" len="med"/>
+                    </a:lnB>
+                    <a:solidFill>
+                      <a:schemeClr val="accent6"/>
+                    </a:solidFill>
+                  </a:tcPr>
+                </a:tc>
+                <a:tc>
+                  <a:txBody>
+                    <a:bodyPr/>
+                    <a:lstStyle/>
+                    <a:p>
+                      <a:pPr algn="ctr"/>
+                      <a:r>
+                        <a:rPr lang="en-US" b="0" dirty="0">
+                          <a:ln>
+                            <a:solidFill>
+                              <a:schemeClr val="bg1"/>
+                            </a:solidFill>
+                          </a:ln>
+                          <a:solidFill>
+                            <a:schemeClr val="bg1"/>
+                          </a:solidFill>
+                        </a:rPr>
+                        <a:t>14</a:t>
+                      </a:r>
+                    </a:p>
+                  </a:txBody>
+                  <a:tcPr anchor="ctr">
+                    <a:lnL w="12700" cap="flat" cmpd="sng" algn="ctr">
+                      <a:solidFill>
+                        <a:schemeClr val="tx1"/>
+                      </a:solidFill>
+                      <a:prstDash val="solid"/>
+                      <a:round/>
+                      <a:headEnd type="none" w="med" len="med"/>
+                      <a:tailEnd type="none" w="med" len="med"/>
+                    </a:lnL>
+                    <a:lnR w="12700" cap="flat" cmpd="sng" algn="ctr">
+                      <a:solidFill>
+                        <a:schemeClr val="tx1"/>
+                      </a:solidFill>
+                      <a:prstDash val="solid"/>
+                      <a:round/>
+                      <a:headEnd type="none" w="med" len="med"/>
+                      <a:tailEnd type="none" w="med" len="med"/>
+                    </a:lnR>
+                    <a:lnT w="12700" cap="flat" cmpd="sng" algn="ctr">
+                      <a:solidFill>
+                        <a:schemeClr val="tx1"/>
+                      </a:solidFill>
+                      <a:prstDash val="solid"/>
+                      <a:round/>
+                      <a:headEnd type="none" w="med" len="med"/>
+                      <a:tailEnd type="none" w="med" len="med"/>
+                    </a:lnT>
+                    <a:lnB w="12700" cap="flat" cmpd="sng" algn="ctr">
+                      <a:solidFill>
+                        <a:schemeClr val="tx1"/>
+                      </a:solidFill>
+                      <a:prstDash val="solid"/>
+                      <a:round/>
+                      <a:headEnd type="none" w="med" len="med"/>
+                      <a:tailEnd type="none" w="med" len="med"/>
+                    </a:lnB>
+                    <a:solidFill>
+                      <a:schemeClr val="accent6"/>
+                    </a:solidFill>
+                  </a:tcPr>
+                </a:tc>
+                <a:tc>
+                  <a:txBody>
+                    <a:bodyPr/>
+                    <a:lstStyle/>
+                    <a:p>
+                      <a:pPr algn="ctr"/>
+                      <a:r>
+                        <a:rPr lang="en-US" b="0" dirty="0">
+                          <a:ln>
+                            <a:solidFill>
+                              <a:schemeClr val="bg1"/>
+                            </a:solidFill>
+                          </a:ln>
+                          <a:solidFill>
+                            <a:schemeClr val="bg1"/>
+                          </a:solidFill>
+                        </a:rPr>
+                        <a:t>15</a:t>
+                      </a:r>
+                    </a:p>
+                  </a:txBody>
+                  <a:tcPr anchor="ctr">
+                    <a:lnL w="12700" cap="flat" cmpd="sng" algn="ctr">
+                      <a:solidFill>
+                        <a:schemeClr val="tx1"/>
+                      </a:solidFill>
+                      <a:prstDash val="solid"/>
+                      <a:round/>
+                      <a:headEnd type="none" w="med" len="med"/>
+                      <a:tailEnd type="none" w="med" len="med"/>
+                    </a:lnL>
+                    <a:lnR w="12700" cap="flat" cmpd="sng" algn="ctr">
+                      <a:solidFill>
+                        <a:schemeClr val="tx1"/>
+                      </a:solidFill>
+                      <a:prstDash val="solid"/>
+                      <a:round/>
+                      <a:headEnd type="none" w="med" len="med"/>
+                      <a:tailEnd type="none" w="med" len="med"/>
+                    </a:lnR>
+                    <a:lnT w="12700" cap="flat" cmpd="sng" algn="ctr">
+                      <a:solidFill>
+                        <a:schemeClr val="tx1"/>
+                      </a:solidFill>
+                      <a:prstDash val="solid"/>
+                      <a:round/>
+                      <a:headEnd type="none" w="med" len="med"/>
+                      <a:tailEnd type="none" w="med" len="med"/>
+                    </a:lnT>
+                    <a:lnB w="12700" cap="flat" cmpd="sng" algn="ctr">
+                      <a:solidFill>
+                        <a:schemeClr val="tx1"/>
+                      </a:solidFill>
+                      <a:prstDash val="solid"/>
+                      <a:round/>
+                      <a:headEnd type="none" w="med" len="med"/>
+                      <a:tailEnd type="none" w="med" len="med"/>
+                    </a:lnB>
+                    <a:solidFill>
+                      <a:srgbClr val="C00000"/>
+                    </a:solidFill>
+                  </a:tcPr>
+                </a:tc>
+                <a:tc>
+                  <a:txBody>
+                    <a:bodyPr/>
+                    <a:lstStyle/>
+                    <a:p>
+                      <a:pPr algn="ctr"/>
+                      <a:r>
+                        <a:rPr lang="en-US" b="0" dirty="0">
+                          <a:ln>
+                            <a:solidFill>
+                              <a:schemeClr val="bg1"/>
+                            </a:solidFill>
+                          </a:ln>
+                          <a:solidFill>
+                            <a:schemeClr val="bg1"/>
+                          </a:solidFill>
+                        </a:rPr>
+                        <a:t>16</a:t>
+                      </a:r>
+                    </a:p>
+                  </a:txBody>
+                  <a:tcPr anchor="ctr">
+                    <a:lnL w="12700" cap="flat" cmpd="sng" algn="ctr">
+                      <a:solidFill>
+                        <a:schemeClr val="tx1"/>
+                      </a:solidFill>
+                      <a:prstDash val="solid"/>
+                      <a:round/>
+                      <a:headEnd type="none" w="med" len="med"/>
+                      <a:tailEnd type="none" w="med" len="med"/>
+                    </a:lnL>
+                    <a:lnR w="12700" cap="flat" cmpd="sng" algn="ctr">
+                      <a:solidFill>
+                        <a:schemeClr val="tx1"/>
+                      </a:solidFill>
+                      <a:prstDash val="solid"/>
+                      <a:round/>
+                      <a:headEnd type="none" w="med" len="med"/>
+                      <a:tailEnd type="none" w="med" len="med"/>
+                    </a:lnR>
+                    <a:lnT w="12700" cap="flat" cmpd="sng" algn="ctr">
+                      <a:solidFill>
+                        <a:schemeClr val="tx1"/>
+                      </a:solidFill>
+                      <a:prstDash val="solid"/>
+                      <a:round/>
+                      <a:headEnd type="none" w="med" len="med"/>
+                      <a:tailEnd type="none" w="med" len="med"/>
+                    </a:lnT>
+                    <a:lnB w="12700" cap="flat" cmpd="sng" algn="ctr">
+                      <a:solidFill>
+                        <a:schemeClr val="tx1"/>
+                      </a:solidFill>
+                      <a:prstDash val="solid"/>
+                      <a:round/>
+                      <a:headEnd type="none" w="med" len="med"/>
+                      <a:tailEnd type="none" w="med" len="med"/>
+                    </a:lnB>
+                    <a:solidFill>
+                      <a:schemeClr val="accent1"/>
+                    </a:solidFill>
+                  </a:tcPr>
+                </a:tc>
+                <a:tc>
+                  <a:txBody>
+                    <a:bodyPr/>
+                    <a:lstStyle/>
+                    <a:p>
+                      <a:pPr algn="ctr"/>
+                      <a:r>
+                        <a:rPr lang="en-US" b="0" dirty="0">
+                          <a:ln>
+                            <a:solidFill>
+                              <a:schemeClr val="bg1"/>
+                            </a:solidFill>
+                          </a:ln>
+                          <a:solidFill>
+                            <a:schemeClr val="bg1"/>
+                          </a:solidFill>
+                        </a:rPr>
+                        <a:t>17</a:t>
+                      </a:r>
+                    </a:p>
+                  </a:txBody>
+                  <a:tcPr anchor="ctr">
+                    <a:lnL w="12700" cap="flat" cmpd="sng" algn="ctr">
+                      <a:solidFill>
+                        <a:schemeClr val="tx1"/>
+                      </a:solidFill>
+                      <a:prstDash val="solid"/>
+                      <a:round/>
+                      <a:headEnd type="none" w="med" len="med"/>
+                      <a:tailEnd type="none" w="med" len="med"/>
+                    </a:lnL>
+                    <a:lnR w="12700" cap="flat" cmpd="sng" algn="ctr">
+                      <a:solidFill>
+                        <a:schemeClr val="tx1"/>
+                      </a:solidFill>
+                      <a:prstDash val="solid"/>
+                      <a:round/>
+                      <a:headEnd type="none" w="med" len="med"/>
+                      <a:tailEnd type="none" w="med" len="med"/>
+                    </a:lnR>
+                    <a:lnT w="12700" cap="flat" cmpd="sng" algn="ctr">
+                      <a:solidFill>
+                        <a:schemeClr val="tx1"/>
+                      </a:solidFill>
+                      <a:prstDash val="solid"/>
+                      <a:round/>
+                      <a:headEnd type="none" w="med" len="med"/>
+                      <a:tailEnd type="none" w="med" len="med"/>
+                    </a:lnT>
+                    <a:lnB w="12700" cap="flat" cmpd="sng" algn="ctr">
+                      <a:solidFill>
+                        <a:schemeClr val="tx1"/>
+                      </a:solidFill>
+                      <a:prstDash val="solid"/>
+                      <a:round/>
+                      <a:headEnd type="none" w="med" len="med"/>
+                      <a:tailEnd type="none" w="med" len="med"/>
+                    </a:lnB>
+                    <a:solidFill>
+                      <a:schemeClr val="accent1"/>
+                    </a:solidFill>
+                  </a:tcPr>
+                </a:tc>
+                <a:tc>
+                  <a:txBody>
+                    <a:bodyPr/>
+                    <a:lstStyle/>
+                    <a:p>
+                      <a:pPr algn="ctr"/>
+                      <a:r>
+                        <a:rPr lang="en-US" b="0" dirty="0">
+                          <a:ln>
+                            <a:solidFill>
+                              <a:schemeClr val="bg1"/>
+                            </a:solidFill>
+                          </a:ln>
+                          <a:solidFill>
+                            <a:schemeClr val="bg1"/>
+                          </a:solidFill>
+                        </a:rPr>
+                        <a:t>18</a:t>
+                      </a:r>
+                    </a:p>
+                  </a:txBody>
+                  <a:tcPr anchor="ctr">
+                    <a:lnL w="12700" cap="flat" cmpd="sng" algn="ctr">
+                      <a:solidFill>
+                        <a:schemeClr val="tx1"/>
+                      </a:solidFill>
+                      <a:prstDash val="solid"/>
+                      <a:round/>
+                      <a:headEnd type="none" w="med" len="med"/>
+                      <a:tailEnd type="none" w="med" len="med"/>
+                    </a:lnL>
+                    <a:lnR w="12700" cap="flat" cmpd="sng" algn="ctr">
+                      <a:solidFill>
+                        <a:schemeClr val="tx1"/>
+                      </a:solidFill>
+                      <a:prstDash val="solid"/>
+                      <a:round/>
+                      <a:headEnd type="none" w="med" len="med"/>
+                      <a:tailEnd type="none" w="med" len="med"/>
+                    </a:lnR>
+                    <a:lnT w="12700" cap="flat" cmpd="sng" algn="ctr">
+                      <a:solidFill>
+                        <a:schemeClr val="tx1"/>
+                      </a:solidFill>
+                      <a:prstDash val="solid"/>
+                      <a:round/>
+                      <a:headEnd type="none" w="med" len="med"/>
+                      <a:tailEnd type="none" w="med" len="med"/>
+                    </a:lnT>
+                    <a:lnB w="12700" cap="flat" cmpd="sng" algn="ctr">
+                      <a:solidFill>
+                        <a:schemeClr val="tx1"/>
+                      </a:solidFill>
+                      <a:prstDash val="solid"/>
+                      <a:round/>
+                      <a:headEnd type="none" w="med" len="med"/>
+                      <a:tailEnd type="none" w="med" len="med"/>
+                    </a:lnB>
+                    <a:solidFill>
+                      <a:schemeClr val="accent1"/>
+                    </a:solidFill>
+                  </a:tcPr>
+                </a:tc>
+                <a:tc>
+                  <a:txBody>
+                    <a:bodyPr/>
+                    <a:lstStyle/>
+                    <a:p>
+                      <a:pPr algn="ctr"/>
+                      <a:r>
+                        <a:rPr lang="en-US" b="0" dirty="0">
+                          <a:ln>
+                            <a:solidFill>
+                              <a:schemeClr val="bg1"/>
+                            </a:solidFill>
+                          </a:ln>
+                          <a:solidFill>
+                            <a:schemeClr val="bg1"/>
+                          </a:solidFill>
+                        </a:rPr>
+                        <a:t>19</a:t>
+                      </a:r>
+                    </a:p>
+                  </a:txBody>
+                  <a:tcPr anchor="ctr">
+                    <a:lnL w="12700" cap="flat" cmpd="sng" algn="ctr">
+                      <a:solidFill>
+                        <a:schemeClr val="tx1"/>
+                      </a:solidFill>
+                      <a:prstDash val="solid"/>
+                      <a:round/>
+                      <a:headEnd type="none" w="med" len="med"/>
+                      <a:tailEnd type="none" w="med" len="med"/>
+                    </a:lnL>
+                    <a:lnR w="12700" cap="flat" cmpd="sng" algn="ctr">
+                      <a:solidFill>
+                        <a:schemeClr val="tx1"/>
+                      </a:solidFill>
+                      <a:prstDash val="solid"/>
+                      <a:round/>
+                      <a:headEnd type="none" w="med" len="med"/>
+                      <a:tailEnd type="none" w="med" len="med"/>
+                    </a:lnR>
+                    <a:lnT w="12700" cap="flat" cmpd="sng" algn="ctr">
+                      <a:solidFill>
+                        <a:schemeClr val="tx1"/>
+                      </a:solidFill>
+                      <a:prstDash val="solid"/>
+                      <a:round/>
+                      <a:headEnd type="none" w="med" len="med"/>
+                      <a:tailEnd type="none" w="med" len="med"/>
+                    </a:lnT>
+                    <a:lnB w="12700" cap="flat" cmpd="sng" algn="ctr">
+                      <a:solidFill>
+                        <a:schemeClr val="tx1"/>
+                      </a:solidFill>
+                      <a:prstDash val="solid"/>
+                      <a:round/>
+                      <a:headEnd type="none" w="med" len="med"/>
+                      <a:tailEnd type="none" w="med" len="med"/>
+                    </a:lnB>
+                    <a:solidFill>
+                      <a:schemeClr val="accent1"/>
+                    </a:solidFill>
+                  </a:tcPr>
+                </a:tc>
+                <a:tc>
+                  <a:txBody>
+                    <a:bodyPr/>
+                    <a:lstStyle/>
+                    <a:p>
+                      <a:pPr algn="ctr"/>
+                      <a:r>
+                        <a:rPr lang="en-US" b="0" dirty="0">
+                          <a:ln>
+                            <a:solidFill>
+                              <a:schemeClr val="bg1"/>
+                            </a:solidFill>
+                          </a:ln>
+                          <a:solidFill>
+                            <a:schemeClr val="bg1"/>
+                          </a:solidFill>
+                        </a:rPr>
+                        <a:t>20</a:t>
+                      </a:r>
+                    </a:p>
+                  </a:txBody>
+                  <a:tcPr anchor="ctr">
+                    <a:lnL w="12700" cap="flat" cmpd="sng" algn="ctr">
+                      <a:solidFill>
+                        <a:schemeClr val="tx1"/>
+                      </a:solidFill>
+                      <a:prstDash val="solid"/>
+                      <a:round/>
+                      <a:headEnd type="none" w="med" len="med"/>
+                      <a:tailEnd type="none" w="med" len="med"/>
+                    </a:lnL>
+                    <a:lnR w="12700" cap="flat" cmpd="sng" algn="ctr">
+                      <a:solidFill>
+                        <a:schemeClr val="tx1"/>
+                      </a:solidFill>
+                      <a:prstDash val="solid"/>
+                      <a:round/>
+                      <a:headEnd type="none" w="med" len="med"/>
+                      <a:tailEnd type="none" w="med" len="med"/>
+                    </a:lnR>
+                    <a:lnT w="12700" cap="flat" cmpd="sng" algn="ctr">
+                      <a:solidFill>
+                        <a:schemeClr val="tx1"/>
+                      </a:solidFill>
+                      <a:prstDash val="solid"/>
+                      <a:round/>
+                      <a:headEnd type="none" w="med" len="med"/>
+                      <a:tailEnd type="none" w="med" len="med"/>
+                    </a:lnT>
+                    <a:lnB w="12700" cap="flat" cmpd="sng" algn="ctr">
+                      <a:solidFill>
+                        <a:schemeClr val="tx1"/>
+                      </a:solidFill>
+                      <a:prstDash val="solid"/>
+                      <a:round/>
+                      <a:headEnd type="none" w="med" len="med"/>
+                      <a:tailEnd type="none" w="med" len="med"/>
+                    </a:lnB>
+                    <a:solidFill>
+                      <a:schemeClr val="accent6"/>
+                    </a:solidFill>
+                  </a:tcPr>
+                </a:tc>
+                <a:extLst>
+                  <a:ext uri="{0D108BD9-81ED-4DB2-BD59-A6C34878D82A}">
+                    <a16:rowId xmlns:a16="http://schemas.microsoft.com/office/drawing/2014/main" val="3308705629"/>
+                  </a:ext>
+                </a:extLst>
+              </a:tr>
+              <a:tr h="370841">
+                <a:tc>
+                  <a:txBody>
+                    <a:bodyPr/>
+                    <a:lstStyle/>
+                    <a:p>
+                      <a:pPr marL="0" marR="0" lvl="0" indent="0" algn="ctr" defTabSz="914400" rtl="0" eaLnBrk="1" fontAlgn="auto" latinLnBrk="0" hangingPunct="1">
+                        <a:lnSpc>
+                          <a:spcPct val="100000"/>
+                        </a:lnSpc>
+                        <a:spcBef>
+                          <a:spcPts val="0"/>
+                        </a:spcBef>
+                        <a:spcAft>
+                          <a:spcPts val="0"/>
+                        </a:spcAft>
+                        <a:buClrTx/>
+                        <a:buSzTx/>
+                        <a:buFontTx/>
+                        <a:buNone/>
+                        <a:tabLst/>
+                        <a:defRPr/>
+                      </a:pPr>
+                      <a:r>
+                        <a:rPr lang="en-US" sz="1200" b="0" dirty="0">
+                          <a:ln>
+                            <a:solidFill>
+                              <a:schemeClr val="tx1"/>
+                            </a:solidFill>
+                          </a:ln>
+                          <a:solidFill>
+                            <a:schemeClr val="tx1"/>
+                          </a:solidFill>
+                        </a:rPr>
+                        <a:t>[5/8, 2/8, 1/8]</a:t>
+                      </a:r>
+                    </a:p>
+                  </a:txBody>
+                  <a:tcPr anchor="ctr">
+                    <a:lnL w="12700" cap="flat" cmpd="sng" algn="ctr">
+                      <a:solidFill>
+                        <a:schemeClr val="tx1"/>
+                      </a:solidFill>
+                      <a:prstDash val="solid"/>
+                      <a:round/>
+                      <a:headEnd type="none" w="med" len="med"/>
+                      <a:tailEnd type="none" w="med" len="med"/>
+                    </a:lnL>
+                    <a:lnR w="12700" cap="flat" cmpd="sng" algn="ctr">
+                      <a:solidFill>
+                        <a:schemeClr val="tx1"/>
+                      </a:solidFill>
+                      <a:prstDash val="solid"/>
+                      <a:round/>
+                      <a:headEnd type="none" w="med" len="med"/>
+                      <a:tailEnd type="none" w="med" len="med"/>
+                    </a:lnR>
+                    <a:lnT w="12700" cap="flat" cmpd="sng" algn="ctr">
+                      <a:solidFill>
+                        <a:schemeClr val="tx1"/>
+                      </a:solidFill>
+                      <a:prstDash val="solid"/>
+                      <a:round/>
+                      <a:headEnd type="none" w="med" len="med"/>
+                      <a:tailEnd type="none" w="med" len="med"/>
+                    </a:lnT>
+                    <a:lnB w="12700" cap="flat" cmpd="sng" algn="ctr">
+                      <a:solidFill>
+                        <a:schemeClr val="tx1"/>
+                      </a:solidFill>
+                      <a:prstDash val="solid"/>
+                      <a:round/>
+                      <a:headEnd type="none" w="med" len="med"/>
+                      <a:tailEnd type="none" w="med" len="med"/>
+                    </a:lnB>
+                    <a:solidFill>
+                      <a:schemeClr val="bg1"/>
+                    </a:solidFill>
+                  </a:tcPr>
+                </a:tc>
+                <a:tc>
+                  <a:txBody>
+                    <a:bodyPr/>
+                    <a:lstStyle/>
+                    <a:p>
+                      <a:pPr algn="ctr"/>
+                      <a:r>
+                        <a:rPr lang="en-US" b="0" dirty="0">
+                          <a:ln>
+                            <a:solidFill>
+                              <a:schemeClr val="bg1"/>
+                            </a:solidFill>
+                          </a:ln>
+                          <a:solidFill>
+                            <a:schemeClr val="bg1"/>
+                          </a:solidFill>
+                        </a:rPr>
+                        <a:t>1</a:t>
+                      </a:r>
+                    </a:p>
+                  </a:txBody>
+                  <a:tcPr anchor="ctr">
+                    <a:lnL w="12700" cap="flat" cmpd="sng" algn="ctr">
+                      <a:solidFill>
+                        <a:schemeClr val="tx1"/>
+                      </a:solidFill>
+                      <a:prstDash val="solid"/>
+                      <a:round/>
+                      <a:headEnd type="none" w="med" len="med"/>
+                      <a:tailEnd type="none" w="med" len="med"/>
+                    </a:lnL>
+                    <a:lnR w="12700" cap="flat" cmpd="sng" algn="ctr">
+                      <a:solidFill>
+                        <a:schemeClr val="tx1"/>
+                      </a:solidFill>
+                      <a:prstDash val="solid"/>
+                      <a:round/>
+                      <a:headEnd type="none" w="med" len="med"/>
+                      <a:tailEnd type="none" w="med" len="med"/>
+                    </a:lnR>
+                    <a:lnT w="12700" cap="flat" cmpd="sng" algn="ctr">
+                      <a:solidFill>
+                        <a:schemeClr val="tx1"/>
+                      </a:solidFill>
+                      <a:prstDash val="solid"/>
+                      <a:round/>
+                      <a:headEnd type="none" w="med" len="med"/>
+                      <a:tailEnd type="none" w="med" len="med"/>
+                    </a:lnT>
+                    <a:lnB w="12700" cap="flat" cmpd="sng" algn="ctr">
+                      <a:solidFill>
+                        <a:schemeClr val="tx1"/>
+                      </a:solidFill>
+                      <a:prstDash val="solid"/>
+                      <a:round/>
+                      <a:headEnd type="none" w="med" len="med"/>
+                      <a:tailEnd type="none" w="med" len="med"/>
+                    </a:lnB>
+                    <a:solidFill>
+                      <a:schemeClr val="accent1"/>
+                    </a:solidFill>
+                  </a:tcPr>
+                </a:tc>
+                <a:tc>
+                  <a:txBody>
+                    <a:bodyPr/>
+                    <a:lstStyle/>
+                    <a:p>
+                      <a:pPr algn="ctr"/>
+                      <a:r>
+                        <a:rPr lang="en-US" b="0" dirty="0">
+                          <a:ln>
+                            <a:solidFill>
+                              <a:schemeClr val="bg1"/>
+                            </a:solidFill>
+                          </a:ln>
+                          <a:solidFill>
+                            <a:schemeClr val="bg1"/>
+                          </a:solidFill>
+                        </a:rPr>
+                        <a:t>2</a:t>
+                      </a:r>
+                    </a:p>
+                  </a:txBody>
+                  <a:tcPr anchor="ctr">
+                    <a:lnL w="12700" cap="flat" cmpd="sng" algn="ctr">
+                      <a:solidFill>
+                        <a:schemeClr val="tx1"/>
+                      </a:solidFill>
+                      <a:prstDash val="solid"/>
+                      <a:round/>
+                      <a:headEnd type="none" w="med" len="med"/>
+                      <a:tailEnd type="none" w="med" len="med"/>
+                    </a:lnL>
+                    <a:lnR w="12700" cap="flat" cmpd="sng" algn="ctr">
+                      <a:solidFill>
+                        <a:schemeClr val="tx1"/>
+                      </a:solidFill>
+                      <a:prstDash val="solid"/>
+                      <a:round/>
+                      <a:headEnd type="none" w="med" len="med"/>
+                      <a:tailEnd type="none" w="med" len="med"/>
+                    </a:lnR>
+                    <a:lnT w="12700" cap="flat" cmpd="sng" algn="ctr">
+                      <a:solidFill>
+                        <a:schemeClr val="tx1"/>
+                      </a:solidFill>
+                      <a:prstDash val="solid"/>
+                      <a:round/>
+                      <a:headEnd type="none" w="med" len="med"/>
+                      <a:tailEnd type="none" w="med" len="med"/>
+                    </a:lnT>
+                    <a:lnB w="12700" cap="flat" cmpd="sng" algn="ctr">
+                      <a:solidFill>
+                        <a:schemeClr val="tx1"/>
+                      </a:solidFill>
+                      <a:prstDash val="solid"/>
+                      <a:round/>
+                      <a:headEnd type="none" w="med" len="med"/>
+                      <a:tailEnd type="none" w="med" len="med"/>
+                    </a:lnB>
+                    <a:solidFill>
+                      <a:schemeClr val="accent1"/>
+                    </a:solidFill>
+                  </a:tcPr>
+                </a:tc>
+                <a:tc>
+                  <a:txBody>
+                    <a:bodyPr/>
+                    <a:lstStyle/>
+                    <a:p>
+                      <a:pPr algn="ctr"/>
+                      <a:r>
+                        <a:rPr lang="en-US" b="0" dirty="0">
+                          <a:ln>
+                            <a:solidFill>
+                              <a:schemeClr val="bg1"/>
+                            </a:solidFill>
+                          </a:ln>
+                          <a:solidFill>
+                            <a:schemeClr val="bg1"/>
+                          </a:solidFill>
+                        </a:rPr>
+                        <a:t>3</a:t>
+                      </a:r>
+                    </a:p>
+                  </a:txBody>
+                  <a:tcPr anchor="ctr">
+                    <a:lnL w="12700" cap="flat" cmpd="sng" algn="ctr">
+                      <a:solidFill>
+                        <a:schemeClr val="tx1"/>
+                      </a:solidFill>
+                      <a:prstDash val="solid"/>
+                      <a:round/>
+                      <a:headEnd type="none" w="med" len="med"/>
+                      <a:tailEnd type="none" w="med" len="med"/>
+                    </a:lnL>
+                    <a:lnR w="12700" cap="flat" cmpd="sng" algn="ctr">
+                      <a:solidFill>
+                        <a:schemeClr val="tx1"/>
+                      </a:solidFill>
+                      <a:prstDash val="solid"/>
+                      <a:round/>
+                      <a:headEnd type="none" w="med" len="med"/>
+                      <a:tailEnd type="none" w="med" len="med"/>
+                    </a:lnR>
+                    <a:lnT w="12700" cap="flat" cmpd="sng" algn="ctr">
+                      <a:solidFill>
+                        <a:schemeClr val="tx1"/>
+                      </a:solidFill>
+                      <a:prstDash val="solid"/>
+                      <a:round/>
+                      <a:headEnd type="none" w="med" len="med"/>
+                      <a:tailEnd type="none" w="med" len="med"/>
+                    </a:lnT>
+                    <a:lnB w="12700" cap="flat" cmpd="sng" algn="ctr">
+                      <a:solidFill>
+                        <a:schemeClr val="tx1"/>
+                      </a:solidFill>
+                      <a:prstDash val="solid"/>
+                      <a:round/>
+                      <a:headEnd type="none" w="med" len="med"/>
+                      <a:tailEnd type="none" w="med" len="med"/>
+                    </a:lnB>
+                    <a:solidFill>
+                      <a:schemeClr val="accent1"/>
+                    </a:solidFill>
+                  </a:tcPr>
+                </a:tc>
+                <a:tc>
+                  <a:txBody>
+                    <a:bodyPr/>
+                    <a:lstStyle/>
+                    <a:p>
+                      <a:pPr algn="ctr"/>
+                      <a:r>
+                        <a:rPr lang="en-US" b="0" dirty="0">
+                          <a:ln>
+                            <a:solidFill>
+                              <a:schemeClr val="bg1"/>
+                            </a:solidFill>
+                          </a:ln>
+                          <a:solidFill>
+                            <a:schemeClr val="bg1"/>
+                          </a:solidFill>
+                        </a:rPr>
+                        <a:t>4</a:t>
+                      </a:r>
+                    </a:p>
+                  </a:txBody>
+                  <a:tcPr anchor="ctr">
+                    <a:lnL w="12700" cap="flat" cmpd="sng" algn="ctr">
+                      <a:solidFill>
+                        <a:schemeClr val="tx1"/>
+                      </a:solidFill>
+                      <a:prstDash val="solid"/>
+                      <a:round/>
+                      <a:headEnd type="none" w="med" len="med"/>
+                      <a:tailEnd type="none" w="med" len="med"/>
+                    </a:lnL>
+                    <a:lnR w="12700" cap="flat" cmpd="sng" algn="ctr">
+                      <a:solidFill>
+                        <a:schemeClr val="tx1"/>
+                      </a:solidFill>
+                      <a:prstDash val="solid"/>
+                      <a:round/>
+                      <a:headEnd type="none" w="med" len="med"/>
+                      <a:tailEnd type="none" w="med" len="med"/>
+                    </a:lnR>
+                    <a:lnT w="12700" cap="flat" cmpd="sng" algn="ctr">
+                      <a:solidFill>
+                        <a:schemeClr val="tx1"/>
+                      </a:solidFill>
+                      <a:prstDash val="solid"/>
+                      <a:round/>
+                      <a:headEnd type="none" w="med" len="med"/>
+                      <a:tailEnd type="none" w="med" len="med"/>
+                    </a:lnT>
+                    <a:lnB w="12700" cap="flat" cmpd="sng" algn="ctr">
+                      <a:solidFill>
+                        <a:schemeClr val="tx1"/>
+                      </a:solidFill>
+                      <a:prstDash val="solid"/>
+                      <a:round/>
+                      <a:headEnd type="none" w="med" len="med"/>
+                      <a:tailEnd type="none" w="med" len="med"/>
+                    </a:lnB>
+                    <a:solidFill>
+                      <a:schemeClr val="accent1"/>
+                    </a:solidFill>
+                  </a:tcPr>
+                </a:tc>
+                <a:tc>
+                  <a:txBody>
+                    <a:bodyPr/>
+                    <a:lstStyle/>
+                    <a:p>
+                      <a:pPr algn="ctr"/>
+                      <a:r>
+                        <a:rPr lang="en-US" b="0" dirty="0">
+                          <a:ln>
+                            <a:solidFill>
+                              <a:schemeClr val="bg1"/>
+                            </a:solidFill>
+                          </a:ln>
+                          <a:solidFill>
+                            <a:schemeClr val="bg1"/>
+                          </a:solidFill>
+                        </a:rPr>
+                        <a:t>5</a:t>
+                      </a:r>
+                    </a:p>
+                  </a:txBody>
+                  <a:tcPr anchor="ctr">
+                    <a:lnL w="12700" cap="flat" cmpd="sng" algn="ctr">
+                      <a:solidFill>
+                        <a:schemeClr val="tx1"/>
+                      </a:solidFill>
+                      <a:prstDash val="solid"/>
+                      <a:round/>
+                      <a:headEnd type="none" w="med" len="med"/>
+                      <a:tailEnd type="none" w="med" len="med"/>
+                    </a:lnL>
+                    <a:lnR w="12700" cap="flat" cmpd="sng" algn="ctr">
+                      <a:solidFill>
+                        <a:schemeClr val="tx1"/>
+                      </a:solidFill>
+                      <a:prstDash val="solid"/>
+                      <a:round/>
+                      <a:headEnd type="none" w="med" len="med"/>
+                      <a:tailEnd type="none" w="med" len="med"/>
+                    </a:lnR>
+                    <a:lnT w="12700" cap="flat" cmpd="sng" algn="ctr">
+                      <a:solidFill>
+                        <a:schemeClr val="tx1"/>
+                      </a:solidFill>
+                      <a:prstDash val="solid"/>
+                      <a:round/>
+                      <a:headEnd type="none" w="med" len="med"/>
+                      <a:tailEnd type="none" w="med" len="med"/>
+                    </a:lnT>
+                    <a:lnB w="12700" cap="flat" cmpd="sng" algn="ctr">
+                      <a:solidFill>
+                        <a:schemeClr val="tx1"/>
+                      </a:solidFill>
+                      <a:prstDash val="solid"/>
+                      <a:round/>
+                      <a:headEnd type="none" w="med" len="med"/>
+                      <a:tailEnd type="none" w="med" len="med"/>
+                    </a:lnB>
+                    <a:solidFill>
+                      <a:schemeClr val="accent6"/>
+                    </a:solidFill>
+                  </a:tcPr>
+                </a:tc>
+                <a:tc>
+                  <a:txBody>
+                    <a:bodyPr/>
+                    <a:lstStyle/>
+                    <a:p>
+                      <a:pPr algn="ctr"/>
+                      <a:r>
+                        <a:rPr lang="en-US" b="0" dirty="0">
+                          <a:ln>
+                            <a:solidFill>
+                              <a:schemeClr val="bg1"/>
+                            </a:solidFill>
+                          </a:ln>
+                          <a:solidFill>
+                            <a:schemeClr val="bg1"/>
+                          </a:solidFill>
+                        </a:rPr>
+                        <a:t>6</a:t>
+                      </a:r>
+                    </a:p>
+                  </a:txBody>
+                  <a:tcPr anchor="ctr">
+                    <a:lnL w="12700" cap="flat" cmpd="sng" algn="ctr">
+                      <a:solidFill>
+                        <a:schemeClr val="tx1"/>
+                      </a:solidFill>
+                      <a:prstDash val="solid"/>
+                      <a:round/>
+                      <a:headEnd type="none" w="med" len="med"/>
+                      <a:tailEnd type="none" w="med" len="med"/>
+                    </a:lnL>
+                    <a:lnR w="12700" cap="flat" cmpd="sng" algn="ctr">
+                      <a:solidFill>
+                        <a:schemeClr val="tx1"/>
+                      </a:solidFill>
+                      <a:prstDash val="solid"/>
+                      <a:round/>
+                      <a:headEnd type="none" w="med" len="med"/>
+                      <a:tailEnd type="none" w="med" len="med"/>
+                    </a:lnR>
+                    <a:lnT w="12700" cap="flat" cmpd="sng" algn="ctr">
+                      <a:solidFill>
+                        <a:schemeClr val="tx1"/>
+                      </a:solidFill>
+                      <a:prstDash val="solid"/>
+                      <a:round/>
+                      <a:headEnd type="none" w="med" len="med"/>
+                      <a:tailEnd type="none" w="med" len="med"/>
+                    </a:lnT>
+                    <a:lnB w="12700" cap="flat" cmpd="sng" algn="ctr">
+                      <a:solidFill>
+                        <a:schemeClr val="tx1"/>
+                      </a:solidFill>
+                      <a:prstDash val="solid"/>
+                      <a:round/>
+                      <a:headEnd type="none" w="med" len="med"/>
+                      <a:tailEnd type="none" w="med" len="med"/>
+                    </a:lnB>
+                    <a:solidFill>
+                      <a:schemeClr val="accent6"/>
+                    </a:solidFill>
+                  </a:tcPr>
+                </a:tc>
+                <a:tc>
+                  <a:txBody>
+                    <a:bodyPr/>
+                    <a:lstStyle/>
+                    <a:p>
+                      <a:pPr algn="ctr"/>
+                      <a:r>
+                        <a:rPr lang="en-US" b="0" dirty="0">
+                          <a:ln>
+                            <a:solidFill>
+                              <a:schemeClr val="bg1"/>
+                            </a:solidFill>
+                          </a:ln>
+                          <a:solidFill>
+                            <a:schemeClr val="bg1"/>
+                          </a:solidFill>
+                        </a:rPr>
+                        <a:t>7</a:t>
+                      </a:r>
+                    </a:p>
+                  </a:txBody>
+                  <a:tcPr anchor="ctr">
+                    <a:lnL w="12700" cap="flat" cmpd="sng" algn="ctr">
+                      <a:solidFill>
+                        <a:schemeClr val="tx1"/>
+                      </a:solidFill>
+                      <a:prstDash val="solid"/>
+                      <a:round/>
+                      <a:headEnd type="none" w="med" len="med"/>
+                      <a:tailEnd type="none" w="med" len="med"/>
+                    </a:lnL>
+                    <a:lnR w="12700" cap="flat" cmpd="sng" algn="ctr">
+                      <a:solidFill>
+                        <a:schemeClr val="tx1"/>
+                      </a:solidFill>
+                      <a:prstDash val="solid"/>
+                      <a:round/>
+                      <a:headEnd type="none" w="med" len="med"/>
+                      <a:tailEnd type="none" w="med" len="med"/>
+                    </a:lnR>
+                    <a:lnT w="12700" cap="flat" cmpd="sng" algn="ctr">
+                      <a:solidFill>
+                        <a:schemeClr val="tx1"/>
+                      </a:solidFill>
+                      <a:prstDash val="solid"/>
+                      <a:round/>
+                      <a:headEnd type="none" w="med" len="med"/>
+                      <a:tailEnd type="none" w="med" len="med"/>
+                    </a:lnT>
+                    <a:lnB w="12700" cap="flat" cmpd="sng" algn="ctr">
+                      <a:solidFill>
+                        <a:schemeClr val="tx1"/>
+                      </a:solidFill>
+                      <a:prstDash val="solid"/>
+                      <a:round/>
+                      <a:headEnd type="none" w="med" len="med"/>
+                      <a:tailEnd type="none" w="med" len="med"/>
+                    </a:lnB>
+                    <a:solidFill>
+                      <a:srgbClr val="C00000"/>
+                    </a:solidFill>
+                  </a:tcPr>
+                </a:tc>
+                <a:tc>
+                  <a:txBody>
+                    <a:bodyPr/>
+                    <a:lstStyle/>
+                    <a:p>
+                      <a:pPr algn="ctr"/>
+                      <a:r>
+                        <a:rPr lang="en-US" b="0" dirty="0">
+                          <a:ln>
+                            <a:solidFill>
+                              <a:schemeClr val="bg1"/>
+                            </a:solidFill>
+                          </a:ln>
+                          <a:solidFill>
+                            <a:schemeClr val="bg1"/>
+                          </a:solidFill>
+                        </a:rPr>
+                        <a:t>8</a:t>
+                      </a:r>
+                    </a:p>
+                  </a:txBody>
+                  <a:tcPr anchor="ctr">
+                    <a:lnL w="12700" cap="flat" cmpd="sng" algn="ctr">
+                      <a:solidFill>
+                        <a:schemeClr val="tx1"/>
+                      </a:solidFill>
+                      <a:prstDash val="solid"/>
+                      <a:round/>
+                      <a:headEnd type="none" w="med" len="med"/>
+                      <a:tailEnd type="none" w="med" len="med"/>
+                    </a:lnL>
+                    <a:lnR w="12700" cap="flat" cmpd="sng" algn="ctr">
+                      <a:solidFill>
+                        <a:schemeClr val="tx1"/>
+                      </a:solidFill>
+                      <a:prstDash val="solid"/>
+                      <a:round/>
+                      <a:headEnd type="none" w="med" len="med"/>
+                      <a:tailEnd type="none" w="med" len="med"/>
+                    </a:lnR>
+                    <a:lnT w="12700" cap="flat" cmpd="sng" algn="ctr">
+                      <a:solidFill>
+                        <a:schemeClr val="tx1"/>
+                      </a:solidFill>
+                      <a:prstDash val="solid"/>
+                      <a:round/>
+                      <a:headEnd type="none" w="med" len="med"/>
+                      <a:tailEnd type="none" w="med" len="med"/>
+                    </a:lnT>
+                    <a:lnB w="12700" cap="flat" cmpd="sng" algn="ctr">
+                      <a:solidFill>
+                        <a:schemeClr val="tx1"/>
+                      </a:solidFill>
+                      <a:prstDash val="solid"/>
+                      <a:round/>
+                      <a:headEnd type="none" w="med" len="med"/>
+                      <a:tailEnd type="none" w="med" len="med"/>
+                    </a:lnB>
+                    <a:solidFill>
+                      <a:schemeClr val="accent1"/>
+                    </a:solidFill>
+                  </a:tcPr>
+                </a:tc>
+                <a:tc>
+                  <a:txBody>
+                    <a:bodyPr/>
+                    <a:lstStyle/>
+                    <a:p>
+                      <a:pPr algn="ctr"/>
+                      <a:r>
+                        <a:rPr lang="en-US" b="0" dirty="0">
+                          <a:ln>
+                            <a:solidFill>
+                              <a:schemeClr val="bg1"/>
+                            </a:solidFill>
+                          </a:ln>
+                          <a:solidFill>
+                            <a:schemeClr val="bg1"/>
+                          </a:solidFill>
+                        </a:rPr>
+                        <a:t>9</a:t>
+                      </a:r>
+                    </a:p>
+                  </a:txBody>
+                  <a:tcPr anchor="ctr">
+                    <a:lnL w="12700" cap="flat" cmpd="sng" algn="ctr">
+                      <a:solidFill>
+                        <a:schemeClr val="tx1"/>
+                      </a:solidFill>
+                      <a:prstDash val="solid"/>
+                      <a:round/>
+                      <a:headEnd type="none" w="med" len="med"/>
+                      <a:tailEnd type="none" w="med" len="med"/>
+                    </a:lnL>
+                    <a:lnR w="12700" cap="flat" cmpd="sng" algn="ctr">
+                      <a:solidFill>
+                        <a:schemeClr val="tx1"/>
+                      </a:solidFill>
+                      <a:prstDash val="solid"/>
+                      <a:round/>
+                      <a:headEnd type="none" w="med" len="med"/>
+                      <a:tailEnd type="none" w="med" len="med"/>
+                    </a:lnR>
+                    <a:lnT w="12700" cap="flat" cmpd="sng" algn="ctr">
+                      <a:solidFill>
+                        <a:schemeClr val="tx1"/>
+                      </a:solidFill>
+                      <a:prstDash val="solid"/>
+                      <a:round/>
+                      <a:headEnd type="none" w="med" len="med"/>
+                      <a:tailEnd type="none" w="med" len="med"/>
+                    </a:lnT>
+                    <a:lnB w="12700" cap="flat" cmpd="sng" algn="ctr">
+                      <a:solidFill>
+                        <a:schemeClr val="tx1"/>
+                      </a:solidFill>
+                      <a:prstDash val="solid"/>
+                      <a:round/>
+                      <a:headEnd type="none" w="med" len="med"/>
+                      <a:tailEnd type="none" w="med" len="med"/>
+                    </a:lnB>
+                    <a:solidFill>
+                      <a:schemeClr val="accent1"/>
+                    </a:solidFill>
+                  </a:tcPr>
+                </a:tc>
+                <a:tc>
+                  <a:txBody>
+                    <a:bodyPr/>
+                    <a:lstStyle/>
+                    <a:p>
+                      <a:pPr algn="ctr"/>
+                      <a:r>
+                        <a:rPr lang="en-US" b="0" dirty="0">
+                          <a:ln>
+                            <a:solidFill>
+                              <a:schemeClr val="bg1"/>
+                            </a:solidFill>
+                          </a:ln>
+                          <a:solidFill>
+                            <a:schemeClr val="bg1"/>
+                          </a:solidFill>
+                        </a:rPr>
+                        <a:t>10</a:t>
+                      </a:r>
+                    </a:p>
+                  </a:txBody>
+                  <a:tcPr anchor="ctr">
+                    <a:lnL w="12700" cap="flat" cmpd="sng" algn="ctr">
+                      <a:solidFill>
+                        <a:schemeClr val="tx1"/>
+                      </a:solidFill>
+                      <a:prstDash val="solid"/>
+                      <a:round/>
+                      <a:headEnd type="none" w="med" len="med"/>
+                      <a:tailEnd type="none" w="med" len="med"/>
+                    </a:lnL>
+                    <a:lnR w="12700" cap="flat" cmpd="sng" algn="ctr">
+                      <a:solidFill>
+                        <a:schemeClr val="tx1"/>
+                      </a:solidFill>
+                      <a:prstDash val="solid"/>
+                      <a:round/>
+                      <a:headEnd type="none" w="med" len="med"/>
+                      <a:tailEnd type="none" w="med" len="med"/>
+                    </a:lnR>
+                    <a:lnT w="12700" cap="flat" cmpd="sng" algn="ctr">
+                      <a:solidFill>
+                        <a:schemeClr val="tx1"/>
+                      </a:solidFill>
+                      <a:prstDash val="solid"/>
+                      <a:round/>
+                      <a:headEnd type="none" w="med" len="med"/>
+                      <a:tailEnd type="none" w="med" len="med"/>
+                    </a:lnT>
+                    <a:lnB w="12700" cap="flat" cmpd="sng" algn="ctr">
+                      <a:solidFill>
+                        <a:schemeClr val="tx1"/>
+                      </a:solidFill>
+                      <a:prstDash val="solid"/>
+                      <a:round/>
+                      <a:headEnd type="none" w="med" len="med"/>
+                      <a:tailEnd type="none" w="med" len="med"/>
+                    </a:lnB>
+                    <a:solidFill>
+                      <a:schemeClr val="accent1"/>
+                    </a:solidFill>
+                  </a:tcPr>
+                </a:tc>
+                <a:tc>
+                  <a:txBody>
+                    <a:bodyPr/>
+                    <a:lstStyle/>
+                    <a:p>
+                      <a:pPr algn="ctr"/>
+                      <a:r>
+                        <a:rPr lang="en-US" b="0" dirty="0">
+                          <a:ln>
+                            <a:solidFill>
+                              <a:schemeClr val="bg1"/>
+                            </a:solidFill>
+                          </a:ln>
+                          <a:solidFill>
+                            <a:schemeClr val="bg1"/>
+                          </a:solidFill>
+                        </a:rPr>
+                        <a:t>11</a:t>
+                      </a:r>
+                    </a:p>
+                  </a:txBody>
+                  <a:tcPr anchor="ctr">
+                    <a:lnL w="12700" cap="flat" cmpd="sng" algn="ctr">
+                      <a:solidFill>
+                        <a:schemeClr val="tx1"/>
+                      </a:solidFill>
+                      <a:prstDash val="solid"/>
+                      <a:round/>
+                      <a:headEnd type="none" w="med" len="med"/>
+                      <a:tailEnd type="none" w="med" len="med"/>
+                    </a:lnL>
+                    <a:lnR w="12700" cap="flat" cmpd="sng" algn="ctr">
+                      <a:solidFill>
+                        <a:schemeClr val="tx1"/>
+                      </a:solidFill>
+                      <a:prstDash val="solid"/>
+                      <a:round/>
+                      <a:headEnd type="none" w="med" len="med"/>
+                      <a:tailEnd type="none" w="med" len="med"/>
+                    </a:lnR>
+                    <a:lnT w="12700" cap="flat" cmpd="sng" algn="ctr">
+                      <a:solidFill>
+                        <a:schemeClr val="tx1"/>
+                      </a:solidFill>
+                      <a:prstDash val="solid"/>
+                      <a:round/>
+                      <a:headEnd type="none" w="med" len="med"/>
+                      <a:tailEnd type="none" w="med" len="med"/>
+                    </a:lnT>
+                    <a:lnB w="12700" cap="flat" cmpd="sng" algn="ctr">
+                      <a:solidFill>
+                        <a:schemeClr val="tx1"/>
+                      </a:solidFill>
+                      <a:prstDash val="solid"/>
+                      <a:round/>
+                      <a:headEnd type="none" w="med" len="med"/>
+                      <a:tailEnd type="none" w="med" len="med"/>
+                    </a:lnB>
+                    <a:solidFill>
+                      <a:schemeClr val="accent1"/>
+                    </a:solidFill>
+                  </a:tcPr>
+                </a:tc>
+                <a:tc>
+                  <a:txBody>
+                    <a:bodyPr/>
+                    <a:lstStyle/>
+                    <a:p>
+                      <a:pPr algn="ctr"/>
+                      <a:r>
+                        <a:rPr lang="en-US" b="0" dirty="0">
+                          <a:ln>
+                            <a:solidFill>
+                              <a:schemeClr val="bg1"/>
+                            </a:solidFill>
+                          </a:ln>
+                          <a:solidFill>
+                            <a:schemeClr val="bg1"/>
+                          </a:solidFill>
+                        </a:rPr>
+                        <a:t>12</a:t>
+                      </a:r>
+                    </a:p>
+                  </a:txBody>
+                  <a:tcPr anchor="ctr">
+                    <a:lnL w="12700" cap="flat" cmpd="sng" algn="ctr">
+                      <a:solidFill>
+                        <a:schemeClr val="tx1"/>
+                      </a:solidFill>
+                      <a:prstDash val="solid"/>
+                      <a:round/>
+                      <a:headEnd type="none" w="med" len="med"/>
+                      <a:tailEnd type="none" w="med" len="med"/>
+                    </a:lnL>
+                    <a:lnR w="12700" cap="flat" cmpd="sng" algn="ctr">
+                      <a:solidFill>
+                        <a:schemeClr val="tx1"/>
+                      </a:solidFill>
+                      <a:prstDash val="solid"/>
+                      <a:round/>
+                      <a:headEnd type="none" w="med" len="med"/>
+                      <a:tailEnd type="none" w="med" len="med"/>
+                    </a:lnR>
+                    <a:lnT w="12700" cap="flat" cmpd="sng" algn="ctr">
+                      <a:solidFill>
+                        <a:schemeClr val="tx1"/>
+                      </a:solidFill>
+                      <a:prstDash val="solid"/>
+                      <a:round/>
+                      <a:headEnd type="none" w="med" len="med"/>
+                      <a:tailEnd type="none" w="med" len="med"/>
+                    </a:lnT>
+                    <a:lnB w="12700" cap="flat" cmpd="sng" algn="ctr">
+                      <a:solidFill>
+                        <a:schemeClr val="tx1"/>
+                      </a:solidFill>
+                      <a:prstDash val="solid"/>
+                      <a:round/>
+                      <a:headEnd type="none" w="med" len="med"/>
+                      <a:tailEnd type="none" w="med" len="med"/>
+                    </a:lnB>
+                    <a:solidFill>
+                      <a:schemeClr val="accent1"/>
+                    </a:solidFill>
+                  </a:tcPr>
+                </a:tc>
+                <a:tc>
+                  <a:txBody>
+                    <a:bodyPr/>
+                    <a:lstStyle/>
+                    <a:p>
+                      <a:pPr algn="ctr"/>
+                      <a:r>
+                        <a:rPr lang="en-US" b="0" dirty="0">
+                          <a:ln>
+                            <a:solidFill>
+                              <a:schemeClr val="bg1"/>
+                            </a:solidFill>
+                          </a:ln>
+                          <a:solidFill>
+                            <a:schemeClr val="bg1"/>
+                          </a:solidFill>
+                        </a:rPr>
+                        <a:t>13</a:t>
+                      </a:r>
+                    </a:p>
+                  </a:txBody>
+                  <a:tcPr anchor="ctr">
+                    <a:lnL w="12700" cap="flat" cmpd="sng" algn="ctr">
+                      <a:solidFill>
+                        <a:schemeClr val="tx1"/>
+                      </a:solidFill>
+                      <a:prstDash val="solid"/>
+                      <a:round/>
+                      <a:headEnd type="none" w="med" len="med"/>
+                      <a:tailEnd type="none" w="med" len="med"/>
+                    </a:lnL>
+                    <a:lnR w="12700" cap="flat" cmpd="sng" algn="ctr">
+                      <a:solidFill>
+                        <a:schemeClr val="tx1"/>
+                      </a:solidFill>
+                      <a:prstDash val="solid"/>
+                      <a:round/>
+                      <a:headEnd type="none" w="med" len="med"/>
+                      <a:tailEnd type="none" w="med" len="med"/>
+                    </a:lnR>
+                    <a:lnT w="12700" cap="flat" cmpd="sng" algn="ctr">
+                      <a:solidFill>
+                        <a:schemeClr val="tx1"/>
+                      </a:solidFill>
+                      <a:prstDash val="solid"/>
+                      <a:round/>
+                      <a:headEnd type="none" w="med" len="med"/>
+                      <a:tailEnd type="none" w="med" len="med"/>
+                    </a:lnT>
+                    <a:lnB w="12700" cap="flat" cmpd="sng" algn="ctr">
+                      <a:solidFill>
+                        <a:schemeClr val="tx1"/>
+                      </a:solidFill>
+                      <a:prstDash val="solid"/>
+                      <a:round/>
+                      <a:headEnd type="none" w="med" len="med"/>
+                      <a:tailEnd type="none" w="med" len="med"/>
+                    </a:lnB>
+                    <a:solidFill>
+                      <a:schemeClr val="accent6"/>
+                    </a:solidFill>
+                  </a:tcPr>
+                </a:tc>
+                <a:tc>
+                  <a:txBody>
+                    <a:bodyPr/>
+                    <a:lstStyle/>
+                    <a:p>
+                      <a:pPr algn="ctr"/>
+                      <a:r>
+                        <a:rPr lang="en-US" b="0" dirty="0">
+                          <a:ln>
+                            <a:solidFill>
+                              <a:schemeClr val="bg1"/>
+                            </a:solidFill>
+                          </a:ln>
+                          <a:solidFill>
+                            <a:schemeClr val="bg1"/>
+                          </a:solidFill>
+                        </a:rPr>
+                        <a:t>14</a:t>
+                      </a:r>
+                    </a:p>
+                  </a:txBody>
+                  <a:tcPr anchor="ctr">
+                    <a:lnL w="12700" cap="flat" cmpd="sng" algn="ctr">
+                      <a:solidFill>
+                        <a:schemeClr val="tx1"/>
+                      </a:solidFill>
+                      <a:prstDash val="solid"/>
+                      <a:round/>
+                      <a:headEnd type="none" w="med" len="med"/>
+                      <a:tailEnd type="none" w="med" len="med"/>
+                    </a:lnL>
+                    <a:lnR w="12700" cap="flat" cmpd="sng" algn="ctr">
+                      <a:solidFill>
+                        <a:schemeClr val="tx1"/>
+                      </a:solidFill>
+                      <a:prstDash val="solid"/>
+                      <a:round/>
+                      <a:headEnd type="none" w="med" len="med"/>
+                      <a:tailEnd type="none" w="med" len="med"/>
+                    </a:lnR>
+                    <a:lnT w="12700" cap="flat" cmpd="sng" algn="ctr">
+                      <a:solidFill>
+                        <a:schemeClr val="tx1"/>
+                      </a:solidFill>
+                      <a:prstDash val="solid"/>
+                      <a:round/>
+                      <a:headEnd type="none" w="med" len="med"/>
+                      <a:tailEnd type="none" w="med" len="med"/>
+                    </a:lnT>
+                    <a:lnB w="12700" cap="flat" cmpd="sng" algn="ctr">
+                      <a:solidFill>
+                        <a:schemeClr val="tx1"/>
+                      </a:solidFill>
+                      <a:prstDash val="solid"/>
+                      <a:round/>
+                      <a:headEnd type="none" w="med" len="med"/>
+                      <a:tailEnd type="none" w="med" len="med"/>
+                    </a:lnB>
+                    <a:solidFill>
+                      <a:schemeClr val="accent6"/>
+                    </a:solidFill>
+                  </a:tcPr>
+                </a:tc>
+                <a:tc>
+                  <a:txBody>
+                    <a:bodyPr/>
+                    <a:lstStyle/>
+                    <a:p>
+                      <a:pPr algn="ctr"/>
+                      <a:r>
+                        <a:rPr lang="en-US" b="0" dirty="0">
+                          <a:ln>
+                            <a:solidFill>
+                              <a:schemeClr val="bg1"/>
+                            </a:solidFill>
+                          </a:ln>
+                          <a:solidFill>
+                            <a:schemeClr val="bg1"/>
+                          </a:solidFill>
+                        </a:rPr>
+                        <a:t>15</a:t>
+                      </a:r>
+                    </a:p>
+                  </a:txBody>
+                  <a:tcPr anchor="ctr">
+                    <a:lnL w="12700" cap="flat" cmpd="sng" algn="ctr">
+                      <a:solidFill>
+                        <a:schemeClr val="tx1"/>
+                      </a:solidFill>
+                      <a:prstDash val="solid"/>
+                      <a:round/>
+                      <a:headEnd type="none" w="med" len="med"/>
+                      <a:tailEnd type="none" w="med" len="med"/>
+                    </a:lnL>
+                    <a:lnR w="12700" cap="flat" cmpd="sng" algn="ctr">
+                      <a:solidFill>
+                        <a:schemeClr val="tx1"/>
+                      </a:solidFill>
+                      <a:prstDash val="solid"/>
+                      <a:round/>
+                      <a:headEnd type="none" w="med" len="med"/>
+                      <a:tailEnd type="none" w="med" len="med"/>
+                    </a:lnR>
+                    <a:lnT w="12700" cap="flat" cmpd="sng" algn="ctr">
+                      <a:solidFill>
+                        <a:schemeClr val="tx1"/>
+                      </a:solidFill>
+                      <a:prstDash val="solid"/>
+                      <a:round/>
+                      <a:headEnd type="none" w="med" len="med"/>
+                      <a:tailEnd type="none" w="med" len="med"/>
+                    </a:lnT>
+                    <a:lnB w="12700" cap="flat" cmpd="sng" algn="ctr">
+                      <a:solidFill>
+                        <a:schemeClr val="tx1"/>
+                      </a:solidFill>
+                      <a:prstDash val="solid"/>
+                      <a:round/>
+                      <a:headEnd type="none" w="med" len="med"/>
+                      <a:tailEnd type="none" w="med" len="med"/>
+                    </a:lnB>
+                    <a:solidFill>
+                      <a:srgbClr val="C00000"/>
+                    </a:solidFill>
+                  </a:tcPr>
+                </a:tc>
+                <a:tc>
+                  <a:txBody>
+                    <a:bodyPr/>
+                    <a:lstStyle/>
+                    <a:p>
+                      <a:pPr algn="ctr"/>
+                      <a:r>
+                        <a:rPr lang="en-US" b="0" dirty="0">
+                          <a:ln>
+                            <a:solidFill>
+                              <a:schemeClr val="bg1"/>
+                            </a:solidFill>
+                          </a:ln>
+                          <a:solidFill>
+                            <a:schemeClr val="bg1"/>
+                          </a:solidFill>
+                        </a:rPr>
+                        <a:t>16</a:t>
+                      </a:r>
+                    </a:p>
+                  </a:txBody>
+                  <a:tcPr anchor="ctr">
+                    <a:lnL w="12700" cap="flat" cmpd="sng" algn="ctr">
+                      <a:solidFill>
+                        <a:schemeClr val="tx1"/>
+                      </a:solidFill>
+                      <a:prstDash val="solid"/>
+                      <a:round/>
+                      <a:headEnd type="none" w="med" len="med"/>
+                      <a:tailEnd type="none" w="med" len="med"/>
+                    </a:lnL>
+                    <a:lnR w="12700" cap="flat" cmpd="sng" algn="ctr">
+                      <a:solidFill>
+                        <a:schemeClr val="tx1"/>
+                      </a:solidFill>
+                      <a:prstDash val="solid"/>
+                      <a:round/>
+                      <a:headEnd type="none" w="med" len="med"/>
+                      <a:tailEnd type="none" w="med" len="med"/>
+                    </a:lnR>
+                    <a:lnT w="12700" cap="flat" cmpd="sng" algn="ctr">
+                      <a:solidFill>
+                        <a:schemeClr val="tx1"/>
+                      </a:solidFill>
+                      <a:prstDash val="solid"/>
+                      <a:round/>
+                      <a:headEnd type="none" w="med" len="med"/>
+                      <a:tailEnd type="none" w="med" len="med"/>
+                    </a:lnT>
+                    <a:lnB w="12700" cap="flat" cmpd="sng" algn="ctr">
+                      <a:solidFill>
+                        <a:schemeClr val="tx1"/>
+                      </a:solidFill>
+                      <a:prstDash val="solid"/>
+                      <a:round/>
+                      <a:headEnd type="none" w="med" len="med"/>
+                      <a:tailEnd type="none" w="med" len="med"/>
+                    </a:lnB>
+                    <a:solidFill>
+                      <a:schemeClr val="accent1"/>
+                    </a:solidFill>
+                  </a:tcPr>
+                </a:tc>
+                <a:tc>
+                  <a:txBody>
+                    <a:bodyPr/>
+                    <a:lstStyle/>
+                    <a:p>
+                      <a:pPr algn="ctr"/>
+                      <a:r>
+                        <a:rPr lang="en-US" b="0" dirty="0">
+                          <a:ln>
+                            <a:solidFill>
+                              <a:schemeClr val="bg1"/>
+                            </a:solidFill>
+                          </a:ln>
+                          <a:solidFill>
+                            <a:schemeClr val="bg1"/>
+                          </a:solidFill>
+                        </a:rPr>
+                        <a:t>17</a:t>
+                      </a:r>
+                    </a:p>
+                  </a:txBody>
+                  <a:tcPr anchor="ctr">
+                    <a:lnL w="12700" cap="flat" cmpd="sng" algn="ctr">
+                      <a:solidFill>
+                        <a:schemeClr val="tx1"/>
+                      </a:solidFill>
+                      <a:prstDash val="solid"/>
+                      <a:round/>
+                      <a:headEnd type="none" w="med" len="med"/>
+                      <a:tailEnd type="none" w="med" len="med"/>
+                    </a:lnL>
+                    <a:lnR w="12700" cap="flat" cmpd="sng" algn="ctr">
+                      <a:solidFill>
+                        <a:schemeClr val="tx1"/>
+                      </a:solidFill>
+                      <a:prstDash val="solid"/>
+                      <a:round/>
+                      <a:headEnd type="none" w="med" len="med"/>
+                      <a:tailEnd type="none" w="med" len="med"/>
+                    </a:lnR>
+                    <a:lnT w="12700" cap="flat" cmpd="sng" algn="ctr">
+                      <a:solidFill>
+                        <a:schemeClr val="tx1"/>
+                      </a:solidFill>
+                      <a:prstDash val="solid"/>
+                      <a:round/>
+                      <a:headEnd type="none" w="med" len="med"/>
+                      <a:tailEnd type="none" w="med" len="med"/>
+                    </a:lnT>
+                    <a:lnB w="12700" cap="flat" cmpd="sng" algn="ctr">
+                      <a:solidFill>
+                        <a:schemeClr val="tx1"/>
+                      </a:solidFill>
+                      <a:prstDash val="solid"/>
+                      <a:round/>
+                      <a:headEnd type="none" w="med" len="med"/>
+                      <a:tailEnd type="none" w="med" len="med"/>
+                    </a:lnB>
+                    <a:solidFill>
+                      <a:schemeClr val="accent1"/>
+                    </a:solidFill>
+                  </a:tcPr>
+                </a:tc>
+                <a:tc>
+                  <a:txBody>
+                    <a:bodyPr/>
+                    <a:lstStyle/>
+                    <a:p>
+                      <a:pPr algn="ctr"/>
+                      <a:r>
+                        <a:rPr lang="en-US" b="0" dirty="0">
+                          <a:ln>
+                            <a:solidFill>
+                              <a:schemeClr val="bg1"/>
+                            </a:solidFill>
+                          </a:ln>
+                          <a:solidFill>
+                            <a:schemeClr val="bg1"/>
+                          </a:solidFill>
+                        </a:rPr>
+                        <a:t>18</a:t>
+                      </a:r>
+                    </a:p>
+                  </a:txBody>
+                  <a:tcPr anchor="ctr">
+                    <a:lnL w="12700" cap="flat" cmpd="sng" algn="ctr">
+                      <a:solidFill>
+                        <a:schemeClr val="tx1"/>
+                      </a:solidFill>
+                      <a:prstDash val="solid"/>
+                      <a:round/>
+                      <a:headEnd type="none" w="med" len="med"/>
+                      <a:tailEnd type="none" w="med" len="med"/>
+                    </a:lnL>
+                    <a:lnR w="12700" cap="flat" cmpd="sng" algn="ctr">
+                      <a:solidFill>
+                        <a:schemeClr val="tx1"/>
+                      </a:solidFill>
+                      <a:prstDash val="solid"/>
+                      <a:round/>
+                      <a:headEnd type="none" w="med" len="med"/>
+                      <a:tailEnd type="none" w="med" len="med"/>
+                    </a:lnR>
+                    <a:lnT w="12700" cap="flat" cmpd="sng" algn="ctr">
+                      <a:solidFill>
+                        <a:schemeClr val="tx1"/>
+                      </a:solidFill>
+                      <a:prstDash val="solid"/>
+                      <a:round/>
+                      <a:headEnd type="none" w="med" len="med"/>
+                      <a:tailEnd type="none" w="med" len="med"/>
+                    </a:lnT>
+                    <a:lnB w="12700" cap="flat" cmpd="sng" algn="ctr">
+                      <a:solidFill>
+                        <a:schemeClr val="tx1"/>
+                      </a:solidFill>
+                      <a:prstDash val="solid"/>
+                      <a:round/>
+                      <a:headEnd type="none" w="med" len="med"/>
+                      <a:tailEnd type="none" w="med" len="med"/>
+                    </a:lnB>
+                    <a:solidFill>
+                      <a:schemeClr val="accent1"/>
+                    </a:solidFill>
+                  </a:tcPr>
+                </a:tc>
+                <a:tc>
+                  <a:txBody>
+                    <a:bodyPr/>
+                    <a:lstStyle/>
+                    <a:p>
+                      <a:pPr algn="ctr"/>
+                      <a:r>
+                        <a:rPr lang="en-US" b="0" dirty="0">
+                          <a:ln>
+                            <a:solidFill>
+                              <a:schemeClr val="bg1"/>
+                            </a:solidFill>
+                          </a:ln>
+                          <a:solidFill>
+                            <a:schemeClr val="bg1"/>
+                          </a:solidFill>
+                        </a:rPr>
+                        <a:t>19</a:t>
+                      </a:r>
+                    </a:p>
+                  </a:txBody>
+                  <a:tcPr anchor="ctr">
+                    <a:lnL w="12700" cap="flat" cmpd="sng" algn="ctr">
+                      <a:solidFill>
+                        <a:schemeClr val="tx1"/>
+                      </a:solidFill>
+                      <a:prstDash val="solid"/>
+                      <a:round/>
+                      <a:headEnd type="none" w="med" len="med"/>
+                      <a:tailEnd type="none" w="med" len="med"/>
+                    </a:lnL>
+                    <a:lnR w="12700" cap="flat" cmpd="sng" algn="ctr">
+                      <a:solidFill>
+                        <a:schemeClr val="tx1"/>
+                      </a:solidFill>
+                      <a:prstDash val="solid"/>
+                      <a:round/>
+                      <a:headEnd type="none" w="med" len="med"/>
+                      <a:tailEnd type="none" w="med" len="med"/>
+                    </a:lnR>
+                    <a:lnT w="12700" cap="flat" cmpd="sng" algn="ctr">
+                      <a:solidFill>
+                        <a:schemeClr val="tx1"/>
+                      </a:solidFill>
+                      <a:prstDash val="solid"/>
+                      <a:round/>
+                      <a:headEnd type="none" w="med" len="med"/>
+                      <a:tailEnd type="none" w="med" len="med"/>
+                    </a:lnT>
+                    <a:lnB w="12700" cap="flat" cmpd="sng" algn="ctr">
+                      <a:solidFill>
+                        <a:schemeClr val="tx1"/>
+                      </a:solidFill>
+                      <a:prstDash val="solid"/>
+                      <a:round/>
+                      <a:headEnd type="none" w="med" len="med"/>
+                      <a:tailEnd type="none" w="med" len="med"/>
+                    </a:lnB>
+                    <a:solidFill>
+                      <a:schemeClr val="accent1"/>
+                    </a:solidFill>
+                  </a:tcPr>
+                </a:tc>
+                <a:tc>
+                  <a:txBody>
+                    <a:bodyPr/>
+                    <a:lstStyle/>
+                    <a:p>
+                      <a:pPr algn="ctr"/>
+                      <a:r>
+                        <a:rPr lang="en-US" b="0" dirty="0">
+                          <a:ln>
+                            <a:solidFill>
+                              <a:schemeClr val="bg1"/>
+                            </a:solidFill>
+                          </a:ln>
+                          <a:solidFill>
+                            <a:schemeClr val="bg1"/>
+                          </a:solidFill>
+                        </a:rPr>
+                        <a:t>20</a:t>
+                      </a:r>
+                    </a:p>
+                  </a:txBody>
+                  <a:tcPr anchor="ctr">
+                    <a:lnL w="12700" cap="flat" cmpd="sng" algn="ctr">
+                      <a:solidFill>
+                        <a:schemeClr val="tx1"/>
+                      </a:solidFill>
+                      <a:prstDash val="solid"/>
+                      <a:round/>
+                      <a:headEnd type="none" w="med" len="med"/>
+                      <a:tailEnd type="none" w="med" len="med"/>
+                    </a:lnL>
+                    <a:lnR w="12700" cap="flat" cmpd="sng" algn="ctr">
+                      <a:solidFill>
+                        <a:schemeClr val="tx1"/>
+                      </a:solidFill>
+                      <a:prstDash val="solid"/>
+                      <a:round/>
+                      <a:headEnd type="none" w="med" len="med"/>
+                      <a:tailEnd type="none" w="med" len="med"/>
+                    </a:lnR>
+                    <a:lnT w="12700" cap="flat" cmpd="sng" algn="ctr">
+                      <a:solidFill>
+                        <a:schemeClr val="tx1"/>
+                      </a:solidFill>
+                      <a:prstDash val="solid"/>
+                      <a:round/>
+                      <a:headEnd type="none" w="med" len="med"/>
+                      <a:tailEnd type="none" w="med" len="med"/>
+                    </a:lnT>
+                    <a:lnB w="12700" cap="flat" cmpd="sng" algn="ctr">
+                      <a:solidFill>
+                        <a:schemeClr val="tx1"/>
+                      </a:solidFill>
+                      <a:prstDash val="solid"/>
+                      <a:round/>
+                      <a:headEnd type="none" w="med" len="med"/>
+                      <a:tailEnd type="none" w="med" len="med"/>
+                    </a:lnB>
+                    <a:solidFill>
+                      <a:schemeClr val="accent1"/>
+                    </a:solidFill>
+                  </a:tcPr>
+                </a:tc>
+                <a:extLst>
+                  <a:ext uri="{0D108BD9-81ED-4DB2-BD59-A6C34878D82A}">
+                    <a16:rowId xmlns:a16="http://schemas.microsoft.com/office/drawing/2014/main" val="3925520904"/>
+                  </a:ext>
+                </a:extLst>
+              </a:tr>
+            </a:tbl>
+          </a:graphicData>
+        </a:graphic>
+      </p:graphicFrame>
+      <p:sp>
+        <p:nvSpPr>
+          <p:cNvPr id="5" name="Rectangle 4">
+            <a:extLst>
+              <a:ext uri="{FF2B5EF4-FFF2-40B4-BE49-F238E27FC236}">
+                <a16:creationId xmlns:a16="http://schemas.microsoft.com/office/drawing/2014/main" id="{51591145-C759-3D41-8C7E-2865A3096494}"/>
+              </a:ext>
+            </a:extLst>
+          </p:cNvPr>
+          <p:cNvSpPr/>
+          <p:nvPr/>
+        </p:nvSpPr>
+        <p:spPr>
+          <a:xfrm>
+            <a:off x="4740601" y="2252543"/>
+            <a:ext cx="239697" cy="239697"/>
+          </a:xfrm>
+          <a:prstGeom prst="rect">
+            <a:avLst/>
+          </a:prstGeom>
+          <a:solidFill>
+            <a:schemeClr val="accent6"/>
+          </a:solidFill>
+          <a:ln>
+            <a:noFill/>
+          </a:ln>
+        </p:spPr>
+        <p:style>
+          <a:lnRef idx="2">
+            <a:schemeClr val="accent1">
+              <a:shade val="50000"/>
+            </a:schemeClr>
+          </a:lnRef>
+          <a:fillRef idx="1">
+            <a:schemeClr val="accent1"/>
+          </a:fillRef>
+          <a:effectRef idx="0">
+            <a:schemeClr val="accent1"/>
+          </a:effectRef>
+          <a:fontRef idx="minor">
+            <a:schemeClr val="lt1"/>
+          </a:fontRef>
+        </p:style>
+        <p:txBody>
+          <a:bodyPr rtlCol="0" anchor="ctr"/>
+          <a:lstStyle/>
+          <a:p>
+            <a:pPr algn="ctr"/>
+            <a:endParaRPr lang="en-US"/>
+          </a:p>
+        </p:txBody>
+      </p:sp>
+      <p:sp>
+        <p:nvSpPr>
+          <p:cNvPr id="6" name="Rectangle 5">
+            <a:extLst>
+              <a:ext uri="{FF2B5EF4-FFF2-40B4-BE49-F238E27FC236}">
+                <a16:creationId xmlns:a16="http://schemas.microsoft.com/office/drawing/2014/main" id="{FF3A0B16-C221-9845-AED4-F1B52387AD93}"/>
+              </a:ext>
+            </a:extLst>
+          </p:cNvPr>
+          <p:cNvSpPr/>
+          <p:nvPr/>
+        </p:nvSpPr>
+        <p:spPr>
+          <a:xfrm>
+            <a:off x="3551851" y="2256979"/>
+            <a:ext cx="239697" cy="239697"/>
+          </a:xfrm>
+          <a:prstGeom prst="rect">
+            <a:avLst/>
+          </a:prstGeom>
+          <a:solidFill>
+            <a:schemeClr val="accent1"/>
+          </a:solidFill>
+          <a:ln>
+            <a:noFill/>
+          </a:ln>
+        </p:spPr>
+        <p:style>
+          <a:lnRef idx="2">
+            <a:schemeClr val="accent1">
+              <a:shade val="50000"/>
+            </a:schemeClr>
+          </a:lnRef>
+          <a:fillRef idx="1">
+            <a:schemeClr val="accent1"/>
+          </a:fillRef>
+          <a:effectRef idx="0">
+            <a:schemeClr val="accent1"/>
+          </a:effectRef>
+          <a:fontRef idx="minor">
+            <a:schemeClr val="lt1"/>
+          </a:fontRef>
+        </p:style>
+        <p:txBody>
+          <a:bodyPr rtlCol="0" anchor="ctr"/>
+          <a:lstStyle/>
+          <a:p>
+            <a:pPr algn="ctr"/>
+            <a:endParaRPr lang="en-US"/>
+          </a:p>
+        </p:txBody>
+      </p:sp>
+      <p:sp>
+        <p:nvSpPr>
+          <p:cNvPr id="7" name="TextBox 6">
+            <a:extLst>
+              <a:ext uri="{FF2B5EF4-FFF2-40B4-BE49-F238E27FC236}">
+                <a16:creationId xmlns:a16="http://schemas.microsoft.com/office/drawing/2014/main" id="{A713B0BD-5CA7-BD4E-986B-0668D83FA435}"/>
+              </a:ext>
+            </a:extLst>
+          </p:cNvPr>
+          <p:cNvSpPr txBox="1"/>
+          <p:nvPr/>
+        </p:nvSpPr>
+        <p:spPr>
+          <a:xfrm>
+            <a:off x="5038187" y="2195909"/>
+            <a:ext cx="948658" cy="369332"/>
+          </a:xfrm>
+          <a:prstGeom prst="rect">
+            <a:avLst/>
+          </a:prstGeom>
+          <a:noFill/>
+        </p:spPr>
+        <p:txBody>
+          <a:bodyPr wrap="none" rtlCol="0">
+            <a:spAutoFit/>
+          </a:bodyPr>
+          <a:lstStyle/>
+          <a:p>
+            <a:r>
+              <a:rPr lang="en-US" dirty="0"/>
+              <a:t>“Green”</a:t>
+            </a:r>
+          </a:p>
+        </p:txBody>
+      </p:sp>
+      <p:sp>
+        <p:nvSpPr>
+          <p:cNvPr id="8" name="TextBox 7">
+            <a:extLst>
+              <a:ext uri="{FF2B5EF4-FFF2-40B4-BE49-F238E27FC236}">
+                <a16:creationId xmlns:a16="http://schemas.microsoft.com/office/drawing/2014/main" id="{B95AC3C9-0A3E-7648-ACEB-F5463C631435}"/>
+              </a:ext>
+            </a:extLst>
+          </p:cNvPr>
+          <p:cNvSpPr txBox="1"/>
+          <p:nvPr/>
+        </p:nvSpPr>
+        <p:spPr>
+          <a:xfrm>
+            <a:off x="3828600" y="2192161"/>
+            <a:ext cx="792205" cy="369332"/>
+          </a:xfrm>
+          <a:prstGeom prst="rect">
+            <a:avLst/>
+          </a:prstGeom>
+          <a:noFill/>
+        </p:spPr>
+        <p:txBody>
+          <a:bodyPr wrap="none" rtlCol="0">
+            <a:spAutoFit/>
+          </a:bodyPr>
+          <a:lstStyle/>
+          <a:p>
+            <a:r>
+              <a:rPr lang="en-US" dirty="0"/>
+              <a:t>“Blue”</a:t>
+            </a:r>
+          </a:p>
+        </p:txBody>
+      </p:sp>
+      <p:sp>
+        <p:nvSpPr>
+          <p:cNvPr id="9" name="Rectangle 8">
+            <a:extLst>
+              <a:ext uri="{FF2B5EF4-FFF2-40B4-BE49-F238E27FC236}">
+                <a16:creationId xmlns:a16="http://schemas.microsoft.com/office/drawing/2014/main" id="{76C7CE71-0BAB-FA4F-8DAB-613BD3E220F0}"/>
+              </a:ext>
+            </a:extLst>
+          </p:cNvPr>
+          <p:cNvSpPr/>
+          <p:nvPr/>
+        </p:nvSpPr>
+        <p:spPr>
+          <a:xfrm>
+            <a:off x="6205157" y="2252543"/>
+            <a:ext cx="239697" cy="239697"/>
+          </a:xfrm>
+          <a:prstGeom prst="rect">
+            <a:avLst/>
+          </a:prstGeom>
+          <a:solidFill>
+            <a:srgbClr val="D81E00"/>
+          </a:solidFill>
+          <a:ln>
+            <a:noFill/>
+          </a:ln>
+        </p:spPr>
+        <p:style>
+          <a:lnRef idx="2">
+            <a:schemeClr val="accent1">
+              <a:shade val="50000"/>
+            </a:schemeClr>
+          </a:lnRef>
+          <a:fillRef idx="1">
+            <a:schemeClr val="accent1"/>
+          </a:fillRef>
+          <a:effectRef idx="0">
+            <a:schemeClr val="accent1"/>
+          </a:effectRef>
+          <a:fontRef idx="minor">
+            <a:schemeClr val="lt1"/>
+          </a:fontRef>
+        </p:style>
+        <p:txBody>
+          <a:bodyPr rtlCol="0" anchor="ctr"/>
+          <a:lstStyle/>
+          <a:p>
+            <a:pPr algn="ctr"/>
+            <a:endParaRPr lang="en-US"/>
+          </a:p>
+        </p:txBody>
+      </p:sp>
+      <p:sp>
+        <p:nvSpPr>
+          <p:cNvPr id="10" name="TextBox 9">
+            <a:extLst>
+              <a:ext uri="{FF2B5EF4-FFF2-40B4-BE49-F238E27FC236}">
+                <a16:creationId xmlns:a16="http://schemas.microsoft.com/office/drawing/2014/main" id="{5155702F-C91D-C64F-9FEC-8D1ACF6EA723}"/>
+              </a:ext>
+            </a:extLst>
+          </p:cNvPr>
+          <p:cNvSpPr txBox="1"/>
+          <p:nvPr/>
+        </p:nvSpPr>
+        <p:spPr>
+          <a:xfrm>
+            <a:off x="6502743" y="2195909"/>
+            <a:ext cx="735266" cy="369332"/>
+          </a:xfrm>
+          <a:prstGeom prst="rect">
+            <a:avLst/>
+          </a:prstGeom>
+          <a:noFill/>
+        </p:spPr>
+        <p:txBody>
+          <a:bodyPr wrap="none" rtlCol="0">
+            <a:spAutoFit/>
+          </a:bodyPr>
+          <a:lstStyle/>
+          <a:p>
+            <a:r>
+              <a:rPr lang="en-US" dirty="0"/>
+              <a:t>“Red”</a:t>
+            </a:r>
+          </a:p>
+        </p:txBody>
+      </p:sp>
+      <p:sp>
+        <p:nvSpPr>
+          <p:cNvPr id="14" name="Left Brace 13">
+            <a:extLst>
+              <a:ext uri="{FF2B5EF4-FFF2-40B4-BE49-F238E27FC236}">
+                <a16:creationId xmlns:a16="http://schemas.microsoft.com/office/drawing/2014/main" id="{DAA31290-96C9-044B-91BE-4EB7058B4789}"/>
+              </a:ext>
+            </a:extLst>
+          </p:cNvPr>
+          <p:cNvSpPr/>
+          <p:nvPr/>
+        </p:nvSpPr>
+        <p:spPr>
+          <a:xfrm rot="5400000">
+            <a:off x="2951878" y="-785426"/>
+            <a:ext cx="292309" cy="3285139"/>
+          </a:xfrm>
+          <a:prstGeom prst="leftBrace">
+            <a:avLst/>
+          </a:prstGeom>
+          <a:ln w="19050">
+            <a:solidFill>
+              <a:schemeClr val="tx1"/>
+            </a:solidFill>
+          </a:ln>
+        </p:spPr>
+        <p:style>
+          <a:lnRef idx="1">
+            <a:schemeClr val="accent1"/>
+          </a:lnRef>
+          <a:fillRef idx="0">
+            <a:schemeClr val="accent1"/>
+          </a:fillRef>
+          <a:effectRef idx="0">
+            <a:schemeClr val="accent1"/>
+          </a:effectRef>
+          <a:fontRef idx="minor">
+            <a:schemeClr val="tx1"/>
+          </a:fontRef>
+        </p:style>
+        <p:txBody>
+          <a:bodyPr rtlCol="0" anchor="ctr"/>
+          <a:lstStyle/>
+          <a:p>
+            <a:pPr algn="ctr"/>
+            <a:endParaRPr lang="en-US"/>
+          </a:p>
+        </p:txBody>
+      </p:sp>
+      <mc:AlternateContent xmlns:mc="http://schemas.openxmlformats.org/markup-compatibility/2006">
+        <mc:Choice xmlns:a14="http://schemas.microsoft.com/office/drawing/2010/main" Requires="a14">
+          <p:sp>
+            <p:nvSpPr>
+              <p:cNvPr id="15" name="TextBox 14">
+                <a:extLst>
+                  <a:ext uri="{FF2B5EF4-FFF2-40B4-BE49-F238E27FC236}">
+                    <a16:creationId xmlns:a16="http://schemas.microsoft.com/office/drawing/2014/main" id="{0D2EB948-3028-0844-8F20-54C3198843C5}"/>
+                  </a:ext>
+                </a:extLst>
+              </p:cNvPr>
+              <p:cNvSpPr txBox="1"/>
+              <p:nvPr/>
+            </p:nvSpPr>
+            <p:spPr>
+              <a:xfrm>
+                <a:off x="1797900" y="341657"/>
+                <a:ext cx="2600264" cy="369332"/>
+              </a:xfrm>
+              <a:prstGeom prst="rect">
+                <a:avLst/>
+              </a:prstGeom>
+              <a:noFill/>
+            </p:spPr>
+            <p:txBody>
+              <a:bodyPr wrap="none" rtlCol="0">
+                <a:spAutoFit/>
+              </a:bodyPr>
+              <a:lstStyle/>
+              <a:p>
+                <a:r>
+                  <a:rPr lang="en-US" dirty="0"/>
+                  <a:t>Repeating Pattern </a:t>
+                </a:r>
+                <a14:m>
+                  <m:oMath xmlns:m="http://schemas.openxmlformats.org/officeDocument/2006/math">
+                    <m:sSup>
+                      <m:sSupPr>
+                        <m:ctrlPr>
+                          <a:rPr lang="en-US" b="0" i="1" smtClean="0">
+                            <a:latin typeface="Cambria Math" panose="02040503050406030204" pitchFamily="18" charset="0"/>
+                          </a:rPr>
+                        </m:ctrlPr>
+                      </m:sSupPr>
+                      <m:e>
+                        <m:r>
+                          <a:rPr lang="en-US" b="0" i="1" smtClean="0">
+                            <a:latin typeface="Cambria Math" panose="02040503050406030204" pitchFamily="18" charset="0"/>
+                          </a:rPr>
+                          <m:t>2</m:t>
+                        </m:r>
+                      </m:e>
+                      <m:sup>
+                        <m:r>
+                          <a:rPr lang="en-US" b="0" i="1" smtClean="0">
+                            <a:latin typeface="Cambria Math" panose="02040503050406030204" pitchFamily="18" charset="0"/>
+                          </a:rPr>
+                          <m:t>𝑛</m:t>
+                        </m:r>
+                      </m:sup>
+                    </m:sSup>
+                    <m:r>
+                      <a:rPr lang="en-US" b="0" i="1" smtClean="0">
+                        <a:latin typeface="Cambria Math" panose="02040503050406030204" pitchFamily="18" charset="0"/>
+                      </a:rPr>
+                      <m:t>=8</m:t>
+                    </m:r>
+                  </m:oMath>
+                </a14:m>
+                <a:endParaRPr lang="en-US" dirty="0"/>
+              </a:p>
+            </p:txBody>
+          </p:sp>
+        </mc:Choice>
+        <mc:Fallback>
+          <p:sp>
+            <p:nvSpPr>
+              <p:cNvPr id="15" name="TextBox 14">
+                <a:extLst>
+                  <a:ext uri="{FF2B5EF4-FFF2-40B4-BE49-F238E27FC236}">
+                    <a16:creationId xmlns:a16="http://schemas.microsoft.com/office/drawing/2014/main" id="{0D2EB948-3028-0844-8F20-54C3198843C5}"/>
+                  </a:ext>
+                </a:extLst>
+              </p:cNvPr>
+              <p:cNvSpPr txBox="1">
+                <a:spLocks noRot="1" noChangeAspect="1" noMove="1" noResize="1" noEditPoints="1" noAdjustHandles="1" noChangeArrowheads="1" noChangeShapeType="1" noTextEdit="1"/>
+              </p:cNvSpPr>
+              <p:nvPr/>
+            </p:nvSpPr>
+            <p:spPr>
+              <a:xfrm>
+                <a:off x="1797900" y="341657"/>
+                <a:ext cx="2600264" cy="369332"/>
+              </a:xfrm>
+              <a:prstGeom prst="rect">
+                <a:avLst/>
+              </a:prstGeom>
+              <a:blipFill>
+                <a:blip r:embed="rId2"/>
+                <a:stretch>
+                  <a:fillRect l="-1951" t="-6667" b="-23333"/>
+                </a:stretch>
+              </a:blipFill>
+            </p:spPr>
+            <p:txBody>
+              <a:bodyPr/>
+              <a:lstStyle/>
+              <a:p>
+                <a:r>
+                  <a:rPr lang="en-US">
+                    <a:noFill/>
+                  </a:rPr>
+                  <a:t> </a:t>
+                </a:r>
+              </a:p>
+            </p:txBody>
+          </p:sp>
+        </mc:Fallback>
+      </mc:AlternateContent>
+    </p:spTree>
+    <p:extLst>
+      <p:ext uri="{BB962C8B-B14F-4D97-AF65-F5344CB8AC3E}">
+        <p14:creationId xmlns:p14="http://schemas.microsoft.com/office/powerpoint/2010/main" val="2229776372"/>
+      </p:ext>
+    </p:extLst>
+  </p:cSld>
+  <p:clrMapOvr>
+    <a:masterClrMapping/>
+  </p:clrMapOvr>
+</p:sld>
+</file>
+
 <file path=ppt/theme/theme1.xml><?xml version="1.0" encoding="utf-8"?>
 <a:theme xmlns:a="http://schemas.openxmlformats.org/drawingml/2006/main" name="Office Theme">
   <a:themeElements>
